--- a/lessons/H_text2Vec_documentClassification/B_text2Vec_v2.pptx
+++ b/lessons/H_text2Vec_documentClassification/B_text2Vec_v2.pptx
@@ -5,24 +5,26 @@
     <p:sldMasterId id="2147483660" r:id="rId1"/>
   </p:sldMasterIdLst>
   <p:notesMasterIdLst>
-    <p:notesMasterId r:id="rId17"/>
+    <p:notesMasterId r:id="rId19"/>
   </p:notesMasterIdLst>
   <p:sldIdLst>
     <p:sldId id="652" r:id="rId2"/>
     <p:sldId id="653" r:id="rId3"/>
-    <p:sldId id="660" r:id="rId4"/>
-    <p:sldId id="661" r:id="rId5"/>
-    <p:sldId id="659" r:id="rId6"/>
-    <p:sldId id="663" r:id="rId7"/>
-    <p:sldId id="664" r:id="rId8"/>
-    <p:sldId id="666" r:id="rId9"/>
-    <p:sldId id="662" r:id="rId10"/>
-    <p:sldId id="654" r:id="rId11"/>
-    <p:sldId id="655" r:id="rId12"/>
-    <p:sldId id="656" r:id="rId13"/>
-    <p:sldId id="657" r:id="rId14"/>
-    <p:sldId id="658" r:id="rId15"/>
-    <p:sldId id="665" r:id="rId16"/>
+    <p:sldId id="667" r:id="rId4"/>
+    <p:sldId id="660" r:id="rId5"/>
+    <p:sldId id="661" r:id="rId6"/>
+    <p:sldId id="659" r:id="rId7"/>
+    <p:sldId id="663" r:id="rId8"/>
+    <p:sldId id="664" r:id="rId9"/>
+    <p:sldId id="666" r:id="rId10"/>
+    <p:sldId id="662" r:id="rId11"/>
+    <p:sldId id="654" r:id="rId12"/>
+    <p:sldId id="655" r:id="rId13"/>
+    <p:sldId id="656" r:id="rId14"/>
+    <p:sldId id="657" r:id="rId15"/>
+    <p:sldId id="658" r:id="rId16"/>
+    <p:sldId id="665" r:id="rId17"/>
+    <p:sldId id="668" r:id="rId18"/>
   </p:sldIdLst>
   <p:sldSz cx="9144000" cy="6858000" type="screen4x3"/>
   <p:notesSz cx="6858000" cy="9144000"/>
@@ -228,7 +230,7 @@
           <a:p>
             <a:fld id="{B0C0A60C-850A-4EA4-9C14-A8FE98B94505}" type="datetimeFigureOut">
               <a:rPr lang="en-US" smtClean="0"/>
-              <a:t>3/25/21</a:t>
+              <a:t>3/31/21</a:t>
             </a:fld>
             <a:endParaRPr lang="en-US"/>
           </a:p>
@@ -627,7 +629,7 @@
           <a:p>
             <a:fld id="{5738B90E-0779-4C36-915C-6F05FCD89456}" type="datetime1">
               <a:rPr lang="en-US" smtClean="0"/>
-              <a:t>3/25/21</a:t>
+              <a:t>3/31/21</a:t>
             </a:fld>
             <a:endParaRPr lang="en-US"/>
           </a:p>
@@ -807,7 +809,7 @@
           <a:p>
             <a:fld id="{7B9EA29D-D431-42FE-B7B6-AAE4454C77D3}" type="datetime1">
               <a:rPr lang="en-US" smtClean="0"/>
-              <a:t>3/25/21</a:t>
+              <a:t>3/31/21</a:t>
             </a:fld>
             <a:endParaRPr lang="en-US"/>
           </a:p>
@@ -1064,7 +1066,7 @@
           <a:p>
             <a:fld id="{690D8A1E-EA8F-46C1-B891-AE0C00D9C314}" type="datetime1">
               <a:rPr lang="en-US" smtClean="0"/>
-              <a:t>3/25/21</a:t>
+              <a:t>3/31/21</a:t>
             </a:fld>
             <a:endParaRPr lang="en-US"/>
           </a:p>
@@ -1355,7 +1357,7 @@
           <a:p>
             <a:fld id="{D753EFC8-4232-4598-94F6-94C0EBAFC469}" type="datetime1">
               <a:rPr lang="en-US" smtClean="0"/>
-              <a:t>3/25/21</a:t>
+              <a:t>3/31/21</a:t>
             </a:fld>
             <a:endParaRPr lang="en-US"/>
           </a:p>
@@ -1667,7 +1669,7 @@
           <a:p>
             <a:fld id="{F3161074-1C18-4AE7-957D-F18524378C85}" type="datetime1">
               <a:rPr lang="en-US" smtClean="0"/>
-              <a:t>3/25/21</a:t>
+              <a:t>3/31/21</a:t>
             </a:fld>
             <a:endParaRPr lang="en-US"/>
           </a:p>
@@ -1903,7 +1905,7 @@
           <a:p>
             <a:fld id="{69BE256C-8D9A-4404-B47D-41A1AE514425}" type="datetime1">
               <a:rPr lang="en-US" smtClean="0"/>
-              <a:t>3/25/21</a:t>
+              <a:t>3/31/21</a:t>
             </a:fld>
             <a:endParaRPr lang="en-US"/>
           </a:p>
@@ -2334,7 +2336,7 @@
           <a:p>
             <a:fld id="{66CB2154-9035-4012-8189-BAAB61C5A5EE}" type="datetime1">
               <a:rPr lang="en-US" smtClean="0"/>
-              <a:t>3/25/21</a:t>
+              <a:t>3/31/21</a:t>
             </a:fld>
             <a:endParaRPr lang="en-US"/>
           </a:p>
@@ -2505,7 +2507,7 @@
           <a:p>
             <a:fld id="{6700A58B-DD98-43D0-B791-721480A02982}" type="datetime1">
               <a:rPr lang="en-US" smtClean="0"/>
-              <a:t>3/25/21</a:t>
+              <a:t>3/31/21</a:t>
             </a:fld>
             <a:endParaRPr lang="en-US"/>
           </a:p>
@@ -2694,7 +2696,7 @@
           <a:p>
             <a:fld id="{7DB6E382-4F61-4E24-BE1A-377EC83D0E3A}" type="datetime1">
               <a:rPr lang="en-US" smtClean="0"/>
-              <a:t>3/25/21</a:t>
+              <a:t>3/31/21</a:t>
             </a:fld>
             <a:endParaRPr lang="en-US"/>
           </a:p>
@@ -3002,7 +3004,7 @@
           <a:p>
             <a:fld id="{4142EED6-FC16-45B9-B8C4-2BC5DBA88325}" type="datetime1">
               <a:rPr lang="en-US" smtClean="0"/>
-              <a:t>3/25/21</a:t>
+              <a:t>3/31/21</a:t>
             </a:fld>
             <a:endParaRPr lang="en-US"/>
           </a:p>
@@ -3317,7 +3319,7 @@
           <a:p>
             <a:fld id="{DF59512B-4F1D-43D7-8819-2F53FEF69650}" type="datetime1">
               <a:rPr lang="en-US" smtClean="0"/>
-              <a:t>3/25/21</a:t>
+              <a:t>3/31/21</a:t>
             </a:fld>
             <a:endParaRPr lang="en-US"/>
           </a:p>
@@ -3590,7 +3592,7 @@
           <a:p>
             <a:fld id="{08437B94-E2BF-44DC-ADC5-B05FC9934E9D}" type="datetime1">
               <a:rPr lang="en-US" smtClean="0"/>
-              <a:t>3/25/21</a:t>
+              <a:t>3/31/21</a:t>
             </a:fld>
             <a:endParaRPr lang="en-US"/>
           </a:p>
@@ -4023,7 +4025,7 @@
           <a:p>
             <a:fld id="{6700A58B-DD98-43D0-B791-721480A02982}" type="datetime1">
               <a:rPr lang="en-US" smtClean="0"/>
-              <a:t>3/25/21</a:t>
+              <a:t>3/31/21</a:t>
             </a:fld>
             <a:endParaRPr lang="en-US"/>
           </a:p>
@@ -4796,6 +4798,255 @@
           <p:cNvPr id="2" name="Date Placeholder 1">
             <a:extLst>
               <a:ext uri="{FF2B5EF4-FFF2-40B4-BE49-F238E27FC236}">
+                <a16:creationId xmlns:a16="http://schemas.microsoft.com/office/drawing/2014/main" id="{C2682C8C-C6C4-014A-91A0-79D3AA4CD284}"/>
+              </a:ext>
+            </a:extLst>
+          </p:cNvPr>
+          <p:cNvSpPr>
+            <a:spLocks noGrp="1"/>
+          </p:cNvSpPr>
+          <p:nvPr>
+            <p:ph type="dt" sz="half" idx="10"/>
+          </p:nvPr>
+        </p:nvSpPr>
+        <p:spPr/>
+        <p:txBody>
+          <a:bodyPr/>
+          <a:lstStyle/>
+          <a:p>
+            <a:fld id="{6700A58B-DD98-43D0-B791-721480A02982}" type="datetime1">
+              <a:rPr lang="en-US" smtClean="0"/>
+              <a:t>3/31/21</a:t>
+            </a:fld>
+            <a:endParaRPr lang="en-US"/>
+          </a:p>
+        </p:txBody>
+      </p:sp>
+      <p:sp>
+        <p:nvSpPr>
+          <p:cNvPr id="3" name="Title 2">
+            <a:extLst>
+              <a:ext uri="{FF2B5EF4-FFF2-40B4-BE49-F238E27FC236}">
+                <a16:creationId xmlns:a16="http://schemas.microsoft.com/office/drawing/2014/main" id="{C29F1203-8663-9341-AB14-D0BA806DD8B0}"/>
+              </a:ext>
+            </a:extLst>
+          </p:cNvPr>
+          <p:cNvSpPr>
+            <a:spLocks noGrp="1"/>
+          </p:cNvSpPr>
+          <p:nvPr>
+            <p:ph type="title"/>
+          </p:nvPr>
+        </p:nvSpPr>
+        <p:spPr/>
+        <p:txBody>
+          <a:bodyPr/>
+          <a:lstStyle/>
+          <a:p>
+            <a:r>
+              <a:rPr lang="en-US" dirty="0"/>
+              <a:t>Word2Vec uses Deep Neural Networks</a:t>
+            </a:r>
+          </a:p>
+        </p:txBody>
+      </p:sp>
+      <p:sp>
+        <p:nvSpPr>
+          <p:cNvPr id="4" name="Slide Number Placeholder 3">
+            <a:extLst>
+              <a:ext uri="{FF2B5EF4-FFF2-40B4-BE49-F238E27FC236}">
+                <a16:creationId xmlns:a16="http://schemas.microsoft.com/office/drawing/2014/main" id="{E73B942A-2B4E-F342-BA2C-958DA17581AE}"/>
+              </a:ext>
+            </a:extLst>
+          </p:cNvPr>
+          <p:cNvSpPr>
+            <a:spLocks noGrp="1"/>
+          </p:cNvSpPr>
+          <p:nvPr>
+            <p:ph type="sldNum" sz="quarter" idx="12"/>
+          </p:nvPr>
+        </p:nvSpPr>
+        <p:spPr/>
+        <p:txBody>
+          <a:bodyPr/>
+          <a:lstStyle/>
+          <a:p>
+            <a:fld id="{37290FF7-652B-4475-AEAB-8B1A5D23AE09}" type="slidenum">
+              <a:rPr lang="en-US" smtClean="0"/>
+              <a:t>10</a:t>
+            </a:fld>
+            <a:endParaRPr lang="en-US"/>
+          </a:p>
+        </p:txBody>
+      </p:sp>
+      <p:sp>
+        <p:nvSpPr>
+          <p:cNvPr id="5" name="Footer Placeholder 4">
+            <a:extLst>
+              <a:ext uri="{FF2B5EF4-FFF2-40B4-BE49-F238E27FC236}">
+                <a16:creationId xmlns:a16="http://schemas.microsoft.com/office/drawing/2014/main" id="{BD7E4050-AAEB-D140-8FE9-F32499D5A53E}"/>
+              </a:ext>
+            </a:extLst>
+          </p:cNvPr>
+          <p:cNvSpPr>
+            <a:spLocks noGrp="1"/>
+          </p:cNvSpPr>
+          <p:nvPr>
+            <p:ph type="ftr" sz="quarter" idx="3"/>
+          </p:nvPr>
+        </p:nvSpPr>
+        <p:spPr/>
+        <p:txBody>
+          <a:bodyPr/>
+          <a:lstStyle/>
+          <a:p>
+            <a:r>
+              <a:rPr lang="en-US"/>
+              <a:t>Kwartler</a:t>
+            </a:r>
+            <a:endParaRPr lang="en-US" dirty="0"/>
+          </a:p>
+        </p:txBody>
+      </p:sp>
+      <p:sp>
+        <p:nvSpPr>
+          <p:cNvPr id="6" name="Rectangle 5">
+            <a:extLst>
+              <a:ext uri="{FF2B5EF4-FFF2-40B4-BE49-F238E27FC236}">
+                <a16:creationId xmlns:a16="http://schemas.microsoft.com/office/drawing/2014/main" id="{F72D95A7-8408-034A-9051-0CE66D18CA18}"/>
+              </a:ext>
+            </a:extLst>
+          </p:cNvPr>
+          <p:cNvSpPr/>
+          <p:nvPr/>
+        </p:nvSpPr>
+        <p:spPr>
+          <a:xfrm>
+            <a:off x="1821153" y="2973895"/>
+            <a:ext cx="5501693" cy="682581"/>
+          </a:xfrm>
+          <a:prstGeom prst="rect">
+            <a:avLst/>
+          </a:prstGeom>
+        </p:spPr>
+        <p:style>
+          <a:lnRef idx="2">
+            <a:schemeClr val="accent1">
+              <a:shade val="50000"/>
+            </a:schemeClr>
+          </a:lnRef>
+          <a:fillRef idx="1">
+            <a:schemeClr val="accent1"/>
+          </a:fillRef>
+          <a:effectRef idx="0">
+            <a:schemeClr val="accent1"/>
+          </a:effectRef>
+          <a:fontRef idx="minor">
+            <a:schemeClr val="lt1"/>
+          </a:fontRef>
+        </p:style>
+        <p:txBody>
+          <a:bodyPr rtlCol="0" anchor="ctr"/>
+          <a:lstStyle/>
+          <a:p>
+            <a:pPr algn="ctr"/>
+            <a:r>
+              <a:rPr lang="en-US" dirty="0"/>
+              <a:t>Not covered in class </a:t>
+            </a:r>
+            <a:r>
+              <a:rPr lang="en-US" dirty="0" err="1"/>
+              <a:t>bc</a:t>
+            </a:r>
+            <a:r>
+              <a:rPr lang="en-US" dirty="0"/>
+              <a:t> its conceptually the same but weights are gathered in a different method</a:t>
+            </a:r>
+          </a:p>
+        </p:txBody>
+      </p:sp>
+      <p:sp>
+        <p:nvSpPr>
+          <p:cNvPr id="7" name="TextBox 6">
+            <a:extLst>
+              <a:ext uri="{FF2B5EF4-FFF2-40B4-BE49-F238E27FC236}">
+                <a16:creationId xmlns:a16="http://schemas.microsoft.com/office/drawing/2014/main" id="{6DA8B2E0-688E-CB49-8F54-2CDBE4CB547B}"/>
+              </a:ext>
+            </a:extLst>
+          </p:cNvPr>
+          <p:cNvSpPr txBox="1"/>
+          <p:nvPr/>
+        </p:nvSpPr>
+        <p:spPr>
+          <a:xfrm>
+            <a:off x="628650" y="4683248"/>
+            <a:ext cx="7496860" cy="646331"/>
+          </a:xfrm>
+          <a:prstGeom prst="rect">
+            <a:avLst/>
+          </a:prstGeom>
+          <a:noFill/>
+        </p:spPr>
+        <p:txBody>
+          <a:bodyPr wrap="none" rtlCol="0">
+            <a:spAutoFit/>
+          </a:bodyPr>
+          <a:lstStyle/>
+          <a:p>
+            <a:r>
+              <a:rPr lang="en-US" dirty="0">
+                <a:hlinkClick r:id="rId2"/>
+              </a:rPr>
+              <a:t>https://cran.r-project.org/web/packages/word2vec/word2vec.pdf</a:t>
+            </a:r>
+            <a:endParaRPr lang="en-US" dirty="0"/>
+          </a:p>
+          <a:p>
+            <a:r>
+              <a:rPr lang="en-US" dirty="0">
+                <a:hlinkClick r:id="rId3"/>
+              </a:rPr>
+              <a:t>https://blogs.rstudio.com/ai/posts/2017-12-22-word-embeddings-with-keras/</a:t>
+            </a:r>
+            <a:endParaRPr lang="en-US" dirty="0"/>
+          </a:p>
+        </p:txBody>
+      </p:sp>
+    </p:spTree>
+    <p:extLst>
+      <p:ext uri="{BB962C8B-B14F-4D97-AF65-F5344CB8AC3E}">
+        <p14:creationId xmlns:p14="http://schemas.microsoft.com/office/powerpoint/2010/main" val="2132542440"/>
+      </p:ext>
+    </p:extLst>
+  </p:cSld>
+  <p:clrMapOvr>
+    <a:masterClrMapping/>
+  </p:clrMapOvr>
+</p:sld>
+</file>
+
+<file path=ppt/slides/slide11.xml><?xml version="1.0" encoding="utf-8"?>
+<p:sld xmlns:a="http://schemas.openxmlformats.org/drawingml/2006/main" xmlns:r="http://schemas.openxmlformats.org/officeDocument/2006/relationships" xmlns:p="http://schemas.openxmlformats.org/presentationml/2006/main">
+  <p:cSld>
+    <p:spTree>
+      <p:nvGrpSpPr>
+        <p:cNvPr id="1" name=""/>
+        <p:cNvGrpSpPr/>
+        <p:nvPr/>
+      </p:nvGrpSpPr>
+      <p:grpSpPr>
+        <a:xfrm>
+          <a:off x="0" y="0"/>
+          <a:ext cx="0" cy="0"/>
+          <a:chOff x="0" y="0"/>
+          <a:chExt cx="0" cy="0"/>
+        </a:xfrm>
+      </p:grpSpPr>
+      <p:sp>
+        <p:nvSpPr>
+          <p:cNvPr id="2" name="Date Placeholder 1">
+            <a:extLst>
+              <a:ext uri="{FF2B5EF4-FFF2-40B4-BE49-F238E27FC236}">
                 <a16:creationId xmlns:a16="http://schemas.microsoft.com/office/drawing/2014/main" id="{00096CEA-ADE2-FB40-8FAB-2A87C6B14E6A}"/>
               </a:ext>
             </a:extLst>
@@ -4814,7 +5065,7 @@
           <a:p>
             <a:fld id="{6700A58B-DD98-43D0-B791-721480A02982}" type="datetime1">
               <a:rPr lang="en-US" smtClean="0"/>
-              <a:t>3/25/21</a:t>
+              <a:t>3/31/21</a:t>
             </a:fld>
             <a:endParaRPr lang="en-US"/>
           </a:p>
@@ -4871,7 +5122,7 @@
           <a:p>
             <a:fld id="{37290FF7-652B-4475-AEAB-8B1A5D23AE09}" type="slidenum">
               <a:rPr lang="en-US" smtClean="0"/>
-              <a:t>10</a:t>
+              <a:t>11</a:t>
             </a:fld>
             <a:endParaRPr lang="en-US"/>
           </a:p>
@@ -7188,7 +7439,7 @@
 </p:sld>
 </file>
 
-<file path=ppt/slides/slide11.xml><?xml version="1.0" encoding="utf-8"?>
+<file path=ppt/slides/slide12.xml><?xml version="1.0" encoding="utf-8"?>
 <p:sld xmlns:a="http://schemas.openxmlformats.org/drawingml/2006/main" xmlns:r="http://schemas.openxmlformats.org/officeDocument/2006/relationships" xmlns:p="http://schemas.openxmlformats.org/presentationml/2006/main">
   <p:cSld>
     <p:spTree>
@@ -7228,7 +7479,7 @@
           <a:p>
             <a:fld id="{6700A58B-DD98-43D0-B791-721480A02982}" type="datetime1">
               <a:rPr lang="en-US" smtClean="0"/>
-              <a:t>3/25/21</a:t>
+              <a:t>3/31/21</a:t>
             </a:fld>
             <a:endParaRPr lang="en-US"/>
           </a:p>
@@ -7285,7 +7536,7 @@
           <a:p>
             <a:fld id="{37290FF7-652B-4475-AEAB-8B1A5D23AE09}" type="slidenum">
               <a:rPr lang="en-US" smtClean="0"/>
-              <a:t>11</a:t>
+              <a:t>12</a:t>
             </a:fld>
             <a:endParaRPr lang="en-US"/>
           </a:p>
@@ -9660,7 +9911,7 @@
 </p:sld>
 </file>
 
-<file path=ppt/slides/slide12.xml><?xml version="1.0" encoding="utf-8"?>
+<file path=ppt/slides/slide13.xml><?xml version="1.0" encoding="utf-8"?>
 <p:sld xmlns:a="http://schemas.openxmlformats.org/drawingml/2006/main" xmlns:r="http://schemas.openxmlformats.org/officeDocument/2006/relationships" xmlns:p="http://schemas.openxmlformats.org/presentationml/2006/main">
   <p:cSld>
     <p:spTree>
@@ -9700,7 +9951,7 @@
           <a:p>
             <a:fld id="{6700A58B-DD98-43D0-B791-721480A02982}" type="datetime1">
               <a:rPr lang="en-US" smtClean="0"/>
-              <a:t>3/25/21</a:t>
+              <a:t>3/31/21</a:t>
             </a:fld>
             <a:endParaRPr lang="en-US"/>
           </a:p>
@@ -9757,7 +10008,7 @@
           <a:p>
             <a:fld id="{37290FF7-652B-4475-AEAB-8B1A5D23AE09}" type="slidenum">
               <a:rPr lang="en-US" smtClean="0"/>
-              <a:t>12</a:t>
+              <a:t>13</a:t>
             </a:fld>
             <a:endParaRPr lang="en-US"/>
           </a:p>
@@ -12736,7 +12987,7 @@
 </p:sld>
 </file>
 
-<file path=ppt/slides/slide13.xml><?xml version="1.0" encoding="utf-8"?>
+<file path=ppt/slides/slide14.xml><?xml version="1.0" encoding="utf-8"?>
 <p:sld xmlns:a="http://schemas.openxmlformats.org/drawingml/2006/main" xmlns:r="http://schemas.openxmlformats.org/officeDocument/2006/relationships" xmlns:p="http://schemas.openxmlformats.org/presentationml/2006/main">
   <p:cSld>
     <p:spTree>
@@ -12776,7 +13027,7 @@
           <a:p>
             <a:fld id="{6700A58B-DD98-43D0-B791-721480A02982}" type="datetime1">
               <a:rPr lang="en-US" smtClean="0"/>
-              <a:t>3/25/21</a:t>
+              <a:t>3/31/21</a:t>
             </a:fld>
             <a:endParaRPr lang="en-US"/>
           </a:p>
@@ -12838,7 +13089,7 @@
           <a:p>
             <a:fld id="{37290FF7-652B-4475-AEAB-8B1A5D23AE09}" type="slidenum">
               <a:rPr lang="en-US" smtClean="0"/>
-              <a:t>13</a:t>
+              <a:t>14</a:t>
             </a:fld>
             <a:endParaRPr lang="en-US"/>
           </a:p>
@@ -13062,7 +13313,7 @@
 </p:sld>
 </file>
 
-<file path=ppt/slides/slide14.xml><?xml version="1.0" encoding="utf-8"?>
+<file path=ppt/slides/slide15.xml><?xml version="1.0" encoding="utf-8"?>
 <p:sld xmlns:a="http://schemas.openxmlformats.org/drawingml/2006/main" xmlns:r="http://schemas.openxmlformats.org/officeDocument/2006/relationships" xmlns:p="http://schemas.openxmlformats.org/presentationml/2006/main">
   <p:cSld>
     <p:spTree>
@@ -13102,7 +13353,7 @@
           <a:p>
             <a:fld id="{6700A58B-DD98-43D0-B791-721480A02982}" type="datetime1">
               <a:rPr lang="en-US" smtClean="0"/>
-              <a:t>3/25/21</a:t>
+              <a:t>3/31/21</a:t>
             </a:fld>
             <a:endParaRPr lang="en-US"/>
           </a:p>
@@ -13159,7 +13410,7 @@
           <a:p>
             <a:fld id="{37290FF7-652B-4475-AEAB-8B1A5D23AE09}" type="slidenum">
               <a:rPr lang="en-US" smtClean="0"/>
-              <a:t>14</a:t>
+              <a:t>15</a:t>
             </a:fld>
             <a:endParaRPr lang="en-US"/>
           </a:p>
@@ -13512,7 +13763,7 @@
 </p:sld>
 </file>
 
-<file path=ppt/slides/slide15.xml><?xml version="1.0" encoding="utf-8"?>
+<file path=ppt/slides/slide16.xml><?xml version="1.0" encoding="utf-8"?>
 <p:sld xmlns:a="http://schemas.openxmlformats.org/drawingml/2006/main" xmlns:r="http://schemas.openxmlformats.org/officeDocument/2006/relationships" xmlns:p="http://schemas.openxmlformats.org/presentationml/2006/main">
   <p:cSld>
     <p:spTree>
@@ -13552,7 +13803,7 @@
           <a:p>
             <a:fld id="{6700A58B-DD98-43D0-B791-721480A02982}" type="datetime1">
               <a:rPr lang="en-US" smtClean="0"/>
-              <a:t>3/25/21</a:t>
+              <a:t>3/31/21</a:t>
             </a:fld>
             <a:endParaRPr lang="en-US"/>
           </a:p>
@@ -13614,7 +13865,7 @@
           <a:p>
             <a:fld id="{37290FF7-652B-4475-AEAB-8B1A5D23AE09}" type="slidenum">
               <a:rPr lang="en-US" smtClean="0"/>
-              <a:t>15</a:t>
+              <a:t>16</a:t>
             </a:fld>
             <a:endParaRPr lang="en-US"/>
           </a:p>
@@ -14033,6 +14284,1692 @@
 </p:sld>
 </file>
 
+<file path=ppt/slides/slide17.xml><?xml version="1.0" encoding="utf-8"?>
+<p:sld xmlns:a="http://schemas.openxmlformats.org/drawingml/2006/main" xmlns:r="http://schemas.openxmlformats.org/officeDocument/2006/relationships" xmlns:p="http://schemas.openxmlformats.org/presentationml/2006/main">
+  <p:cSld>
+    <p:spTree>
+      <p:nvGrpSpPr>
+        <p:cNvPr id="1" name=""/>
+        <p:cNvGrpSpPr/>
+        <p:nvPr/>
+      </p:nvGrpSpPr>
+      <p:grpSpPr>
+        <a:xfrm>
+          <a:off x="0" y="0"/>
+          <a:ext cx="0" cy="0"/>
+          <a:chOff x="0" y="0"/>
+          <a:chExt cx="0" cy="0"/>
+        </a:xfrm>
+      </p:grpSpPr>
+      <p:sp>
+        <p:nvSpPr>
+          <p:cNvPr id="2" name="Date Placeholder 1">
+            <a:extLst>
+              <a:ext uri="{FF2B5EF4-FFF2-40B4-BE49-F238E27FC236}">
+                <a16:creationId xmlns:a16="http://schemas.microsoft.com/office/drawing/2014/main" id="{B3478D53-81C6-3B48-BE4D-A2E9703DE97E}"/>
+              </a:ext>
+            </a:extLst>
+          </p:cNvPr>
+          <p:cNvSpPr>
+            <a:spLocks noGrp="1"/>
+          </p:cNvSpPr>
+          <p:nvPr>
+            <p:ph type="dt" sz="half" idx="10"/>
+          </p:nvPr>
+        </p:nvSpPr>
+        <p:spPr/>
+        <p:txBody>
+          <a:bodyPr/>
+          <a:lstStyle/>
+          <a:p>
+            <a:fld id="{6700A58B-DD98-43D0-B791-721480A02982}" type="datetime1">
+              <a:rPr lang="en-US" smtClean="0"/>
+              <a:t>3/31/21</a:t>
+            </a:fld>
+            <a:endParaRPr lang="en-US"/>
+          </a:p>
+        </p:txBody>
+      </p:sp>
+      <p:sp>
+        <p:nvSpPr>
+          <p:cNvPr id="3" name="Title 2">
+            <a:extLst>
+              <a:ext uri="{FF2B5EF4-FFF2-40B4-BE49-F238E27FC236}">
+                <a16:creationId xmlns:a16="http://schemas.microsoft.com/office/drawing/2014/main" id="{9868CB64-92DB-7F42-A8DB-C091C03E016C}"/>
+              </a:ext>
+            </a:extLst>
+          </p:cNvPr>
+          <p:cNvSpPr>
+            <a:spLocks noGrp="1"/>
+          </p:cNvSpPr>
+          <p:nvPr>
+            <p:ph type="title"/>
+          </p:nvPr>
+        </p:nvSpPr>
+        <p:spPr>
+          <a:xfrm>
+            <a:off x="0" y="122752"/>
+            <a:ext cx="9144000" cy="591477"/>
+          </a:xfrm>
+        </p:spPr>
+        <p:txBody>
+          <a:bodyPr/>
+          <a:lstStyle/>
+          <a:p>
+            <a:r>
+              <a:rPr lang="en-US" sz="2800" dirty="0"/>
+              <a:t>Word2Vec uses a simple “Feed Forward” DNN</a:t>
+            </a:r>
+          </a:p>
+        </p:txBody>
+      </p:sp>
+      <p:sp>
+        <p:nvSpPr>
+          <p:cNvPr id="4" name="Slide Number Placeholder 3">
+            <a:extLst>
+              <a:ext uri="{FF2B5EF4-FFF2-40B4-BE49-F238E27FC236}">
+                <a16:creationId xmlns:a16="http://schemas.microsoft.com/office/drawing/2014/main" id="{19FD4849-E0FA-B24F-BE7B-D3969FE3FDD7}"/>
+              </a:ext>
+            </a:extLst>
+          </p:cNvPr>
+          <p:cNvSpPr>
+            <a:spLocks noGrp="1"/>
+          </p:cNvSpPr>
+          <p:nvPr>
+            <p:ph type="sldNum" sz="quarter" idx="12"/>
+          </p:nvPr>
+        </p:nvSpPr>
+        <p:spPr/>
+        <p:txBody>
+          <a:bodyPr/>
+          <a:lstStyle/>
+          <a:p>
+            <a:fld id="{37290FF7-652B-4475-AEAB-8B1A5D23AE09}" type="slidenum">
+              <a:rPr lang="en-US" smtClean="0"/>
+              <a:t>17</a:t>
+            </a:fld>
+            <a:endParaRPr lang="en-US"/>
+          </a:p>
+        </p:txBody>
+      </p:sp>
+      <p:sp>
+        <p:nvSpPr>
+          <p:cNvPr id="5" name="Footer Placeholder 4">
+            <a:extLst>
+              <a:ext uri="{FF2B5EF4-FFF2-40B4-BE49-F238E27FC236}">
+                <a16:creationId xmlns:a16="http://schemas.microsoft.com/office/drawing/2014/main" id="{E46B28B7-BCDD-4C49-BAB0-58C52C4E293B}"/>
+              </a:ext>
+            </a:extLst>
+          </p:cNvPr>
+          <p:cNvSpPr>
+            <a:spLocks noGrp="1"/>
+          </p:cNvSpPr>
+          <p:nvPr>
+            <p:ph type="ftr" sz="quarter" idx="3"/>
+          </p:nvPr>
+        </p:nvSpPr>
+        <p:spPr/>
+        <p:txBody>
+          <a:bodyPr/>
+          <a:lstStyle/>
+          <a:p>
+            <a:r>
+              <a:rPr lang="en-US"/>
+              <a:t>Kwartler</a:t>
+            </a:r>
+            <a:endParaRPr lang="en-US" dirty="0"/>
+          </a:p>
+        </p:txBody>
+      </p:sp>
+      <p:sp>
+        <p:nvSpPr>
+          <p:cNvPr id="6" name="Rectangle 5">
+            <a:extLst>
+              <a:ext uri="{FF2B5EF4-FFF2-40B4-BE49-F238E27FC236}">
+                <a16:creationId xmlns:a16="http://schemas.microsoft.com/office/drawing/2014/main" id="{9BDD0216-4556-B444-9B63-44511F123905}"/>
+              </a:ext>
+            </a:extLst>
+          </p:cNvPr>
+          <p:cNvSpPr/>
+          <p:nvPr/>
+        </p:nvSpPr>
+        <p:spPr>
+          <a:xfrm>
+            <a:off x="180473" y="6031499"/>
+            <a:ext cx="8511836" cy="234063"/>
+          </a:xfrm>
+          <a:prstGeom prst="rect">
+            <a:avLst/>
+          </a:prstGeom>
+          <a:ln>
+            <a:noFill/>
+          </a:ln>
+        </p:spPr>
+        <p:style>
+          <a:lnRef idx="2">
+            <a:schemeClr val="accent1">
+              <a:shade val="50000"/>
+            </a:schemeClr>
+          </a:lnRef>
+          <a:fillRef idx="1">
+            <a:schemeClr val="accent1"/>
+          </a:fillRef>
+          <a:effectRef idx="0">
+            <a:schemeClr val="accent1"/>
+          </a:effectRef>
+          <a:fontRef idx="minor">
+            <a:schemeClr val="lt1"/>
+          </a:fontRef>
+        </p:style>
+        <p:txBody>
+          <a:bodyPr rot="0" spcFirstLastPara="0" vertOverflow="overflow" horzOverflow="overflow" vert="horz" wrap="square" lIns="68580" tIns="34290" rIns="68580" bIns="34290" numCol="1" spcCol="0" rtlCol="0" fromWordArt="0" anchor="ctr" anchorCtr="0" forceAA="0" compatLnSpc="1">
+            <a:prstTxWarp prst="textNoShape">
+              <a:avLst/>
+            </a:prstTxWarp>
+            <a:noAutofit/>
+          </a:bodyPr>
+          <a:lstStyle/>
+          <a:p>
+            <a:pPr algn="ctr"/>
+            <a:r>
+              <a:rPr lang="en-US" sz="1350" dirty="0">
+                <a:solidFill>
+                  <a:schemeClr val="bg1"/>
+                </a:solidFill>
+              </a:rPr>
+              <a:t>The weights are extracted from the deep neural network as the representation of the term’s meaning.</a:t>
+            </a:r>
+          </a:p>
+        </p:txBody>
+      </p:sp>
+      <p:pic>
+        <p:nvPicPr>
+          <p:cNvPr id="9" name="Picture 6" descr="Image result for complex deep neural networks">
+            <a:extLst>
+              <a:ext uri="{FF2B5EF4-FFF2-40B4-BE49-F238E27FC236}">
+                <a16:creationId xmlns:a16="http://schemas.microsoft.com/office/drawing/2014/main" id="{4E8B2B56-C52E-A54B-846A-59F32DB4BB66}"/>
+              </a:ext>
+            </a:extLst>
+          </p:cNvPr>
+          <p:cNvPicPr>
+            <a:picLocks noChangeAspect="1" noChangeArrowheads="1"/>
+          </p:cNvPicPr>
+          <p:nvPr/>
+        </p:nvPicPr>
+        <p:blipFill>
+          <a:blip r:embed="rId2">
+            <a:extLst>
+              <a:ext uri="{28A0092B-C50C-407E-A947-70E740481C1C}">
+                <a14:useLocalDpi xmlns:a14="http://schemas.microsoft.com/office/drawing/2010/main" val="0"/>
+              </a:ext>
+            </a:extLst>
+          </a:blip>
+          <a:srcRect/>
+          <a:stretch>
+            <a:fillRect/>
+          </a:stretch>
+        </p:blipFill>
+        <p:spPr bwMode="auto">
+          <a:xfrm>
+            <a:off x="335156" y="1161266"/>
+            <a:ext cx="6025842" cy="3002160"/>
+          </a:xfrm>
+          <a:prstGeom prst="rect">
+            <a:avLst/>
+          </a:prstGeom>
+          <a:noFill/>
+          <a:extLst>
+            <a:ext uri="{909E8E84-426E-40DD-AFC4-6F175D3DCCD1}">
+              <a14:hiddenFill xmlns:a14="http://schemas.microsoft.com/office/drawing/2010/main">
+                <a:solidFill>
+                  <a:srgbClr val="FFFFFF"/>
+                </a:solidFill>
+              </a14:hiddenFill>
+            </a:ext>
+          </a:extLst>
+        </p:spPr>
+      </p:pic>
+      <p:sp>
+        <p:nvSpPr>
+          <p:cNvPr id="11" name="TextBox 10">
+            <a:extLst>
+              <a:ext uri="{FF2B5EF4-FFF2-40B4-BE49-F238E27FC236}">
+                <a16:creationId xmlns:a16="http://schemas.microsoft.com/office/drawing/2014/main" id="{5BBE812C-BCDE-0A4B-A920-B21B6CBF1CF9}"/>
+              </a:ext>
+            </a:extLst>
+          </p:cNvPr>
+          <p:cNvSpPr txBox="1"/>
+          <p:nvPr/>
+        </p:nvSpPr>
+        <p:spPr>
+          <a:xfrm>
+            <a:off x="7021" y="3654823"/>
+            <a:ext cx="656270" cy="369332"/>
+          </a:xfrm>
+          <a:prstGeom prst="rect">
+            <a:avLst/>
+          </a:prstGeom>
+          <a:noFill/>
+        </p:spPr>
+        <p:txBody>
+          <a:bodyPr wrap="none" rtlCol="0">
+            <a:spAutoFit/>
+          </a:bodyPr>
+          <a:lstStyle/>
+          <a:p>
+            <a:r>
+              <a:rPr lang="en-US" dirty="0"/>
+              <a:t>Term</a:t>
+            </a:r>
+          </a:p>
+        </p:txBody>
+      </p:sp>
+      <p:sp>
+        <p:nvSpPr>
+          <p:cNvPr id="12" name="TextBox 11">
+            <a:extLst>
+              <a:ext uri="{FF2B5EF4-FFF2-40B4-BE49-F238E27FC236}">
+                <a16:creationId xmlns:a16="http://schemas.microsoft.com/office/drawing/2014/main" id="{1B2ADF8E-D59D-B44D-AA63-3E80DFFDD94E}"/>
+              </a:ext>
+            </a:extLst>
+          </p:cNvPr>
+          <p:cNvSpPr txBox="1"/>
+          <p:nvPr/>
+        </p:nvSpPr>
+        <p:spPr>
+          <a:xfrm>
+            <a:off x="2686050" y="5124804"/>
+            <a:ext cx="3767506" cy="369332"/>
+          </a:xfrm>
+          <a:prstGeom prst="rect">
+            <a:avLst/>
+          </a:prstGeom>
+          <a:noFill/>
+        </p:spPr>
+        <p:txBody>
+          <a:bodyPr wrap="none" rtlCol="0">
+            <a:spAutoFit/>
+          </a:bodyPr>
+          <a:lstStyle/>
+          <a:p>
+            <a:r>
+              <a:rPr lang="en-US" dirty="0"/>
+              <a:t>Node1 internal weight 0.8 = activation</a:t>
+            </a:r>
+          </a:p>
+        </p:txBody>
+      </p:sp>
+      <p:cxnSp>
+        <p:nvCxnSpPr>
+          <p:cNvPr id="14" name="Straight Arrow Connector 13">
+            <a:extLst>
+              <a:ext uri="{FF2B5EF4-FFF2-40B4-BE49-F238E27FC236}">
+                <a16:creationId xmlns:a16="http://schemas.microsoft.com/office/drawing/2014/main" id="{97EB8174-BAC0-ED48-804F-87B161E413BF}"/>
+              </a:ext>
+            </a:extLst>
+          </p:cNvPr>
+          <p:cNvCxnSpPr>
+            <a:cxnSpLocks/>
+          </p:cNvCxnSpPr>
+          <p:nvPr/>
+        </p:nvCxnSpPr>
+        <p:spPr>
+          <a:xfrm>
+            <a:off x="2099256" y="4163426"/>
+            <a:ext cx="586794" cy="988521"/>
+          </a:xfrm>
+          <a:prstGeom prst="straightConnector1">
+            <a:avLst/>
+          </a:prstGeom>
+          <a:ln>
+            <a:tailEnd type="triangle"/>
+          </a:ln>
+        </p:spPr>
+        <p:style>
+          <a:lnRef idx="1">
+            <a:schemeClr val="accent1"/>
+          </a:lnRef>
+          <a:fillRef idx="0">
+            <a:schemeClr val="accent1"/>
+          </a:fillRef>
+          <a:effectRef idx="0">
+            <a:schemeClr val="accent1"/>
+          </a:effectRef>
+          <a:fontRef idx="minor">
+            <a:schemeClr val="tx1"/>
+          </a:fontRef>
+        </p:style>
+      </p:cxnSp>
+      <p:sp>
+        <p:nvSpPr>
+          <p:cNvPr id="15" name="TextBox 14">
+            <a:extLst>
+              <a:ext uri="{FF2B5EF4-FFF2-40B4-BE49-F238E27FC236}">
+                <a16:creationId xmlns:a16="http://schemas.microsoft.com/office/drawing/2014/main" id="{276FDB63-0A57-D54F-86AC-98501B7D6484}"/>
+              </a:ext>
+            </a:extLst>
+          </p:cNvPr>
+          <p:cNvSpPr txBox="1"/>
+          <p:nvPr/>
+        </p:nvSpPr>
+        <p:spPr>
+          <a:xfrm>
+            <a:off x="3651636" y="4433078"/>
+            <a:ext cx="4260717" cy="369332"/>
+          </a:xfrm>
+          <a:prstGeom prst="rect">
+            <a:avLst/>
+          </a:prstGeom>
+          <a:noFill/>
+        </p:spPr>
+        <p:txBody>
+          <a:bodyPr wrap="square" rtlCol="0">
+            <a:spAutoFit/>
+          </a:bodyPr>
+          <a:lstStyle/>
+          <a:p>
+            <a:r>
+              <a:rPr lang="en-US" dirty="0"/>
+              <a:t>Node2 internal weight 0.5 = activation</a:t>
+            </a:r>
+          </a:p>
+        </p:txBody>
+      </p:sp>
+      <p:cxnSp>
+        <p:nvCxnSpPr>
+          <p:cNvPr id="16" name="Straight Arrow Connector 15">
+            <a:extLst>
+              <a:ext uri="{FF2B5EF4-FFF2-40B4-BE49-F238E27FC236}">
+                <a16:creationId xmlns:a16="http://schemas.microsoft.com/office/drawing/2014/main" id="{8196FFF9-8947-224E-AAE6-C9E100E97D7D}"/>
+              </a:ext>
+            </a:extLst>
+          </p:cNvPr>
+          <p:cNvCxnSpPr>
+            <a:cxnSpLocks/>
+          </p:cNvCxnSpPr>
+          <p:nvPr/>
+        </p:nvCxnSpPr>
+        <p:spPr>
+          <a:xfrm>
+            <a:off x="3245476" y="3768427"/>
+            <a:ext cx="406160" cy="819014"/>
+          </a:xfrm>
+          <a:prstGeom prst="straightConnector1">
+            <a:avLst/>
+          </a:prstGeom>
+          <a:ln>
+            <a:tailEnd type="triangle"/>
+          </a:ln>
+        </p:spPr>
+        <p:style>
+          <a:lnRef idx="1">
+            <a:schemeClr val="accent1"/>
+          </a:lnRef>
+          <a:fillRef idx="0">
+            <a:schemeClr val="accent1"/>
+          </a:fillRef>
+          <a:effectRef idx="0">
+            <a:schemeClr val="accent1"/>
+          </a:effectRef>
+          <a:fontRef idx="minor">
+            <a:schemeClr val="tx1"/>
+          </a:fontRef>
+        </p:style>
+      </p:cxnSp>
+      <p:cxnSp>
+        <p:nvCxnSpPr>
+          <p:cNvPr id="21" name="Straight Arrow Connector 20">
+            <a:extLst>
+              <a:ext uri="{FF2B5EF4-FFF2-40B4-BE49-F238E27FC236}">
+                <a16:creationId xmlns:a16="http://schemas.microsoft.com/office/drawing/2014/main" id="{476F68A6-1C86-7048-8A07-DEACD0282DEB}"/>
+              </a:ext>
+            </a:extLst>
+          </p:cNvPr>
+          <p:cNvCxnSpPr>
+            <a:cxnSpLocks/>
+          </p:cNvCxnSpPr>
+          <p:nvPr/>
+        </p:nvCxnSpPr>
+        <p:spPr>
+          <a:xfrm flipV="1">
+            <a:off x="4565284" y="1593781"/>
+            <a:ext cx="972631" cy="308778"/>
+          </a:xfrm>
+          <a:prstGeom prst="straightConnector1">
+            <a:avLst/>
+          </a:prstGeom>
+          <a:ln>
+            <a:tailEnd type="triangle"/>
+          </a:ln>
+        </p:spPr>
+        <p:style>
+          <a:lnRef idx="1">
+            <a:schemeClr val="accent1"/>
+          </a:lnRef>
+          <a:fillRef idx="0">
+            <a:schemeClr val="accent1"/>
+          </a:fillRef>
+          <a:effectRef idx="0">
+            <a:schemeClr val="accent1"/>
+          </a:effectRef>
+          <a:fontRef idx="minor">
+            <a:schemeClr val="tx1"/>
+          </a:fontRef>
+        </p:style>
+      </p:cxnSp>
+      <p:sp>
+        <p:nvSpPr>
+          <p:cNvPr id="23" name="TextBox 22">
+            <a:extLst>
+              <a:ext uri="{FF2B5EF4-FFF2-40B4-BE49-F238E27FC236}">
+                <a16:creationId xmlns:a16="http://schemas.microsoft.com/office/drawing/2014/main" id="{CA85C95F-503A-1544-8B10-501D54661586}"/>
+              </a:ext>
+            </a:extLst>
+          </p:cNvPr>
+          <p:cNvSpPr txBox="1"/>
+          <p:nvPr/>
+        </p:nvSpPr>
+        <p:spPr>
+          <a:xfrm>
+            <a:off x="5537916" y="1192858"/>
+            <a:ext cx="3412902" cy="646331"/>
+          </a:xfrm>
+          <a:prstGeom prst="rect">
+            <a:avLst/>
+          </a:prstGeom>
+          <a:noFill/>
+        </p:spPr>
+        <p:txBody>
+          <a:bodyPr wrap="square" rtlCol="0">
+            <a:spAutoFit/>
+          </a:bodyPr>
+          <a:lstStyle/>
+          <a:p>
+            <a:r>
+              <a:rPr lang="en-US" dirty="0"/>
+              <a:t>Node3 internal weight 0.62 = activation</a:t>
+            </a:r>
+          </a:p>
+        </p:txBody>
+      </p:sp>
+      <p:sp>
+        <p:nvSpPr>
+          <p:cNvPr id="7" name="Oval 6">
+            <a:extLst>
+              <a:ext uri="{FF2B5EF4-FFF2-40B4-BE49-F238E27FC236}">
+                <a16:creationId xmlns:a16="http://schemas.microsoft.com/office/drawing/2014/main" id="{853D8A8F-03AF-134A-B3DD-28C447F0A556}"/>
+              </a:ext>
+            </a:extLst>
+          </p:cNvPr>
+          <p:cNvSpPr/>
+          <p:nvPr/>
+        </p:nvSpPr>
+        <p:spPr>
+          <a:xfrm>
+            <a:off x="1852509" y="3907174"/>
+            <a:ext cx="330926" cy="330926"/>
+          </a:xfrm>
+          <a:prstGeom prst="ellipse">
+            <a:avLst/>
+          </a:prstGeom>
+        </p:spPr>
+        <p:style>
+          <a:lnRef idx="2">
+            <a:schemeClr val="accent1">
+              <a:shade val="50000"/>
+            </a:schemeClr>
+          </a:lnRef>
+          <a:fillRef idx="1">
+            <a:schemeClr val="accent1"/>
+          </a:fillRef>
+          <a:effectRef idx="0">
+            <a:schemeClr val="accent1"/>
+          </a:effectRef>
+          <a:fontRef idx="minor">
+            <a:schemeClr val="lt1"/>
+          </a:fontRef>
+        </p:style>
+        <p:txBody>
+          <a:bodyPr rtlCol="0" anchor="ctr"/>
+          <a:lstStyle/>
+          <a:p>
+            <a:pPr algn="ctr"/>
+            <a:endParaRPr lang="en-US"/>
+          </a:p>
+        </p:txBody>
+      </p:sp>
+      <p:sp>
+        <p:nvSpPr>
+          <p:cNvPr id="17" name="Oval 16">
+            <a:extLst>
+              <a:ext uri="{FF2B5EF4-FFF2-40B4-BE49-F238E27FC236}">
+                <a16:creationId xmlns:a16="http://schemas.microsoft.com/office/drawing/2014/main" id="{F2DFD9D3-3E26-7D49-88A7-4C67DB543B90}"/>
+              </a:ext>
+            </a:extLst>
+          </p:cNvPr>
+          <p:cNvSpPr/>
+          <p:nvPr/>
+        </p:nvSpPr>
+        <p:spPr>
+          <a:xfrm>
+            <a:off x="3080013" y="3573274"/>
+            <a:ext cx="330926" cy="330926"/>
+          </a:xfrm>
+          <a:prstGeom prst="ellipse">
+            <a:avLst/>
+          </a:prstGeom>
+        </p:spPr>
+        <p:style>
+          <a:lnRef idx="2">
+            <a:schemeClr val="accent1">
+              <a:shade val="50000"/>
+            </a:schemeClr>
+          </a:lnRef>
+          <a:fillRef idx="1">
+            <a:schemeClr val="accent1"/>
+          </a:fillRef>
+          <a:effectRef idx="0">
+            <a:schemeClr val="accent1"/>
+          </a:effectRef>
+          <a:fontRef idx="minor">
+            <a:schemeClr val="lt1"/>
+          </a:fontRef>
+        </p:style>
+        <p:txBody>
+          <a:bodyPr rtlCol="0" anchor="ctr"/>
+          <a:lstStyle/>
+          <a:p>
+            <a:pPr algn="ctr"/>
+            <a:endParaRPr lang="en-US"/>
+          </a:p>
+        </p:txBody>
+      </p:sp>
+      <p:sp>
+        <p:nvSpPr>
+          <p:cNvPr id="18" name="Oval 17">
+            <a:extLst>
+              <a:ext uri="{FF2B5EF4-FFF2-40B4-BE49-F238E27FC236}">
+                <a16:creationId xmlns:a16="http://schemas.microsoft.com/office/drawing/2014/main" id="{A51A64BE-8559-7444-A18C-716640912925}"/>
+              </a:ext>
+            </a:extLst>
+          </p:cNvPr>
+          <p:cNvSpPr/>
+          <p:nvPr/>
+        </p:nvSpPr>
+        <p:spPr>
+          <a:xfrm>
+            <a:off x="4270928" y="1748170"/>
+            <a:ext cx="330926" cy="330926"/>
+          </a:xfrm>
+          <a:prstGeom prst="ellipse">
+            <a:avLst/>
+          </a:prstGeom>
+        </p:spPr>
+        <p:style>
+          <a:lnRef idx="2">
+            <a:schemeClr val="accent1">
+              <a:shade val="50000"/>
+            </a:schemeClr>
+          </a:lnRef>
+          <a:fillRef idx="1">
+            <a:schemeClr val="accent1"/>
+          </a:fillRef>
+          <a:effectRef idx="0">
+            <a:schemeClr val="accent1"/>
+          </a:effectRef>
+          <a:fontRef idx="minor">
+            <a:schemeClr val="lt1"/>
+          </a:fontRef>
+        </p:style>
+        <p:txBody>
+          <a:bodyPr rtlCol="0" anchor="ctr"/>
+          <a:lstStyle/>
+          <a:p>
+            <a:pPr algn="ctr"/>
+            <a:endParaRPr lang="en-US"/>
+          </a:p>
+        </p:txBody>
+      </p:sp>
+      <p:sp>
+        <p:nvSpPr>
+          <p:cNvPr id="19" name="Oval 18">
+            <a:extLst>
+              <a:ext uri="{FF2B5EF4-FFF2-40B4-BE49-F238E27FC236}">
+                <a16:creationId xmlns:a16="http://schemas.microsoft.com/office/drawing/2014/main" id="{4A9648D7-9ED6-9B47-BE51-243B98A7CF42}"/>
+              </a:ext>
+            </a:extLst>
+          </p:cNvPr>
+          <p:cNvSpPr/>
+          <p:nvPr/>
+        </p:nvSpPr>
+        <p:spPr>
+          <a:xfrm>
+            <a:off x="5537915" y="2526357"/>
+            <a:ext cx="330926" cy="330926"/>
+          </a:xfrm>
+          <a:prstGeom prst="ellipse">
+            <a:avLst/>
+          </a:prstGeom>
+        </p:spPr>
+        <p:style>
+          <a:lnRef idx="2">
+            <a:schemeClr val="accent1">
+              <a:shade val="50000"/>
+            </a:schemeClr>
+          </a:lnRef>
+          <a:fillRef idx="1">
+            <a:schemeClr val="accent1"/>
+          </a:fillRef>
+          <a:effectRef idx="0">
+            <a:schemeClr val="accent1"/>
+          </a:effectRef>
+          <a:fontRef idx="minor">
+            <a:schemeClr val="lt1"/>
+          </a:fontRef>
+        </p:style>
+        <p:txBody>
+          <a:bodyPr rtlCol="0" anchor="ctr"/>
+          <a:lstStyle/>
+          <a:p>
+            <a:pPr algn="ctr"/>
+            <a:endParaRPr lang="en-US"/>
+          </a:p>
+        </p:txBody>
+      </p:sp>
+      <p:sp>
+        <p:nvSpPr>
+          <p:cNvPr id="8" name="Right Arrow 7">
+            <a:extLst>
+              <a:ext uri="{FF2B5EF4-FFF2-40B4-BE49-F238E27FC236}">
+                <a16:creationId xmlns:a16="http://schemas.microsoft.com/office/drawing/2014/main" id="{E6752870-2D4F-9142-A3BD-67A7167681EF}"/>
+              </a:ext>
+            </a:extLst>
+          </p:cNvPr>
+          <p:cNvSpPr/>
+          <p:nvPr/>
+        </p:nvSpPr>
+        <p:spPr>
+          <a:xfrm rot="433103">
+            <a:off x="1016129" y="3880695"/>
+            <a:ext cx="809003" cy="242316"/>
+          </a:xfrm>
+          <a:prstGeom prst="rightArrow">
+            <a:avLst/>
+          </a:prstGeom>
+        </p:spPr>
+        <p:style>
+          <a:lnRef idx="2">
+            <a:schemeClr val="accent1">
+              <a:shade val="50000"/>
+            </a:schemeClr>
+          </a:lnRef>
+          <a:fillRef idx="1">
+            <a:schemeClr val="accent1"/>
+          </a:fillRef>
+          <a:effectRef idx="0">
+            <a:schemeClr val="accent1"/>
+          </a:effectRef>
+          <a:fontRef idx="minor">
+            <a:schemeClr val="lt1"/>
+          </a:fontRef>
+        </p:style>
+        <p:txBody>
+          <a:bodyPr rtlCol="0" anchor="ctr"/>
+          <a:lstStyle/>
+          <a:p>
+            <a:pPr algn="ctr"/>
+            <a:endParaRPr lang="en-US"/>
+          </a:p>
+        </p:txBody>
+      </p:sp>
+      <p:sp>
+        <p:nvSpPr>
+          <p:cNvPr id="20" name="Oval 19">
+            <a:extLst>
+              <a:ext uri="{FF2B5EF4-FFF2-40B4-BE49-F238E27FC236}">
+                <a16:creationId xmlns:a16="http://schemas.microsoft.com/office/drawing/2014/main" id="{B1A1A258-9E31-8E47-9617-A6526BFF6166}"/>
+              </a:ext>
+            </a:extLst>
+          </p:cNvPr>
+          <p:cNvSpPr/>
+          <p:nvPr/>
+        </p:nvSpPr>
+        <p:spPr>
+          <a:xfrm>
+            <a:off x="628947" y="3763502"/>
+            <a:ext cx="330926" cy="330926"/>
+          </a:xfrm>
+          <a:prstGeom prst="ellipse">
+            <a:avLst/>
+          </a:prstGeom>
+        </p:spPr>
+        <p:style>
+          <a:lnRef idx="2">
+            <a:schemeClr val="accent1">
+              <a:shade val="50000"/>
+            </a:schemeClr>
+          </a:lnRef>
+          <a:fillRef idx="1">
+            <a:schemeClr val="accent1"/>
+          </a:fillRef>
+          <a:effectRef idx="0">
+            <a:schemeClr val="accent1"/>
+          </a:effectRef>
+          <a:fontRef idx="minor">
+            <a:schemeClr val="lt1"/>
+          </a:fontRef>
+        </p:style>
+        <p:txBody>
+          <a:bodyPr rtlCol="0" anchor="ctr"/>
+          <a:lstStyle/>
+          <a:p>
+            <a:pPr algn="ctr"/>
+            <a:endParaRPr lang="en-US"/>
+          </a:p>
+        </p:txBody>
+      </p:sp>
+      <p:cxnSp>
+        <p:nvCxnSpPr>
+          <p:cNvPr id="22" name="Straight Arrow Connector 21">
+            <a:extLst>
+              <a:ext uri="{FF2B5EF4-FFF2-40B4-BE49-F238E27FC236}">
+                <a16:creationId xmlns:a16="http://schemas.microsoft.com/office/drawing/2014/main" id="{1759E04F-0669-7445-BAAD-1D4B3EE1835B}"/>
+              </a:ext>
+            </a:extLst>
+          </p:cNvPr>
+          <p:cNvCxnSpPr>
+            <a:cxnSpLocks/>
+          </p:cNvCxnSpPr>
+          <p:nvPr/>
+        </p:nvCxnSpPr>
+        <p:spPr>
+          <a:xfrm>
+            <a:off x="873773" y="4054457"/>
+            <a:ext cx="586794" cy="988521"/>
+          </a:xfrm>
+          <a:prstGeom prst="straightConnector1">
+            <a:avLst/>
+          </a:prstGeom>
+          <a:ln>
+            <a:tailEnd type="triangle"/>
+          </a:ln>
+        </p:spPr>
+        <p:style>
+          <a:lnRef idx="1">
+            <a:schemeClr val="accent1"/>
+          </a:lnRef>
+          <a:fillRef idx="0">
+            <a:schemeClr val="accent1"/>
+          </a:fillRef>
+          <a:effectRef idx="0">
+            <a:schemeClr val="accent1"/>
+          </a:effectRef>
+          <a:fontRef idx="minor">
+            <a:schemeClr val="tx1"/>
+          </a:fontRef>
+        </p:style>
+      </p:cxnSp>
+      <p:sp>
+        <p:nvSpPr>
+          <p:cNvPr id="24" name="TextBox 23">
+            <a:extLst>
+              <a:ext uri="{FF2B5EF4-FFF2-40B4-BE49-F238E27FC236}">
+                <a16:creationId xmlns:a16="http://schemas.microsoft.com/office/drawing/2014/main" id="{7360D4A2-30ED-E440-89EE-7A8981837ED8}"/>
+              </a:ext>
+            </a:extLst>
+          </p:cNvPr>
+          <p:cNvSpPr txBox="1"/>
+          <p:nvPr/>
+        </p:nvSpPr>
+        <p:spPr>
+          <a:xfrm>
+            <a:off x="663291" y="5005524"/>
+            <a:ext cx="2057500" cy="923330"/>
+          </a:xfrm>
+          <a:prstGeom prst="rect">
+            <a:avLst/>
+          </a:prstGeom>
+          <a:noFill/>
+        </p:spPr>
+        <p:txBody>
+          <a:bodyPr wrap="square" rtlCol="0">
+            <a:spAutoFit/>
+          </a:bodyPr>
+          <a:lstStyle/>
+          <a:p>
+            <a:r>
+              <a:rPr lang="en-US" dirty="0"/>
+              <a:t>Node0 internal weight 0.5 = activation</a:t>
+            </a:r>
+          </a:p>
+        </p:txBody>
+      </p:sp>
+      <p:sp>
+        <p:nvSpPr>
+          <p:cNvPr id="25" name="Right Arrow 24">
+            <a:extLst>
+              <a:ext uri="{FF2B5EF4-FFF2-40B4-BE49-F238E27FC236}">
+                <a16:creationId xmlns:a16="http://schemas.microsoft.com/office/drawing/2014/main" id="{1829B586-A81C-D842-8788-3AB617B6DD94}"/>
+              </a:ext>
+            </a:extLst>
+          </p:cNvPr>
+          <p:cNvSpPr/>
+          <p:nvPr/>
+        </p:nvSpPr>
+        <p:spPr>
+          <a:xfrm rot="20127101">
+            <a:off x="2226519" y="3829198"/>
+            <a:ext cx="809003" cy="242316"/>
+          </a:xfrm>
+          <a:prstGeom prst="rightArrow">
+            <a:avLst/>
+          </a:prstGeom>
+        </p:spPr>
+        <p:style>
+          <a:lnRef idx="2">
+            <a:schemeClr val="accent1">
+              <a:shade val="50000"/>
+            </a:schemeClr>
+          </a:lnRef>
+          <a:fillRef idx="1">
+            <a:schemeClr val="accent1"/>
+          </a:fillRef>
+          <a:effectRef idx="0">
+            <a:schemeClr val="accent1"/>
+          </a:effectRef>
+          <a:fontRef idx="minor">
+            <a:schemeClr val="lt1"/>
+          </a:fontRef>
+        </p:style>
+        <p:txBody>
+          <a:bodyPr rtlCol="0" anchor="ctr"/>
+          <a:lstStyle/>
+          <a:p>
+            <a:pPr algn="ctr"/>
+            <a:endParaRPr lang="en-US"/>
+          </a:p>
+        </p:txBody>
+      </p:sp>
+      <p:sp>
+        <p:nvSpPr>
+          <p:cNvPr id="26" name="Right Arrow 25">
+            <a:extLst>
+              <a:ext uri="{FF2B5EF4-FFF2-40B4-BE49-F238E27FC236}">
+                <a16:creationId xmlns:a16="http://schemas.microsoft.com/office/drawing/2014/main" id="{FFB20F3B-78A0-5349-96DB-A2B46CF83CF3}"/>
+              </a:ext>
+            </a:extLst>
+          </p:cNvPr>
+          <p:cNvSpPr/>
+          <p:nvPr/>
+        </p:nvSpPr>
+        <p:spPr>
+          <a:xfrm rot="17995245">
+            <a:off x="2991323" y="2749814"/>
+            <a:ext cx="1686648" cy="242316"/>
+          </a:xfrm>
+          <a:prstGeom prst="rightArrow">
+            <a:avLst/>
+          </a:prstGeom>
+        </p:spPr>
+        <p:style>
+          <a:lnRef idx="2">
+            <a:schemeClr val="accent1">
+              <a:shade val="50000"/>
+            </a:schemeClr>
+          </a:lnRef>
+          <a:fillRef idx="1">
+            <a:schemeClr val="accent1"/>
+          </a:fillRef>
+          <a:effectRef idx="0">
+            <a:schemeClr val="accent1"/>
+          </a:effectRef>
+          <a:fontRef idx="minor">
+            <a:schemeClr val="lt1"/>
+          </a:fontRef>
+        </p:style>
+        <p:txBody>
+          <a:bodyPr rtlCol="0" anchor="ctr"/>
+          <a:lstStyle/>
+          <a:p>
+            <a:pPr algn="ctr"/>
+            <a:endParaRPr lang="en-US"/>
+          </a:p>
+        </p:txBody>
+      </p:sp>
+      <p:sp>
+        <p:nvSpPr>
+          <p:cNvPr id="27" name="Right Arrow 26">
+            <a:extLst>
+              <a:ext uri="{FF2B5EF4-FFF2-40B4-BE49-F238E27FC236}">
+                <a16:creationId xmlns:a16="http://schemas.microsoft.com/office/drawing/2014/main" id="{1F02F6AD-856B-8648-8131-1FA38684BB6C}"/>
+              </a:ext>
+            </a:extLst>
+          </p:cNvPr>
+          <p:cNvSpPr/>
+          <p:nvPr/>
+        </p:nvSpPr>
+        <p:spPr>
+          <a:xfrm rot="1957124">
+            <a:off x="4586188" y="2184834"/>
+            <a:ext cx="1026807" cy="242316"/>
+          </a:xfrm>
+          <a:prstGeom prst="rightArrow">
+            <a:avLst/>
+          </a:prstGeom>
+        </p:spPr>
+        <p:style>
+          <a:lnRef idx="2">
+            <a:schemeClr val="accent1">
+              <a:shade val="50000"/>
+            </a:schemeClr>
+          </a:lnRef>
+          <a:fillRef idx="1">
+            <a:schemeClr val="accent1"/>
+          </a:fillRef>
+          <a:effectRef idx="0">
+            <a:schemeClr val="accent1"/>
+          </a:effectRef>
+          <a:fontRef idx="minor">
+            <a:schemeClr val="lt1"/>
+          </a:fontRef>
+        </p:style>
+        <p:txBody>
+          <a:bodyPr rtlCol="0" anchor="ctr"/>
+          <a:lstStyle/>
+          <a:p>
+            <a:pPr algn="ctr"/>
+            <a:endParaRPr lang="en-US"/>
+          </a:p>
+        </p:txBody>
+      </p:sp>
+      <p:sp>
+        <p:nvSpPr>
+          <p:cNvPr id="28" name="TextBox 27">
+            <a:extLst>
+              <a:ext uri="{FF2B5EF4-FFF2-40B4-BE49-F238E27FC236}">
+                <a16:creationId xmlns:a16="http://schemas.microsoft.com/office/drawing/2014/main" id="{7FC95037-3960-A647-AF18-7B8F4EA0A572}"/>
+              </a:ext>
+            </a:extLst>
+          </p:cNvPr>
+          <p:cNvSpPr txBox="1"/>
+          <p:nvPr/>
+        </p:nvSpPr>
+        <p:spPr>
+          <a:xfrm>
+            <a:off x="6231804" y="2526357"/>
+            <a:ext cx="2719014" cy="307777"/>
+          </a:xfrm>
+          <a:prstGeom prst="rect">
+            <a:avLst/>
+          </a:prstGeom>
+          <a:noFill/>
+        </p:spPr>
+        <p:txBody>
+          <a:bodyPr wrap="square" rtlCol="0">
+            <a:spAutoFit/>
+          </a:bodyPr>
+          <a:lstStyle/>
+          <a:p>
+            <a:r>
+              <a:rPr lang="en-US" sz="1400" dirty="0"/>
+              <a:t>Term’s “meaning” is .5, .8, .5, .62</a:t>
+            </a:r>
+          </a:p>
+        </p:txBody>
+      </p:sp>
+    </p:spTree>
+    <p:extLst>
+      <p:ext uri="{BB962C8B-B14F-4D97-AF65-F5344CB8AC3E}">
+        <p14:creationId xmlns:p14="http://schemas.microsoft.com/office/powerpoint/2010/main" val="3313317321"/>
+      </p:ext>
+    </p:extLst>
+  </p:cSld>
+  <p:clrMapOvr>
+    <a:masterClrMapping/>
+  </p:clrMapOvr>
+  <p:timing>
+    <p:tnLst>
+      <p:par>
+        <p:cTn id="1" dur="indefinite" restart="never" nodeType="tmRoot">
+          <p:childTnLst>
+            <p:seq concurrent="1" nextAc="seek">
+              <p:cTn id="2" dur="indefinite" nodeType="mainSeq">
+                <p:childTnLst>
+                  <p:par>
+                    <p:cTn id="3" fill="hold">
+                      <p:stCondLst>
+                        <p:cond delay="indefinite"/>
+                      </p:stCondLst>
+                      <p:childTnLst>
+                        <p:par>
+                          <p:cTn id="4" fill="hold">
+                            <p:stCondLst>
+                              <p:cond delay="0"/>
+                            </p:stCondLst>
+                            <p:childTnLst>
+                              <p:par>
+                                <p:cTn id="5" presetID="1" presetClass="entr" presetSubtype="0" fill="hold" grpId="0" nodeType="clickEffect">
+                                  <p:stCondLst>
+                                    <p:cond delay="0"/>
+                                  </p:stCondLst>
+                                  <p:childTnLst>
+                                    <p:set>
+                                      <p:cBhvr>
+                                        <p:cTn id="6" dur="1" fill="hold">
+                                          <p:stCondLst>
+                                            <p:cond delay="0"/>
+                                          </p:stCondLst>
+                                        </p:cTn>
+                                        <p:tgtEl>
+                                          <p:spTgt spid="20"/>
+                                        </p:tgtEl>
+                                        <p:attrNameLst>
+                                          <p:attrName>style.visibility</p:attrName>
+                                        </p:attrNameLst>
+                                      </p:cBhvr>
+                                      <p:to>
+                                        <p:strVal val="visible"/>
+                                      </p:to>
+                                    </p:set>
+                                  </p:childTnLst>
+                                </p:cTn>
+                              </p:par>
+                              <p:par>
+                                <p:cTn id="7" presetID="1" presetClass="entr" presetSubtype="0" fill="hold" nodeType="withEffect">
+                                  <p:stCondLst>
+                                    <p:cond delay="0"/>
+                                  </p:stCondLst>
+                                  <p:childTnLst>
+                                    <p:set>
+                                      <p:cBhvr>
+                                        <p:cTn id="8" dur="1" fill="hold">
+                                          <p:stCondLst>
+                                            <p:cond delay="0"/>
+                                          </p:stCondLst>
+                                        </p:cTn>
+                                        <p:tgtEl>
+                                          <p:spTgt spid="22"/>
+                                        </p:tgtEl>
+                                        <p:attrNameLst>
+                                          <p:attrName>style.visibility</p:attrName>
+                                        </p:attrNameLst>
+                                      </p:cBhvr>
+                                      <p:to>
+                                        <p:strVal val="visible"/>
+                                      </p:to>
+                                    </p:set>
+                                  </p:childTnLst>
+                                </p:cTn>
+                              </p:par>
+                              <p:par>
+                                <p:cTn id="9" presetID="1" presetClass="entr" presetSubtype="0" fill="hold" grpId="0" nodeType="withEffect">
+                                  <p:stCondLst>
+                                    <p:cond delay="0"/>
+                                  </p:stCondLst>
+                                  <p:childTnLst>
+                                    <p:set>
+                                      <p:cBhvr>
+                                        <p:cTn id="10" dur="1" fill="hold">
+                                          <p:stCondLst>
+                                            <p:cond delay="0"/>
+                                          </p:stCondLst>
+                                        </p:cTn>
+                                        <p:tgtEl>
+                                          <p:spTgt spid="24"/>
+                                        </p:tgtEl>
+                                        <p:attrNameLst>
+                                          <p:attrName>style.visibility</p:attrName>
+                                        </p:attrNameLst>
+                                      </p:cBhvr>
+                                      <p:to>
+                                        <p:strVal val="visible"/>
+                                      </p:to>
+                                    </p:set>
+                                  </p:childTnLst>
+                                </p:cTn>
+                              </p:par>
+                            </p:childTnLst>
+                          </p:cTn>
+                        </p:par>
+                      </p:childTnLst>
+                    </p:cTn>
+                  </p:par>
+                  <p:par>
+                    <p:cTn id="11" fill="hold">
+                      <p:stCondLst>
+                        <p:cond delay="indefinite"/>
+                      </p:stCondLst>
+                      <p:childTnLst>
+                        <p:par>
+                          <p:cTn id="12" fill="hold">
+                            <p:stCondLst>
+                              <p:cond delay="0"/>
+                            </p:stCondLst>
+                            <p:childTnLst>
+                              <p:par>
+                                <p:cTn id="13" presetID="1" presetClass="entr" presetSubtype="0" fill="hold" grpId="0" nodeType="clickEffect">
+                                  <p:stCondLst>
+                                    <p:cond delay="0"/>
+                                  </p:stCondLst>
+                                  <p:childTnLst>
+                                    <p:set>
+                                      <p:cBhvr>
+                                        <p:cTn id="14" dur="1" fill="hold">
+                                          <p:stCondLst>
+                                            <p:cond delay="0"/>
+                                          </p:stCondLst>
+                                        </p:cTn>
+                                        <p:tgtEl>
+                                          <p:spTgt spid="8"/>
+                                        </p:tgtEl>
+                                        <p:attrNameLst>
+                                          <p:attrName>style.visibility</p:attrName>
+                                        </p:attrNameLst>
+                                      </p:cBhvr>
+                                      <p:to>
+                                        <p:strVal val="visible"/>
+                                      </p:to>
+                                    </p:set>
+                                  </p:childTnLst>
+                                </p:cTn>
+                              </p:par>
+                              <p:par>
+                                <p:cTn id="15" presetID="1" presetClass="entr" presetSubtype="0" fill="hold" grpId="0" nodeType="withEffect">
+                                  <p:stCondLst>
+                                    <p:cond delay="0"/>
+                                  </p:stCondLst>
+                                  <p:childTnLst>
+                                    <p:set>
+                                      <p:cBhvr>
+                                        <p:cTn id="16" dur="1" fill="hold">
+                                          <p:stCondLst>
+                                            <p:cond delay="0"/>
+                                          </p:stCondLst>
+                                        </p:cTn>
+                                        <p:tgtEl>
+                                          <p:spTgt spid="7"/>
+                                        </p:tgtEl>
+                                        <p:attrNameLst>
+                                          <p:attrName>style.visibility</p:attrName>
+                                        </p:attrNameLst>
+                                      </p:cBhvr>
+                                      <p:to>
+                                        <p:strVal val="visible"/>
+                                      </p:to>
+                                    </p:set>
+                                  </p:childTnLst>
+                                </p:cTn>
+                              </p:par>
+                              <p:par>
+                                <p:cTn id="17" presetID="1" presetClass="entr" presetSubtype="0" fill="hold" nodeType="withEffect">
+                                  <p:stCondLst>
+                                    <p:cond delay="0"/>
+                                  </p:stCondLst>
+                                  <p:childTnLst>
+                                    <p:set>
+                                      <p:cBhvr>
+                                        <p:cTn id="18" dur="1" fill="hold">
+                                          <p:stCondLst>
+                                            <p:cond delay="0"/>
+                                          </p:stCondLst>
+                                        </p:cTn>
+                                        <p:tgtEl>
+                                          <p:spTgt spid="14"/>
+                                        </p:tgtEl>
+                                        <p:attrNameLst>
+                                          <p:attrName>style.visibility</p:attrName>
+                                        </p:attrNameLst>
+                                      </p:cBhvr>
+                                      <p:to>
+                                        <p:strVal val="visible"/>
+                                      </p:to>
+                                    </p:set>
+                                  </p:childTnLst>
+                                </p:cTn>
+                              </p:par>
+                              <p:par>
+                                <p:cTn id="19" presetID="1" presetClass="entr" presetSubtype="0" fill="hold" grpId="0" nodeType="withEffect">
+                                  <p:stCondLst>
+                                    <p:cond delay="0"/>
+                                  </p:stCondLst>
+                                  <p:childTnLst>
+                                    <p:set>
+                                      <p:cBhvr>
+                                        <p:cTn id="20" dur="1" fill="hold">
+                                          <p:stCondLst>
+                                            <p:cond delay="0"/>
+                                          </p:stCondLst>
+                                        </p:cTn>
+                                        <p:tgtEl>
+                                          <p:spTgt spid="12"/>
+                                        </p:tgtEl>
+                                        <p:attrNameLst>
+                                          <p:attrName>style.visibility</p:attrName>
+                                        </p:attrNameLst>
+                                      </p:cBhvr>
+                                      <p:to>
+                                        <p:strVal val="visible"/>
+                                      </p:to>
+                                    </p:set>
+                                  </p:childTnLst>
+                                </p:cTn>
+                              </p:par>
+                            </p:childTnLst>
+                          </p:cTn>
+                        </p:par>
+                      </p:childTnLst>
+                    </p:cTn>
+                  </p:par>
+                  <p:par>
+                    <p:cTn id="21" fill="hold">
+                      <p:stCondLst>
+                        <p:cond delay="indefinite"/>
+                      </p:stCondLst>
+                      <p:childTnLst>
+                        <p:par>
+                          <p:cTn id="22" fill="hold">
+                            <p:stCondLst>
+                              <p:cond delay="0"/>
+                            </p:stCondLst>
+                            <p:childTnLst>
+                              <p:par>
+                                <p:cTn id="23" presetID="1" presetClass="entr" presetSubtype="0" fill="hold" grpId="0" nodeType="clickEffect">
+                                  <p:stCondLst>
+                                    <p:cond delay="0"/>
+                                  </p:stCondLst>
+                                  <p:childTnLst>
+                                    <p:set>
+                                      <p:cBhvr>
+                                        <p:cTn id="24" dur="1" fill="hold">
+                                          <p:stCondLst>
+                                            <p:cond delay="0"/>
+                                          </p:stCondLst>
+                                        </p:cTn>
+                                        <p:tgtEl>
+                                          <p:spTgt spid="25"/>
+                                        </p:tgtEl>
+                                        <p:attrNameLst>
+                                          <p:attrName>style.visibility</p:attrName>
+                                        </p:attrNameLst>
+                                      </p:cBhvr>
+                                      <p:to>
+                                        <p:strVal val="visible"/>
+                                      </p:to>
+                                    </p:set>
+                                  </p:childTnLst>
+                                </p:cTn>
+                              </p:par>
+                              <p:par>
+                                <p:cTn id="25" presetID="1" presetClass="entr" presetSubtype="0" fill="hold" grpId="0" nodeType="withEffect">
+                                  <p:stCondLst>
+                                    <p:cond delay="0"/>
+                                  </p:stCondLst>
+                                  <p:childTnLst>
+                                    <p:set>
+                                      <p:cBhvr>
+                                        <p:cTn id="26" dur="1" fill="hold">
+                                          <p:stCondLst>
+                                            <p:cond delay="0"/>
+                                          </p:stCondLst>
+                                        </p:cTn>
+                                        <p:tgtEl>
+                                          <p:spTgt spid="17"/>
+                                        </p:tgtEl>
+                                        <p:attrNameLst>
+                                          <p:attrName>style.visibility</p:attrName>
+                                        </p:attrNameLst>
+                                      </p:cBhvr>
+                                      <p:to>
+                                        <p:strVal val="visible"/>
+                                      </p:to>
+                                    </p:set>
+                                  </p:childTnLst>
+                                </p:cTn>
+                              </p:par>
+                              <p:par>
+                                <p:cTn id="27" presetID="1" presetClass="entr" presetSubtype="0" fill="hold" nodeType="withEffect">
+                                  <p:stCondLst>
+                                    <p:cond delay="0"/>
+                                  </p:stCondLst>
+                                  <p:childTnLst>
+                                    <p:set>
+                                      <p:cBhvr>
+                                        <p:cTn id="28" dur="1" fill="hold">
+                                          <p:stCondLst>
+                                            <p:cond delay="0"/>
+                                          </p:stCondLst>
+                                        </p:cTn>
+                                        <p:tgtEl>
+                                          <p:spTgt spid="16"/>
+                                        </p:tgtEl>
+                                        <p:attrNameLst>
+                                          <p:attrName>style.visibility</p:attrName>
+                                        </p:attrNameLst>
+                                      </p:cBhvr>
+                                      <p:to>
+                                        <p:strVal val="visible"/>
+                                      </p:to>
+                                    </p:set>
+                                  </p:childTnLst>
+                                </p:cTn>
+                              </p:par>
+                              <p:par>
+                                <p:cTn id="29" presetID="1" presetClass="entr" presetSubtype="0" fill="hold" grpId="0" nodeType="withEffect">
+                                  <p:stCondLst>
+                                    <p:cond delay="0"/>
+                                  </p:stCondLst>
+                                  <p:childTnLst>
+                                    <p:set>
+                                      <p:cBhvr>
+                                        <p:cTn id="30" dur="1" fill="hold">
+                                          <p:stCondLst>
+                                            <p:cond delay="0"/>
+                                          </p:stCondLst>
+                                        </p:cTn>
+                                        <p:tgtEl>
+                                          <p:spTgt spid="15"/>
+                                        </p:tgtEl>
+                                        <p:attrNameLst>
+                                          <p:attrName>style.visibility</p:attrName>
+                                        </p:attrNameLst>
+                                      </p:cBhvr>
+                                      <p:to>
+                                        <p:strVal val="visible"/>
+                                      </p:to>
+                                    </p:set>
+                                  </p:childTnLst>
+                                </p:cTn>
+                              </p:par>
+                            </p:childTnLst>
+                          </p:cTn>
+                        </p:par>
+                      </p:childTnLst>
+                    </p:cTn>
+                  </p:par>
+                  <p:par>
+                    <p:cTn id="31" fill="hold">
+                      <p:stCondLst>
+                        <p:cond delay="indefinite"/>
+                      </p:stCondLst>
+                      <p:childTnLst>
+                        <p:par>
+                          <p:cTn id="32" fill="hold">
+                            <p:stCondLst>
+                              <p:cond delay="0"/>
+                            </p:stCondLst>
+                            <p:childTnLst>
+                              <p:par>
+                                <p:cTn id="33" presetID="1" presetClass="entr" presetSubtype="0" fill="hold" grpId="0" nodeType="clickEffect">
+                                  <p:stCondLst>
+                                    <p:cond delay="0"/>
+                                  </p:stCondLst>
+                                  <p:childTnLst>
+                                    <p:set>
+                                      <p:cBhvr>
+                                        <p:cTn id="34" dur="1" fill="hold">
+                                          <p:stCondLst>
+                                            <p:cond delay="0"/>
+                                          </p:stCondLst>
+                                        </p:cTn>
+                                        <p:tgtEl>
+                                          <p:spTgt spid="26"/>
+                                        </p:tgtEl>
+                                        <p:attrNameLst>
+                                          <p:attrName>style.visibility</p:attrName>
+                                        </p:attrNameLst>
+                                      </p:cBhvr>
+                                      <p:to>
+                                        <p:strVal val="visible"/>
+                                      </p:to>
+                                    </p:set>
+                                  </p:childTnLst>
+                                </p:cTn>
+                              </p:par>
+                              <p:par>
+                                <p:cTn id="35" presetID="1" presetClass="entr" presetSubtype="0" fill="hold" grpId="0" nodeType="withEffect">
+                                  <p:stCondLst>
+                                    <p:cond delay="0"/>
+                                  </p:stCondLst>
+                                  <p:childTnLst>
+                                    <p:set>
+                                      <p:cBhvr>
+                                        <p:cTn id="36" dur="1" fill="hold">
+                                          <p:stCondLst>
+                                            <p:cond delay="0"/>
+                                          </p:stCondLst>
+                                        </p:cTn>
+                                        <p:tgtEl>
+                                          <p:spTgt spid="18"/>
+                                        </p:tgtEl>
+                                        <p:attrNameLst>
+                                          <p:attrName>style.visibility</p:attrName>
+                                        </p:attrNameLst>
+                                      </p:cBhvr>
+                                      <p:to>
+                                        <p:strVal val="visible"/>
+                                      </p:to>
+                                    </p:set>
+                                  </p:childTnLst>
+                                </p:cTn>
+                              </p:par>
+                              <p:par>
+                                <p:cTn id="37" presetID="1" presetClass="entr" presetSubtype="0" fill="hold" nodeType="withEffect">
+                                  <p:stCondLst>
+                                    <p:cond delay="0"/>
+                                  </p:stCondLst>
+                                  <p:childTnLst>
+                                    <p:set>
+                                      <p:cBhvr>
+                                        <p:cTn id="38" dur="1" fill="hold">
+                                          <p:stCondLst>
+                                            <p:cond delay="0"/>
+                                          </p:stCondLst>
+                                        </p:cTn>
+                                        <p:tgtEl>
+                                          <p:spTgt spid="21"/>
+                                        </p:tgtEl>
+                                        <p:attrNameLst>
+                                          <p:attrName>style.visibility</p:attrName>
+                                        </p:attrNameLst>
+                                      </p:cBhvr>
+                                      <p:to>
+                                        <p:strVal val="visible"/>
+                                      </p:to>
+                                    </p:set>
+                                  </p:childTnLst>
+                                </p:cTn>
+                              </p:par>
+                              <p:par>
+                                <p:cTn id="39" presetID="1" presetClass="entr" presetSubtype="0" fill="hold" grpId="0" nodeType="withEffect">
+                                  <p:stCondLst>
+                                    <p:cond delay="0"/>
+                                  </p:stCondLst>
+                                  <p:childTnLst>
+                                    <p:set>
+                                      <p:cBhvr>
+                                        <p:cTn id="40" dur="1" fill="hold">
+                                          <p:stCondLst>
+                                            <p:cond delay="0"/>
+                                          </p:stCondLst>
+                                        </p:cTn>
+                                        <p:tgtEl>
+                                          <p:spTgt spid="23"/>
+                                        </p:tgtEl>
+                                        <p:attrNameLst>
+                                          <p:attrName>style.visibility</p:attrName>
+                                        </p:attrNameLst>
+                                      </p:cBhvr>
+                                      <p:to>
+                                        <p:strVal val="visible"/>
+                                      </p:to>
+                                    </p:set>
+                                  </p:childTnLst>
+                                </p:cTn>
+                              </p:par>
+                            </p:childTnLst>
+                          </p:cTn>
+                        </p:par>
+                      </p:childTnLst>
+                    </p:cTn>
+                  </p:par>
+                  <p:par>
+                    <p:cTn id="41" fill="hold">
+                      <p:stCondLst>
+                        <p:cond delay="indefinite"/>
+                      </p:stCondLst>
+                      <p:childTnLst>
+                        <p:par>
+                          <p:cTn id="42" fill="hold">
+                            <p:stCondLst>
+                              <p:cond delay="0"/>
+                            </p:stCondLst>
+                            <p:childTnLst>
+                              <p:par>
+                                <p:cTn id="43" presetID="1" presetClass="entr" presetSubtype="0" fill="hold" grpId="0" nodeType="clickEffect">
+                                  <p:stCondLst>
+                                    <p:cond delay="0"/>
+                                  </p:stCondLst>
+                                  <p:childTnLst>
+                                    <p:set>
+                                      <p:cBhvr>
+                                        <p:cTn id="44" dur="1" fill="hold">
+                                          <p:stCondLst>
+                                            <p:cond delay="0"/>
+                                          </p:stCondLst>
+                                        </p:cTn>
+                                        <p:tgtEl>
+                                          <p:spTgt spid="27"/>
+                                        </p:tgtEl>
+                                        <p:attrNameLst>
+                                          <p:attrName>style.visibility</p:attrName>
+                                        </p:attrNameLst>
+                                      </p:cBhvr>
+                                      <p:to>
+                                        <p:strVal val="visible"/>
+                                      </p:to>
+                                    </p:set>
+                                  </p:childTnLst>
+                                </p:cTn>
+                              </p:par>
+                            </p:childTnLst>
+                          </p:cTn>
+                        </p:par>
+                      </p:childTnLst>
+                    </p:cTn>
+                  </p:par>
+                  <p:par>
+                    <p:cTn id="45" fill="hold">
+                      <p:stCondLst>
+                        <p:cond delay="indefinite"/>
+                      </p:stCondLst>
+                      <p:childTnLst>
+                        <p:par>
+                          <p:cTn id="46" fill="hold">
+                            <p:stCondLst>
+                              <p:cond delay="0"/>
+                            </p:stCondLst>
+                            <p:childTnLst>
+                              <p:par>
+                                <p:cTn id="47" presetID="1" presetClass="entr" presetSubtype="0" fill="hold" grpId="0" nodeType="clickEffect">
+                                  <p:stCondLst>
+                                    <p:cond delay="0"/>
+                                  </p:stCondLst>
+                                  <p:childTnLst>
+                                    <p:set>
+                                      <p:cBhvr>
+                                        <p:cTn id="48" dur="1" fill="hold">
+                                          <p:stCondLst>
+                                            <p:cond delay="0"/>
+                                          </p:stCondLst>
+                                        </p:cTn>
+                                        <p:tgtEl>
+                                          <p:spTgt spid="19"/>
+                                        </p:tgtEl>
+                                        <p:attrNameLst>
+                                          <p:attrName>style.visibility</p:attrName>
+                                        </p:attrNameLst>
+                                      </p:cBhvr>
+                                      <p:to>
+                                        <p:strVal val="visible"/>
+                                      </p:to>
+                                    </p:set>
+                                  </p:childTnLst>
+                                </p:cTn>
+                              </p:par>
+                              <p:par>
+                                <p:cTn id="49" presetID="1" presetClass="entr" presetSubtype="0" fill="hold" grpId="0" nodeType="withEffect">
+                                  <p:stCondLst>
+                                    <p:cond delay="0"/>
+                                  </p:stCondLst>
+                                  <p:childTnLst>
+                                    <p:set>
+                                      <p:cBhvr>
+                                        <p:cTn id="50" dur="1" fill="hold">
+                                          <p:stCondLst>
+                                            <p:cond delay="0"/>
+                                          </p:stCondLst>
+                                        </p:cTn>
+                                        <p:tgtEl>
+                                          <p:spTgt spid="28"/>
+                                        </p:tgtEl>
+                                        <p:attrNameLst>
+                                          <p:attrName>style.visibility</p:attrName>
+                                        </p:attrNameLst>
+                                      </p:cBhvr>
+                                      <p:to>
+                                        <p:strVal val="visible"/>
+                                      </p:to>
+                                    </p:set>
+                                  </p:childTnLst>
+                                </p:cTn>
+                              </p:par>
+                            </p:childTnLst>
+                          </p:cTn>
+                        </p:par>
+                      </p:childTnLst>
+                    </p:cTn>
+                  </p:par>
+                </p:childTnLst>
+              </p:cTn>
+              <p:prevCondLst>
+                <p:cond evt="onPrev" delay="0">
+                  <p:tgtEl>
+                    <p:sldTgt/>
+                  </p:tgtEl>
+                </p:cond>
+              </p:prevCondLst>
+              <p:nextCondLst>
+                <p:cond evt="onNext" delay="0">
+                  <p:tgtEl>
+                    <p:sldTgt/>
+                  </p:tgtEl>
+                </p:cond>
+              </p:nextCondLst>
+            </p:seq>
+          </p:childTnLst>
+        </p:cTn>
+      </p:par>
+    </p:tnLst>
+    <p:bldLst>
+      <p:bldP spid="12" grpId="0"/>
+      <p:bldP spid="15" grpId="0"/>
+      <p:bldP spid="23" grpId="0"/>
+      <p:bldP spid="7" grpId="0" animBg="1"/>
+      <p:bldP spid="17" grpId="0" animBg="1"/>
+      <p:bldP spid="18" grpId="0" animBg="1"/>
+      <p:bldP spid="19" grpId="0" animBg="1"/>
+      <p:bldP spid="8" grpId="0" animBg="1"/>
+      <p:bldP spid="20" grpId="0" animBg="1"/>
+      <p:bldP spid="24" grpId="0"/>
+      <p:bldP spid="25" grpId="0" animBg="1"/>
+      <p:bldP spid="26" grpId="0" animBg="1"/>
+      <p:bldP spid="27" grpId="0" animBg="1"/>
+      <p:bldP spid="28" grpId="0"/>
+    </p:bldLst>
+  </p:timing>
+</p:sld>
+</file>
+
 <file path=ppt/slides/slide2.xml><?xml version="1.0" encoding="utf-8"?>
 <p:sld xmlns:a="http://schemas.openxmlformats.org/drawingml/2006/main" xmlns:r="http://schemas.openxmlformats.org/officeDocument/2006/relationships" xmlns:p="http://schemas.openxmlformats.org/presentationml/2006/main">
   <p:cSld>
@@ -14073,7 +16010,7 @@
           <a:p>
             <a:fld id="{6700A58B-DD98-43D0-B791-721480A02982}" type="datetime1">
               <a:rPr lang="en-US" smtClean="0"/>
-              <a:t>3/25/21</a:t>
+              <a:t>3/31/21</a:t>
             </a:fld>
             <a:endParaRPr lang="en-US"/>
           </a:p>
@@ -14629,7 +16566,7 @@
           <a:p>
             <a:fld id="{6700A58B-DD98-43D0-B791-721480A02982}" type="datetime1">
               <a:rPr lang="en-US" smtClean="0"/>
-              <a:t>3/25/21</a:t>
+              <a:t>3/31/21</a:t>
             </a:fld>
             <a:endParaRPr lang="en-US"/>
           </a:p>
@@ -14827,107 +16764,6 @@
       </p:sp>
       <p:sp>
         <p:nvSpPr>
-          <p:cNvPr id="8" name="Rectangle 7">
-            <a:extLst>
-              <a:ext uri="{FF2B5EF4-FFF2-40B4-BE49-F238E27FC236}">
-                <a16:creationId xmlns:a16="http://schemas.microsoft.com/office/drawing/2014/main" id="{198385B9-8A40-2B46-8ECA-D975A8019003}"/>
-              </a:ext>
-            </a:extLst>
-          </p:cNvPr>
-          <p:cNvSpPr/>
-          <p:nvPr/>
-        </p:nvSpPr>
-        <p:spPr>
-          <a:xfrm>
-            <a:off x="5465987" y="2188028"/>
-            <a:ext cx="991963" cy="337457"/>
-          </a:xfrm>
-          <a:prstGeom prst="rect">
-            <a:avLst/>
-          </a:prstGeom>
-        </p:spPr>
-        <p:style>
-          <a:lnRef idx="2">
-            <a:schemeClr val="accent1">
-              <a:shade val="50000"/>
-            </a:schemeClr>
-          </a:lnRef>
-          <a:fillRef idx="1">
-            <a:schemeClr val="accent1"/>
-          </a:fillRef>
-          <a:effectRef idx="0">
-            <a:schemeClr val="accent1"/>
-          </a:effectRef>
-          <a:fontRef idx="minor">
-            <a:schemeClr val="lt1"/>
-          </a:fontRef>
-        </p:style>
-        <p:txBody>
-          <a:bodyPr rtlCol="0" anchor="ctr"/>
-          <a:lstStyle/>
-          <a:p>
-            <a:pPr algn="ctr"/>
-            <a:r>
-              <a:rPr lang="en-US" dirty="0"/>
-              <a:t>UK</a:t>
-            </a:r>
-          </a:p>
-        </p:txBody>
-      </p:sp>
-      <p:sp>
-        <p:nvSpPr>
-          <p:cNvPr id="9" name="Minus 8">
-            <a:extLst>
-              <a:ext uri="{FF2B5EF4-FFF2-40B4-BE49-F238E27FC236}">
-                <a16:creationId xmlns:a16="http://schemas.microsoft.com/office/drawing/2014/main" id="{5196D5C3-BE31-CE48-8BF5-75584E9ACD4C}"/>
-              </a:ext>
-            </a:extLst>
-          </p:cNvPr>
-          <p:cNvSpPr/>
-          <p:nvPr/>
-        </p:nvSpPr>
-        <p:spPr>
-          <a:xfrm>
-            <a:off x="2583656" y="1899556"/>
-            <a:ext cx="914400" cy="914400"/>
-          </a:xfrm>
-          <a:prstGeom prst="mathMinus">
-            <a:avLst/>
-          </a:prstGeom>
-          <a:solidFill>
-            <a:srgbClr val="FFC000"/>
-          </a:solidFill>
-          <a:ln>
-            <a:noFill/>
-          </a:ln>
-        </p:spPr>
-        <p:style>
-          <a:lnRef idx="2">
-            <a:schemeClr val="accent1">
-              <a:shade val="50000"/>
-            </a:schemeClr>
-          </a:lnRef>
-          <a:fillRef idx="1">
-            <a:schemeClr val="accent1"/>
-          </a:fillRef>
-          <a:effectRef idx="0">
-            <a:schemeClr val="accent1"/>
-          </a:effectRef>
-          <a:fontRef idx="minor">
-            <a:schemeClr val="lt1"/>
-          </a:fontRef>
-        </p:style>
-        <p:txBody>
-          <a:bodyPr rtlCol="0" anchor="ctr"/>
-          <a:lstStyle/>
-          <a:p>
-            <a:pPr algn="ctr"/>
-            <a:endParaRPr lang="en-US" dirty="0"/>
-          </a:p>
-        </p:txBody>
-      </p:sp>
-      <p:sp>
-        <p:nvSpPr>
           <p:cNvPr id="10" name="Plus 9">
             <a:extLst>
               <a:ext uri="{FF2B5EF4-FFF2-40B4-BE49-F238E27FC236}">
@@ -14940,7 +16776,7 @@
         </p:nvSpPr>
         <p:spPr>
           <a:xfrm>
-            <a:off x="4539683" y="1899556"/>
+            <a:off x="2571750" y="1913275"/>
             <a:ext cx="914400" cy="914400"/>
           </a:xfrm>
           <a:prstGeom prst="mathPlus">
@@ -14992,7 +16828,7 @@
         </p:nvSpPr>
         <p:spPr>
           <a:xfrm>
-            <a:off x="6457950" y="1899556"/>
+            <a:off x="4784814" y="1913275"/>
             <a:ext cx="914400" cy="914400"/>
           </a:xfrm>
           <a:prstGeom prst="mathEqual">
@@ -15036,10 +16872,10 @@
       </p:sp>
       <p:sp>
         <p:nvSpPr>
-          <p:cNvPr id="12" name="Rectangle 11">
+          <p:cNvPr id="16" name="Rectangle 15">
             <a:extLst>
               <a:ext uri="{FF2B5EF4-FFF2-40B4-BE49-F238E27FC236}">
-                <a16:creationId xmlns:a16="http://schemas.microsoft.com/office/drawing/2014/main" id="{CCBD1046-83CF-B945-8BF0-79CD4CA75EEC}"/>
+                <a16:creationId xmlns:a16="http://schemas.microsoft.com/office/drawing/2014/main" id="{79420B99-16BE-704C-9EEF-6BD7F71E0BE4}"/>
               </a:ext>
             </a:extLst>
           </p:cNvPr>
@@ -15048,7 +16884,7 @@
         </p:nvSpPr>
         <p:spPr>
           <a:xfrm>
-            <a:off x="7372350" y="2188028"/>
+            <a:off x="6038452" y="2188028"/>
             <a:ext cx="1583871" cy="337457"/>
           </a:xfrm>
           <a:prstGeom prst="rect">
@@ -15084,216 +16920,6 @@
             <a:pPr algn="ctr"/>
             <a:r>
               <a:rPr lang="en-US" dirty="0"/>
-              <a:t>London</a:t>
-            </a:r>
-          </a:p>
-        </p:txBody>
-      </p:sp>
-      <p:sp>
-        <p:nvSpPr>
-          <p:cNvPr id="13" name="Rectangle 12">
-            <a:extLst>
-              <a:ext uri="{FF2B5EF4-FFF2-40B4-BE49-F238E27FC236}">
-                <a16:creationId xmlns:a16="http://schemas.microsoft.com/office/drawing/2014/main" id="{A7E4088E-A012-F74E-B12B-9F1472F46ED2}"/>
-              </a:ext>
-            </a:extLst>
-          </p:cNvPr>
-          <p:cNvSpPr/>
-          <p:nvPr/>
-        </p:nvSpPr>
-        <p:spPr>
-          <a:xfrm>
-            <a:off x="199685" y="3182947"/>
-            <a:ext cx="2383971" cy="337457"/>
-          </a:xfrm>
-          <a:prstGeom prst="rect">
-            <a:avLst/>
-          </a:prstGeom>
-          <a:solidFill>
-            <a:schemeClr val="tx2"/>
-          </a:solidFill>
-          <a:ln>
-            <a:noFill/>
-          </a:ln>
-        </p:spPr>
-        <p:style>
-          <a:lnRef idx="2">
-            <a:schemeClr val="accent1">
-              <a:shade val="50000"/>
-            </a:schemeClr>
-          </a:lnRef>
-          <a:fillRef idx="1">
-            <a:schemeClr val="accent1"/>
-          </a:fillRef>
-          <a:effectRef idx="0">
-            <a:schemeClr val="accent1"/>
-          </a:effectRef>
-          <a:fontRef idx="minor">
-            <a:schemeClr val="lt1"/>
-          </a:fontRef>
-        </p:style>
-        <p:txBody>
-          <a:bodyPr rtlCol="0" anchor="ctr"/>
-          <a:lstStyle/>
-          <a:p>
-            <a:pPr algn="ctr"/>
-            <a:r>
-              <a:rPr lang="en-US" dirty="0"/>
-              <a:t>Capital City</a:t>
-            </a:r>
-          </a:p>
-        </p:txBody>
-      </p:sp>
-      <p:sp>
-        <p:nvSpPr>
-          <p:cNvPr id="14" name="Rectangle 13">
-            <a:extLst>
-              <a:ext uri="{FF2B5EF4-FFF2-40B4-BE49-F238E27FC236}">
-                <a16:creationId xmlns:a16="http://schemas.microsoft.com/office/drawing/2014/main" id="{F1802DC6-1027-ED4E-B986-C06D5D4A9770}"/>
-              </a:ext>
-            </a:extLst>
-          </p:cNvPr>
-          <p:cNvSpPr/>
-          <p:nvPr/>
-        </p:nvSpPr>
-        <p:spPr>
-          <a:xfrm>
-            <a:off x="3341914" y="3182947"/>
-            <a:ext cx="1185863" cy="337457"/>
-          </a:xfrm>
-          <a:prstGeom prst="rect">
-            <a:avLst/>
-          </a:prstGeom>
-        </p:spPr>
-        <p:style>
-          <a:lnRef idx="2">
-            <a:schemeClr val="accent1">
-              <a:shade val="50000"/>
-            </a:schemeClr>
-          </a:lnRef>
-          <a:fillRef idx="1">
-            <a:schemeClr val="accent1"/>
-          </a:fillRef>
-          <a:effectRef idx="0">
-            <a:schemeClr val="accent1"/>
-          </a:effectRef>
-          <a:fontRef idx="minor">
-            <a:schemeClr val="lt1"/>
-          </a:fontRef>
-        </p:style>
-        <p:txBody>
-          <a:bodyPr rtlCol="0" anchor="ctr"/>
-          <a:lstStyle/>
-          <a:p>
-            <a:pPr algn="ctr"/>
-            <a:r>
-              <a:rPr lang="en-US" dirty="0" err="1"/>
-              <a:t>countryA</a:t>
-            </a:r>
-            <a:endParaRPr lang="en-US" dirty="0"/>
-          </a:p>
-        </p:txBody>
-      </p:sp>
-      <p:sp>
-        <p:nvSpPr>
-          <p:cNvPr id="15" name="Rectangle 14">
-            <a:extLst>
-              <a:ext uri="{FF2B5EF4-FFF2-40B4-BE49-F238E27FC236}">
-                <a16:creationId xmlns:a16="http://schemas.microsoft.com/office/drawing/2014/main" id="{F652AB5F-6009-2740-A679-2F6B870B6A30}"/>
-              </a:ext>
-            </a:extLst>
-          </p:cNvPr>
-          <p:cNvSpPr/>
-          <p:nvPr/>
-        </p:nvSpPr>
-        <p:spPr>
-          <a:xfrm>
-            <a:off x="5369036" y="3182947"/>
-            <a:ext cx="1185863" cy="337457"/>
-          </a:xfrm>
-          <a:prstGeom prst="rect">
-            <a:avLst/>
-          </a:prstGeom>
-        </p:spPr>
-        <p:style>
-          <a:lnRef idx="2">
-            <a:schemeClr val="accent1">
-              <a:shade val="50000"/>
-            </a:schemeClr>
-          </a:lnRef>
-          <a:fillRef idx="1">
-            <a:schemeClr val="accent1"/>
-          </a:fillRef>
-          <a:effectRef idx="0">
-            <a:schemeClr val="accent1"/>
-          </a:effectRef>
-          <a:fontRef idx="minor">
-            <a:schemeClr val="lt1"/>
-          </a:fontRef>
-        </p:style>
-        <p:txBody>
-          <a:bodyPr rtlCol="0" anchor="ctr"/>
-          <a:lstStyle/>
-          <a:p>
-            <a:pPr algn="ctr"/>
-            <a:r>
-              <a:rPr lang="en-US" dirty="0" err="1"/>
-              <a:t>countryB</a:t>
-            </a:r>
-            <a:endParaRPr lang="en-US" dirty="0"/>
-          </a:p>
-        </p:txBody>
-      </p:sp>
-      <p:sp>
-        <p:nvSpPr>
-          <p:cNvPr id="16" name="Rectangle 15">
-            <a:extLst>
-              <a:ext uri="{FF2B5EF4-FFF2-40B4-BE49-F238E27FC236}">
-                <a16:creationId xmlns:a16="http://schemas.microsoft.com/office/drawing/2014/main" id="{79420B99-16BE-704C-9EEF-6BD7F71E0BE4}"/>
-              </a:ext>
-            </a:extLst>
-          </p:cNvPr>
-          <p:cNvSpPr/>
-          <p:nvPr/>
-        </p:nvSpPr>
-        <p:spPr>
-          <a:xfrm>
-            <a:off x="7315200" y="3150291"/>
-            <a:ext cx="1583871" cy="337457"/>
-          </a:xfrm>
-          <a:prstGeom prst="rect">
-            <a:avLst/>
-          </a:prstGeom>
-          <a:solidFill>
-            <a:schemeClr val="tx2"/>
-          </a:solidFill>
-          <a:ln>
-            <a:noFill/>
-          </a:ln>
-        </p:spPr>
-        <p:style>
-          <a:lnRef idx="2">
-            <a:schemeClr val="accent1">
-              <a:shade val="50000"/>
-            </a:schemeClr>
-          </a:lnRef>
-          <a:fillRef idx="1">
-            <a:schemeClr val="accent1"/>
-          </a:fillRef>
-          <a:effectRef idx="0">
-            <a:schemeClr val="accent1"/>
-          </a:effectRef>
-          <a:fontRef idx="minor">
-            <a:schemeClr val="lt1"/>
-          </a:fontRef>
-        </p:style>
-        <p:txBody>
-          <a:bodyPr rtlCol="0" anchor="ctr"/>
-          <a:lstStyle/>
-          <a:p>
-            <a:pPr algn="ctr"/>
-            <a:r>
-              <a:rPr lang="en-US" dirty="0"/>
               <a:t>Cap. City</a:t>
             </a:r>
           </a:p>
@@ -15336,41 +16962,6 @@
       </p:sp>
       <p:sp>
         <p:nvSpPr>
-          <p:cNvPr id="18" name="TextBox 17">
-            <a:extLst>
-              <a:ext uri="{FF2B5EF4-FFF2-40B4-BE49-F238E27FC236}">
-                <a16:creationId xmlns:a16="http://schemas.microsoft.com/office/drawing/2014/main" id="{FB4DFB1F-70B5-CE4C-B523-60A83DD85421}"/>
-              </a:ext>
-            </a:extLst>
-          </p:cNvPr>
-          <p:cNvSpPr txBox="1"/>
-          <p:nvPr/>
-        </p:nvSpPr>
-        <p:spPr>
-          <a:xfrm>
-            <a:off x="7896423" y="1732562"/>
-            <a:ext cx="535724" cy="369332"/>
-          </a:xfrm>
-          <a:prstGeom prst="rect">
-            <a:avLst/>
-          </a:prstGeom>
-          <a:noFill/>
-        </p:spPr>
-        <p:txBody>
-          <a:bodyPr wrap="none" rtlCol="0">
-            <a:spAutoFit/>
-          </a:bodyPr>
-          <a:lstStyle/>
-          <a:p>
-            <a:r>
-              <a:rPr lang="en-US" dirty="0"/>
-              <a:t>129</a:t>
-            </a:r>
-          </a:p>
-        </p:txBody>
-      </p:sp>
-      <p:sp>
-        <p:nvSpPr>
           <p:cNvPr id="19" name="TextBox 18">
             <a:extLst>
               <a:ext uri="{FF2B5EF4-FFF2-40B4-BE49-F238E27FC236}">
@@ -15406,41 +16997,6 @@
       </p:sp>
       <p:sp>
         <p:nvSpPr>
-          <p:cNvPr id="20" name="TextBox 19">
-            <a:extLst>
-              <a:ext uri="{FF2B5EF4-FFF2-40B4-BE49-F238E27FC236}">
-                <a16:creationId xmlns:a16="http://schemas.microsoft.com/office/drawing/2014/main" id="{30284AC5-65E1-A548-950E-105C9D52E325}"/>
-              </a:ext>
-            </a:extLst>
-          </p:cNvPr>
-          <p:cNvSpPr txBox="1"/>
-          <p:nvPr/>
-        </p:nvSpPr>
-        <p:spPr>
-          <a:xfrm>
-            <a:off x="5694105" y="1732562"/>
-            <a:ext cx="535724" cy="369332"/>
-          </a:xfrm>
-          <a:prstGeom prst="rect">
-            <a:avLst/>
-          </a:prstGeom>
-          <a:noFill/>
-        </p:spPr>
-        <p:txBody>
-          <a:bodyPr wrap="none" rtlCol="0">
-            <a:spAutoFit/>
-          </a:bodyPr>
-          <a:lstStyle/>
-          <a:p>
-            <a:r>
-              <a:rPr lang="en-US" dirty="0"/>
-              <a:t>782</a:t>
-            </a:r>
-          </a:p>
-        </p:txBody>
-      </p:sp>
-      <p:sp>
-        <p:nvSpPr>
           <p:cNvPr id="21" name="TextBox 20">
             <a:extLst>
               <a:ext uri="{FF2B5EF4-FFF2-40B4-BE49-F238E27FC236}">
@@ -15453,7 +17009,7 @@
         </p:nvSpPr>
         <p:spPr>
           <a:xfrm>
-            <a:off x="738707" y="4558441"/>
+            <a:off x="738707" y="5612181"/>
             <a:ext cx="7666586" cy="369332"/>
           </a:xfrm>
           <a:prstGeom prst="rect">
@@ -15476,10 +17032,10 @@
       </p:sp>
       <p:sp>
         <p:nvSpPr>
-          <p:cNvPr id="22" name="TextBox 21">
+          <p:cNvPr id="24" name="TextBox 23">
             <a:extLst>
               <a:ext uri="{FF2B5EF4-FFF2-40B4-BE49-F238E27FC236}">
-                <a16:creationId xmlns:a16="http://schemas.microsoft.com/office/drawing/2014/main" id="{99069AA3-8F9E-B34A-9489-C6D94B65D994}"/>
+                <a16:creationId xmlns:a16="http://schemas.microsoft.com/office/drawing/2014/main" id="{F36E2B00-6A9A-AC4E-B146-AB8044D69DCB}"/>
               </a:ext>
             </a:extLst>
           </p:cNvPr>
@@ -15488,8 +17044,8 @@
         </p:nvSpPr>
         <p:spPr>
           <a:xfrm>
-            <a:off x="738707" y="5137172"/>
-            <a:ext cx="6883616" cy="369332"/>
+            <a:off x="5828978" y="1674631"/>
+            <a:ext cx="2115194" cy="369332"/>
           </a:xfrm>
           <a:prstGeom prst="rect">
             <a:avLst/>
@@ -15504,17 +17060,135 @@
           <a:p>
             <a:r>
               <a:rPr lang="en-US" dirty="0"/>
-              <a:t>129 + 782 = 911 represents London in two dimensions, City and Country</a:t>
+              <a:t>Abstractive Meaning</a:t>
             </a:r>
+          </a:p>
+        </p:txBody>
+      </p:sp>
+      <p:cxnSp>
+        <p:nvCxnSpPr>
+          <p:cNvPr id="26" name="Straight Connector 25">
+            <a:extLst>
+              <a:ext uri="{FF2B5EF4-FFF2-40B4-BE49-F238E27FC236}">
+                <a16:creationId xmlns:a16="http://schemas.microsoft.com/office/drawing/2014/main" id="{DC6AB020-CFB2-3541-B309-3FD47818D3DB}"/>
+              </a:ext>
+            </a:extLst>
+          </p:cNvPr>
+          <p:cNvCxnSpPr/>
+          <p:nvPr/>
+        </p:nvCxnSpPr>
+        <p:spPr>
+          <a:xfrm>
+            <a:off x="3028950" y="3344091"/>
+            <a:ext cx="0" cy="1741715"/>
+          </a:xfrm>
+          <a:prstGeom prst="line">
+            <a:avLst/>
+          </a:prstGeom>
+        </p:spPr>
+        <p:style>
+          <a:lnRef idx="1">
+            <a:schemeClr val="accent1"/>
+          </a:lnRef>
+          <a:fillRef idx="0">
+            <a:schemeClr val="accent1"/>
+          </a:fillRef>
+          <a:effectRef idx="0">
+            <a:schemeClr val="accent1"/>
+          </a:effectRef>
+          <a:fontRef idx="minor">
+            <a:schemeClr val="tx1"/>
+          </a:fontRef>
+        </p:style>
+      </p:cxnSp>
+      <p:cxnSp>
+        <p:nvCxnSpPr>
+          <p:cNvPr id="28" name="Straight Connector 27">
+            <a:extLst>
+              <a:ext uri="{FF2B5EF4-FFF2-40B4-BE49-F238E27FC236}">
+                <a16:creationId xmlns:a16="http://schemas.microsoft.com/office/drawing/2014/main" id="{5F9F8DEA-ECB4-4144-9683-0FB108ABEE73}"/>
+              </a:ext>
+            </a:extLst>
+          </p:cNvPr>
+          <p:cNvCxnSpPr/>
+          <p:nvPr/>
+        </p:nvCxnSpPr>
+        <p:spPr>
+          <a:xfrm>
+            <a:off x="2412274" y="5077097"/>
+            <a:ext cx="4293326" cy="0"/>
+          </a:xfrm>
+          <a:prstGeom prst="line">
+            <a:avLst/>
+          </a:prstGeom>
+        </p:spPr>
+        <p:style>
+          <a:lnRef idx="1">
+            <a:schemeClr val="accent1"/>
+          </a:lnRef>
+          <a:fillRef idx="0">
+            <a:schemeClr val="accent1"/>
+          </a:fillRef>
+          <a:effectRef idx="0">
+            <a:schemeClr val="accent1"/>
+          </a:effectRef>
+          <a:fontRef idx="minor">
+            <a:schemeClr val="tx1"/>
+          </a:fontRef>
+        </p:style>
+      </p:cxnSp>
+      <p:sp>
+        <p:nvSpPr>
+          <p:cNvPr id="29" name="Oval 28">
+            <a:extLst>
+              <a:ext uri="{FF2B5EF4-FFF2-40B4-BE49-F238E27FC236}">
+                <a16:creationId xmlns:a16="http://schemas.microsoft.com/office/drawing/2014/main" id="{1DDDA76B-1345-2748-B48B-18960DE30F31}"/>
+              </a:ext>
+            </a:extLst>
+          </p:cNvPr>
+          <p:cNvSpPr/>
+          <p:nvPr/>
+        </p:nvSpPr>
+        <p:spPr>
+          <a:xfrm>
+            <a:off x="5113289" y="3506874"/>
+            <a:ext cx="257449" cy="257449"/>
+          </a:xfrm>
+          <a:prstGeom prst="ellipse">
+            <a:avLst/>
+          </a:prstGeom>
+        </p:spPr>
+        <p:style>
+          <a:lnRef idx="2">
+            <a:schemeClr val="accent1">
+              <a:shade val="50000"/>
+            </a:schemeClr>
+          </a:lnRef>
+          <a:fillRef idx="1">
+            <a:schemeClr val="accent1"/>
+          </a:fillRef>
+          <a:effectRef idx="0">
+            <a:schemeClr val="accent1"/>
+          </a:effectRef>
+          <a:fontRef idx="minor">
+            <a:schemeClr val="lt1"/>
+          </a:fontRef>
+        </p:style>
+        <p:txBody>
+          <a:bodyPr rtlCol="0" anchor="ctr"/>
+          <a:lstStyle/>
+          <a:p>
+            <a:pPr algn="ctr"/>
+            <a:endParaRPr lang="en-US"/>
           </a:p>
         </p:txBody>
       </p:sp>
       <p:sp>
         <p:nvSpPr>
-          <p:cNvPr id="23" name="TextBox 22">
+          <p:cNvPr id="30" name="TextBox 29">
             <a:extLst>
               <a:ext uri="{FF2B5EF4-FFF2-40B4-BE49-F238E27FC236}">
-                <a16:creationId xmlns:a16="http://schemas.microsoft.com/office/drawing/2014/main" id="{7A7E40CC-FAB3-8F41-A7C8-8A30115033F5}"/>
+                <a16:creationId xmlns:a16="http://schemas.microsoft.com/office/drawing/2014/main" id="{0BB2F6C6-5A06-8A41-8D06-5D0AEEEB6C62}"/>
               </a:ext>
             </a:extLst>
           </p:cNvPr>
@@ -15523,8 +17197,78 @@
         </p:nvSpPr>
         <p:spPr>
           <a:xfrm>
-            <a:off x="740350" y="5649903"/>
-            <a:ext cx="8004567" cy="646331"/>
+            <a:off x="4795416" y="5071880"/>
+            <a:ext cx="893193" cy="261610"/>
+          </a:xfrm>
+          <a:prstGeom prst="rect">
+            <a:avLst/>
+          </a:prstGeom>
+          <a:noFill/>
+        </p:spPr>
+        <p:txBody>
+          <a:bodyPr wrap="none" rtlCol="0">
+            <a:spAutoFit/>
+          </a:bodyPr>
+          <a:lstStyle/>
+          <a:p>
+            <a:r>
+              <a:rPr lang="en-US" sz="1100" dirty="0"/>
+              <a:t>123 – WD.C.</a:t>
+            </a:r>
+          </a:p>
+        </p:txBody>
+      </p:sp>
+      <p:sp>
+        <p:nvSpPr>
+          <p:cNvPr id="31" name="TextBox 30">
+            <a:extLst>
+              <a:ext uri="{FF2B5EF4-FFF2-40B4-BE49-F238E27FC236}">
+                <a16:creationId xmlns:a16="http://schemas.microsoft.com/office/drawing/2014/main" id="{0F652F54-9F2B-4348-AD45-2BC503223388}"/>
+              </a:ext>
+            </a:extLst>
+          </p:cNvPr>
+          <p:cNvSpPr txBox="1"/>
+          <p:nvPr/>
+        </p:nvSpPr>
+        <p:spPr>
+          <a:xfrm rot="16200000">
+            <a:off x="2558148" y="3504793"/>
+            <a:ext cx="679994" cy="261610"/>
+          </a:xfrm>
+          <a:prstGeom prst="rect">
+            <a:avLst/>
+          </a:prstGeom>
+          <a:noFill/>
+        </p:spPr>
+        <p:txBody>
+          <a:bodyPr wrap="none" rtlCol="0">
+            <a:spAutoFit/>
+          </a:bodyPr>
+          <a:lstStyle/>
+          <a:p>
+            <a:r>
+              <a:rPr lang="en-US" sz="1100" dirty="0"/>
+              <a:t>789-USA</a:t>
+            </a:r>
+          </a:p>
+        </p:txBody>
+      </p:sp>
+      <p:sp>
+        <p:nvSpPr>
+          <p:cNvPr id="32" name="TextBox 31">
+            <a:extLst>
+              <a:ext uri="{FF2B5EF4-FFF2-40B4-BE49-F238E27FC236}">
+                <a16:creationId xmlns:a16="http://schemas.microsoft.com/office/drawing/2014/main" id="{8BB828FA-01CD-EA41-A2F5-465432CADE03}"/>
+              </a:ext>
+            </a:extLst>
+          </p:cNvPr>
+          <p:cNvSpPr txBox="1"/>
+          <p:nvPr/>
+        </p:nvSpPr>
+        <p:spPr>
+          <a:xfrm>
+            <a:off x="5401022" y="3396154"/>
+            <a:ext cx="2609156" cy="461665"/>
           </a:xfrm>
           <a:prstGeom prst="rect">
             <a:avLst/>
@@ -15538,8 +17282,8 @@
           <a:lstStyle/>
           <a:p>
             <a:r>
-              <a:rPr lang="en-US" dirty="0"/>
-              <a:t>911, London, is “closest” to the 912, Washington DC, which means they share a similar abstracted meaning compared to all other terms in the corpus.  </a:t>
+              <a:rPr lang="en-US" sz="1200" dirty="0"/>
+              <a:t>Some relationship between a city &amp; country dimension.</a:t>
             </a:r>
           </a:p>
         </p:txBody>
@@ -15547,7 +17291,7 @@
     </p:spTree>
     <p:extLst>
       <p:ext uri="{BB962C8B-B14F-4D97-AF65-F5344CB8AC3E}">
-        <p14:creationId xmlns:p14="http://schemas.microsoft.com/office/powerpoint/2010/main" val="3985014455"/>
+        <p14:creationId xmlns:p14="http://schemas.microsoft.com/office/powerpoint/2010/main" val="670028451"/>
       </p:ext>
     </p:extLst>
   </p:cSld>
@@ -15601,39 +17345,21 @@
                                   </p:childTnLst>
                                 </p:cTn>
                               </p:par>
-                            </p:childTnLst>
-                          </p:cTn>
-                        </p:par>
-                      </p:childTnLst>
-                    </p:cTn>
-                  </p:par>
-                  <p:par>
-                    <p:cTn id="7" fill="hold">
-                      <p:stCondLst>
-                        <p:cond delay="indefinite"/>
-                      </p:stCondLst>
-                      <p:childTnLst>
-                        <p:par>
-                          <p:cTn id="8" fill="hold">
-                            <p:stCondLst>
-                              <p:cond delay="0"/>
-                            </p:stCondLst>
-                            <p:childTnLst>
                               <p:par>
-                                <p:cTn id="9" presetID="1" presetClass="entr" presetSubtype="0" fill="hold" grpId="0" nodeType="clickEffect">
+                                <p:cTn id="7" presetID="1" presetClass="entr" presetSubtype="0" fill="hold" grpId="0" nodeType="withEffect">
                                   <p:stCondLst>
                                     <p:cond delay="0"/>
                                   </p:stCondLst>
                                   <p:childTnLst>
                                     <p:set>
                                       <p:cBhvr>
-                                        <p:cTn id="10" dur="1" fill="hold">
+                                        <p:cTn id="8" dur="1" fill="hold">
                                           <p:stCondLst>
                                             <p:cond delay="0"/>
                                           </p:stCondLst>
                                         </p:cTn>
                                         <p:tgtEl>
-                                          <p:spTgt spid="9"/>
+                                          <p:spTgt spid="17"/>
                                         </p:tgtEl>
                                         <p:attrNameLst>
                                           <p:attrName>style.visibility</p:attrName>
@@ -15653,32 +17379,32 @@
                     </p:cTn>
                   </p:par>
                   <p:par>
-                    <p:cTn id="11" fill="hold">
+                    <p:cTn id="9" fill="hold">
                       <p:stCondLst>
                         <p:cond delay="indefinite"/>
                       </p:stCondLst>
                       <p:childTnLst>
                         <p:par>
-                          <p:cTn id="12" fill="hold">
+                          <p:cTn id="10" fill="hold">
                             <p:stCondLst>
                               <p:cond delay="0"/>
                             </p:stCondLst>
                             <p:childTnLst>
                               <p:par>
-                                <p:cTn id="13" presetID="1" presetClass="entr" presetSubtype="0" fill="hold" grpId="0" nodeType="clickEffect">
+                                <p:cTn id="11" presetID="1" presetClass="entr" presetSubtype="0" fill="hold" grpId="0" nodeType="clickEffect">
                                   <p:stCondLst>
                                     <p:cond delay="0"/>
                                   </p:stCondLst>
                                   <p:childTnLst>
                                     <p:set>
                                       <p:cBhvr>
-                                        <p:cTn id="14" dur="1" fill="hold">
+                                        <p:cTn id="12" dur="1" fill="hold">
                                           <p:stCondLst>
                                             <p:cond delay="0"/>
                                           </p:stCondLst>
                                         </p:cTn>
                                         <p:tgtEl>
-                                          <p:spTgt spid="7"/>
+                                          <p:spTgt spid="10"/>
                                         </p:tgtEl>
                                         <p:attrNameLst>
                                           <p:attrName>style.visibility</p:attrName>
@@ -15698,19 +17424,46 @@
                     </p:cTn>
                   </p:par>
                   <p:par>
-                    <p:cTn id="15" fill="hold">
+                    <p:cTn id="13" fill="hold">
                       <p:stCondLst>
                         <p:cond delay="indefinite"/>
                       </p:stCondLst>
                       <p:childTnLst>
                         <p:par>
-                          <p:cTn id="16" fill="hold">
+                          <p:cTn id="14" fill="hold">
                             <p:stCondLst>
                               <p:cond delay="0"/>
                             </p:stCondLst>
                             <p:childTnLst>
                               <p:par>
-                                <p:cTn id="17" presetID="1" presetClass="entr" presetSubtype="0" fill="hold" grpId="0" nodeType="clickEffect">
+                                <p:cTn id="15" presetID="1" presetClass="entr" presetSubtype="0" fill="hold" grpId="0" nodeType="clickEffect">
+                                  <p:stCondLst>
+                                    <p:cond delay="0"/>
+                                  </p:stCondLst>
+                                  <p:childTnLst>
+                                    <p:set>
+                                      <p:cBhvr>
+                                        <p:cTn id="16" dur="1" fill="hold">
+                                          <p:stCondLst>
+                                            <p:cond delay="0"/>
+                                          </p:stCondLst>
+                                        </p:cTn>
+                                        <p:tgtEl>
+                                          <p:spTgt spid="7"/>
+                                        </p:tgtEl>
+                                        <p:attrNameLst>
+                                          <p:attrName>style.visibility</p:attrName>
+                                        </p:attrNameLst>
+                                      </p:cBhvr>
+                                      <p:to>
+                                        <p:strVal val="visible"/>
+                                      </p:to>
+                                    </p:set>
+                                  </p:childTnLst>
+                                </p:cTn>
+                              </p:par>
+                              <p:par>
+                                <p:cTn id="17" presetID="1" presetClass="entr" presetSubtype="0" fill="hold" grpId="0" nodeType="withEffect">
                                   <p:stCondLst>
                                     <p:cond delay="0"/>
                                   </p:stCondLst>
@@ -15723,7 +17476,7 @@
                                           </p:stCondLst>
                                         </p:cTn>
                                         <p:tgtEl>
-                                          <p:spTgt spid="10"/>
+                                          <p:spTgt spid="19"/>
                                         </p:tgtEl>
                                         <p:attrNameLst>
                                           <p:attrName>style.visibility</p:attrName>
@@ -15768,7 +17521,7 @@
                                           </p:stCondLst>
                                         </p:cTn>
                                         <p:tgtEl>
-                                          <p:spTgt spid="8"/>
+                                          <p:spTgt spid="11"/>
                                         </p:tgtEl>
                                         <p:attrNameLst>
                                           <p:attrName>style.visibility</p:attrName>
@@ -15813,7 +17566,34 @@
                                           </p:stCondLst>
                                         </p:cTn>
                                         <p:tgtEl>
-                                          <p:spTgt spid="11"/>
+                                          <p:spTgt spid="24"/>
+                                        </p:tgtEl>
+                                        <p:attrNameLst>
+                                          <p:attrName>style.visibility</p:attrName>
+                                        </p:attrNameLst>
+                                      </p:cBhvr>
+                                      <p:to>
+                                        <p:strVal val="visible"/>
+                                      </p:to>
+                                    </p:set>
+                                  </p:childTnLst>
+                                </p:cTn>
+                              </p:par>
+                              <p:par>
+                                <p:cTn id="27" presetID="1" presetClass="entr" presetSubtype="0" fill="hold" grpId="0" nodeType="withEffect">
+                                  <p:stCondLst>
+                                    <p:cond delay="0"/>
+                                  </p:stCondLst>
+                                  <p:childTnLst>
+                                    <p:set>
+                                      <p:cBhvr>
+                                        <p:cTn id="28" dur="1" fill="hold">
+                                          <p:stCondLst>
+                                            <p:cond delay="0"/>
+                                          </p:stCondLst>
+                                        </p:cTn>
+                                        <p:tgtEl>
+                                          <p:spTgt spid="16"/>
                                         </p:tgtEl>
                                         <p:attrNameLst>
                                           <p:attrName>style.visibility</p:attrName>
@@ -15833,32 +17613,32 @@
                     </p:cTn>
                   </p:par>
                   <p:par>
-                    <p:cTn id="27" fill="hold">
+                    <p:cTn id="29" fill="hold">
                       <p:stCondLst>
                         <p:cond delay="indefinite"/>
                       </p:stCondLst>
                       <p:childTnLst>
                         <p:par>
-                          <p:cTn id="28" fill="hold">
+                          <p:cTn id="30" fill="hold">
                             <p:stCondLst>
                               <p:cond delay="0"/>
                             </p:stCondLst>
                             <p:childTnLst>
                               <p:par>
-                                <p:cTn id="29" presetID="1" presetClass="entr" presetSubtype="0" fill="hold" grpId="0" nodeType="clickEffect">
+                                <p:cTn id="31" presetID="1" presetClass="entr" presetSubtype="0" fill="hold" nodeType="clickEffect">
                                   <p:stCondLst>
                                     <p:cond delay="0"/>
                                   </p:stCondLst>
                                   <p:childTnLst>
                                     <p:set>
                                       <p:cBhvr>
-                                        <p:cTn id="30" dur="1" fill="hold">
+                                        <p:cTn id="32" dur="1" fill="hold">
                                           <p:stCondLst>
                                             <p:cond delay="0"/>
                                           </p:stCondLst>
                                         </p:cTn>
                                         <p:tgtEl>
-                                          <p:spTgt spid="12"/>
+                                          <p:spTgt spid="26"/>
                                         </p:tgtEl>
                                         <p:attrNameLst>
                                           <p:attrName>style.visibility</p:attrName>
@@ -15871,26 +17651,8 @@
                                   </p:childTnLst>
                                 </p:cTn>
                               </p:par>
-                            </p:childTnLst>
-                          </p:cTn>
-                        </p:par>
-                      </p:childTnLst>
-                    </p:cTn>
-                  </p:par>
-                  <p:par>
-                    <p:cTn id="31" fill="hold">
-                      <p:stCondLst>
-                        <p:cond delay="indefinite"/>
-                      </p:stCondLst>
-                      <p:childTnLst>
-                        <p:par>
-                          <p:cTn id="32" fill="hold">
-                            <p:stCondLst>
-                              <p:cond delay="0"/>
-                            </p:stCondLst>
-                            <p:childTnLst>
                               <p:par>
-                                <p:cTn id="33" presetID="1" presetClass="entr" presetSubtype="0" fill="hold" grpId="0" nodeType="clickEffect">
+                                <p:cTn id="33" presetID="1" presetClass="entr" presetSubtype="0" fill="hold" nodeType="withEffect">
                                   <p:stCondLst>
                                     <p:cond delay="0"/>
                                   </p:stCondLst>
@@ -15903,7 +17665,7 @@
                                           </p:stCondLst>
                                         </p:cTn>
                                         <p:tgtEl>
-                                          <p:spTgt spid="13"/>
+                                          <p:spTgt spid="28"/>
                                         </p:tgtEl>
                                         <p:attrNameLst>
                                           <p:attrName>style.visibility</p:attrName>
@@ -15916,26 +17678,35 @@
                                   </p:childTnLst>
                                 </p:cTn>
                               </p:par>
-                            </p:childTnLst>
-                          </p:cTn>
-                        </p:par>
-                      </p:childTnLst>
-                    </p:cTn>
-                  </p:par>
-                  <p:par>
-                    <p:cTn id="35" fill="hold">
-                      <p:stCondLst>
-                        <p:cond delay="indefinite"/>
-                      </p:stCondLst>
-                      <p:childTnLst>
-                        <p:par>
-                          <p:cTn id="36" fill="hold">
-                            <p:stCondLst>
-                              <p:cond delay="0"/>
-                            </p:stCondLst>
-                            <p:childTnLst>
                               <p:par>
-                                <p:cTn id="37" presetID="1" presetClass="entr" presetSubtype="0" fill="hold" grpId="0" nodeType="clickEffect">
+                                <p:cTn id="35" presetID="1" presetClass="entr" presetSubtype="0" fill="hold" grpId="0" nodeType="withEffect">
+                                  <p:stCondLst>
+                                    <p:cond delay="0"/>
+                                  </p:stCondLst>
+                                  <p:childTnLst>
+                                    <p:set>
+                                      <p:cBhvr>
+                                        <p:cTn id="36" dur="1" fill="hold">
+                                          <p:stCondLst>
+                                            <p:cond delay="0"/>
+                                          </p:stCondLst>
+                                        </p:cTn>
+                                        <p:tgtEl>
+                                          <p:spTgt spid="29"/>
+                                        </p:tgtEl>
+                                        <p:attrNameLst>
+                                          <p:attrName>style.visibility</p:attrName>
+                                        </p:attrNameLst>
+                                      </p:cBhvr>
+                                      <p:to>
+                                        <p:strVal val="visible"/>
+                                      </p:to>
+                                    </p:set>
+                                  </p:childTnLst>
+                                </p:cTn>
+                              </p:par>
+                              <p:par>
+                                <p:cTn id="37" presetID="1" presetClass="entr" presetSubtype="0" fill="hold" grpId="0" nodeType="withEffect">
                                   <p:stCondLst>
                                     <p:cond delay="0"/>
                                   </p:stCondLst>
@@ -15948,7 +17719,7 @@
                                           </p:stCondLst>
                                         </p:cTn>
                                         <p:tgtEl>
-                                          <p:spTgt spid="14"/>
+                                          <p:spTgt spid="30"/>
                                         </p:tgtEl>
                                         <p:attrNameLst>
                                           <p:attrName>style.visibility</p:attrName>
@@ -15961,26 +17732,35 @@
                                   </p:childTnLst>
                                 </p:cTn>
                               </p:par>
-                            </p:childTnLst>
-                          </p:cTn>
-                        </p:par>
-                      </p:childTnLst>
-                    </p:cTn>
-                  </p:par>
-                  <p:par>
-                    <p:cTn id="39" fill="hold">
-                      <p:stCondLst>
-                        <p:cond delay="indefinite"/>
-                      </p:stCondLst>
-                      <p:childTnLst>
-                        <p:par>
-                          <p:cTn id="40" fill="hold">
-                            <p:stCondLst>
-                              <p:cond delay="0"/>
-                            </p:stCondLst>
-                            <p:childTnLst>
                               <p:par>
-                                <p:cTn id="41" presetID="1" presetClass="entr" presetSubtype="0" fill="hold" grpId="0" nodeType="clickEffect">
+                                <p:cTn id="39" presetID="1" presetClass="entr" presetSubtype="0" fill="hold" grpId="0" nodeType="withEffect">
+                                  <p:stCondLst>
+                                    <p:cond delay="0"/>
+                                  </p:stCondLst>
+                                  <p:childTnLst>
+                                    <p:set>
+                                      <p:cBhvr>
+                                        <p:cTn id="40" dur="1" fill="hold">
+                                          <p:stCondLst>
+                                            <p:cond delay="0"/>
+                                          </p:stCondLst>
+                                        </p:cTn>
+                                        <p:tgtEl>
+                                          <p:spTgt spid="31"/>
+                                        </p:tgtEl>
+                                        <p:attrNameLst>
+                                          <p:attrName>style.visibility</p:attrName>
+                                        </p:attrNameLst>
+                                      </p:cBhvr>
+                                      <p:to>
+                                        <p:strVal val="visible"/>
+                                      </p:to>
+                                    </p:set>
+                                  </p:childTnLst>
+                                </p:cTn>
+                              </p:par>
+                              <p:par>
+                                <p:cTn id="41" presetID="1" presetClass="entr" presetSubtype="0" fill="hold" grpId="0" nodeType="withEffect">
                                   <p:stCondLst>
                                     <p:cond delay="0"/>
                                   </p:stCondLst>
@@ -15993,7 +17773,7 @@
                                           </p:stCondLst>
                                         </p:cTn>
                                         <p:tgtEl>
-                                          <p:spTgt spid="15"/>
+                                          <p:spTgt spid="32"/>
                                         </p:tgtEl>
                                         <p:attrNameLst>
                                           <p:attrName>style.visibility</p:attrName>
@@ -16038,7 +17818,1531 @@
                                           </p:stCondLst>
                                         </p:cTn>
                                         <p:tgtEl>
-                                          <p:spTgt spid="16"/>
+                                          <p:spTgt spid="21"/>
+                                        </p:tgtEl>
+                                        <p:attrNameLst>
+                                          <p:attrName>style.visibility</p:attrName>
+                                        </p:attrNameLst>
+                                      </p:cBhvr>
+                                      <p:to>
+                                        <p:strVal val="visible"/>
+                                      </p:to>
+                                    </p:set>
+                                  </p:childTnLst>
+                                </p:cTn>
+                              </p:par>
+                            </p:childTnLst>
+                          </p:cTn>
+                        </p:par>
+                      </p:childTnLst>
+                    </p:cTn>
+                  </p:par>
+                </p:childTnLst>
+              </p:cTn>
+              <p:prevCondLst>
+                <p:cond evt="onPrev" delay="0">
+                  <p:tgtEl>
+                    <p:sldTgt/>
+                  </p:tgtEl>
+                </p:cond>
+              </p:prevCondLst>
+              <p:nextCondLst>
+                <p:cond evt="onNext" delay="0">
+                  <p:tgtEl>
+                    <p:sldTgt/>
+                  </p:tgtEl>
+                </p:cond>
+              </p:nextCondLst>
+            </p:seq>
+          </p:childTnLst>
+        </p:cTn>
+      </p:par>
+    </p:tnLst>
+    <p:bldLst>
+      <p:bldP spid="6" grpId="0" animBg="1"/>
+      <p:bldP spid="7" grpId="0" animBg="1"/>
+      <p:bldP spid="10" grpId="0" animBg="1"/>
+      <p:bldP spid="11" grpId="0" animBg="1"/>
+      <p:bldP spid="16" grpId="0" animBg="1"/>
+      <p:bldP spid="17" grpId="0"/>
+      <p:bldP spid="19" grpId="0"/>
+      <p:bldP spid="21" grpId="0"/>
+      <p:bldP spid="24" grpId="0"/>
+      <p:bldP spid="29" grpId="0" animBg="1"/>
+      <p:bldP spid="30" grpId="0"/>
+      <p:bldP spid="31" grpId="0"/>
+      <p:bldP spid="32" grpId="0"/>
+    </p:bldLst>
+  </p:timing>
+</p:sld>
+</file>
+
+<file path=ppt/slides/slide4.xml><?xml version="1.0" encoding="utf-8"?>
+<p:sld xmlns:a="http://schemas.openxmlformats.org/drawingml/2006/main" xmlns:r="http://schemas.openxmlformats.org/officeDocument/2006/relationships" xmlns:p="http://schemas.openxmlformats.org/presentationml/2006/main">
+  <p:cSld>
+    <p:spTree>
+      <p:nvGrpSpPr>
+        <p:cNvPr id="1" name=""/>
+        <p:cNvGrpSpPr/>
+        <p:nvPr/>
+      </p:nvGrpSpPr>
+      <p:grpSpPr>
+        <a:xfrm>
+          <a:off x="0" y="0"/>
+          <a:ext cx="0" cy="0"/>
+          <a:chOff x="0" y="0"/>
+          <a:chExt cx="0" cy="0"/>
+        </a:xfrm>
+      </p:grpSpPr>
+      <p:sp>
+        <p:nvSpPr>
+          <p:cNvPr id="2" name="Date Placeholder 1">
+            <a:extLst>
+              <a:ext uri="{FF2B5EF4-FFF2-40B4-BE49-F238E27FC236}">
+                <a16:creationId xmlns:a16="http://schemas.microsoft.com/office/drawing/2014/main" id="{ED258959-41A0-D548-999D-57A32BB5134C}"/>
+              </a:ext>
+            </a:extLst>
+          </p:cNvPr>
+          <p:cNvSpPr>
+            <a:spLocks noGrp="1"/>
+          </p:cNvSpPr>
+          <p:nvPr>
+            <p:ph type="dt" sz="half" idx="10"/>
+          </p:nvPr>
+        </p:nvSpPr>
+        <p:spPr/>
+        <p:txBody>
+          <a:bodyPr/>
+          <a:lstStyle/>
+          <a:p>
+            <a:fld id="{6700A58B-DD98-43D0-B791-721480A02982}" type="datetime1">
+              <a:rPr lang="en-US" smtClean="0"/>
+              <a:t>3/31/21</a:t>
+            </a:fld>
+            <a:endParaRPr lang="en-US"/>
+          </a:p>
+        </p:txBody>
+      </p:sp>
+      <p:sp>
+        <p:nvSpPr>
+          <p:cNvPr id="3" name="Title 2">
+            <a:extLst>
+              <a:ext uri="{FF2B5EF4-FFF2-40B4-BE49-F238E27FC236}">
+                <a16:creationId xmlns:a16="http://schemas.microsoft.com/office/drawing/2014/main" id="{2393163B-BE83-FA47-B1CA-9A25D80409A8}"/>
+              </a:ext>
+            </a:extLst>
+          </p:cNvPr>
+          <p:cNvSpPr>
+            <a:spLocks noGrp="1"/>
+          </p:cNvSpPr>
+          <p:nvPr>
+            <p:ph type="title"/>
+          </p:nvPr>
+        </p:nvSpPr>
+        <p:spPr/>
+        <p:txBody>
+          <a:bodyPr/>
+          <a:lstStyle/>
+          <a:p>
+            <a:r>
+              <a:rPr lang="en-US" dirty="0"/>
+              <a:t>Fake Word Embedding Examples</a:t>
+            </a:r>
+          </a:p>
+        </p:txBody>
+      </p:sp>
+      <p:sp>
+        <p:nvSpPr>
+          <p:cNvPr id="4" name="Slide Number Placeholder 3">
+            <a:extLst>
+              <a:ext uri="{FF2B5EF4-FFF2-40B4-BE49-F238E27FC236}">
+                <a16:creationId xmlns:a16="http://schemas.microsoft.com/office/drawing/2014/main" id="{E18538FC-9B06-4F4E-B347-2514C9F346FB}"/>
+              </a:ext>
+            </a:extLst>
+          </p:cNvPr>
+          <p:cNvSpPr>
+            <a:spLocks noGrp="1"/>
+          </p:cNvSpPr>
+          <p:nvPr>
+            <p:ph type="sldNum" sz="quarter" idx="12"/>
+          </p:nvPr>
+        </p:nvSpPr>
+        <p:spPr/>
+        <p:txBody>
+          <a:bodyPr/>
+          <a:lstStyle/>
+          <a:p>
+            <a:fld id="{37290FF7-652B-4475-AEAB-8B1A5D23AE09}" type="slidenum">
+              <a:rPr lang="en-US" smtClean="0"/>
+              <a:t>4</a:t>
+            </a:fld>
+            <a:endParaRPr lang="en-US"/>
+          </a:p>
+        </p:txBody>
+      </p:sp>
+      <p:sp>
+        <p:nvSpPr>
+          <p:cNvPr id="5" name="Footer Placeholder 4">
+            <a:extLst>
+              <a:ext uri="{FF2B5EF4-FFF2-40B4-BE49-F238E27FC236}">
+                <a16:creationId xmlns:a16="http://schemas.microsoft.com/office/drawing/2014/main" id="{E313A8E7-9E7C-EC4A-8C57-D356E17A41A8}"/>
+              </a:ext>
+            </a:extLst>
+          </p:cNvPr>
+          <p:cNvSpPr>
+            <a:spLocks noGrp="1"/>
+          </p:cNvSpPr>
+          <p:nvPr>
+            <p:ph type="ftr" sz="quarter" idx="3"/>
+          </p:nvPr>
+        </p:nvSpPr>
+        <p:spPr/>
+        <p:txBody>
+          <a:bodyPr/>
+          <a:lstStyle/>
+          <a:p>
+            <a:r>
+              <a:rPr lang="en-US"/>
+              <a:t>Kwartler</a:t>
+            </a:r>
+            <a:endParaRPr lang="en-US" dirty="0"/>
+          </a:p>
+        </p:txBody>
+      </p:sp>
+      <p:sp>
+        <p:nvSpPr>
+          <p:cNvPr id="6" name="Rectangle 5">
+            <a:extLst>
+              <a:ext uri="{FF2B5EF4-FFF2-40B4-BE49-F238E27FC236}">
+                <a16:creationId xmlns:a16="http://schemas.microsoft.com/office/drawing/2014/main" id="{B75DF585-2BCB-EC4B-8D03-AF6AC13DC737}"/>
+              </a:ext>
+            </a:extLst>
+          </p:cNvPr>
+          <p:cNvSpPr/>
+          <p:nvPr/>
+        </p:nvSpPr>
+        <p:spPr>
+          <a:xfrm>
+            <a:off x="187779" y="2188028"/>
+            <a:ext cx="2383971" cy="337457"/>
+          </a:xfrm>
+          <a:prstGeom prst="rect">
+            <a:avLst/>
+          </a:prstGeom>
+          <a:solidFill>
+            <a:schemeClr val="tx2"/>
+          </a:solidFill>
+          <a:ln>
+            <a:noFill/>
+          </a:ln>
+        </p:spPr>
+        <p:style>
+          <a:lnRef idx="2">
+            <a:schemeClr val="accent1">
+              <a:shade val="50000"/>
+            </a:schemeClr>
+          </a:lnRef>
+          <a:fillRef idx="1">
+            <a:schemeClr val="accent1"/>
+          </a:fillRef>
+          <a:effectRef idx="0">
+            <a:schemeClr val="accent1"/>
+          </a:effectRef>
+          <a:fontRef idx="minor">
+            <a:schemeClr val="lt1"/>
+          </a:fontRef>
+        </p:style>
+        <p:txBody>
+          <a:bodyPr rtlCol="0" anchor="ctr"/>
+          <a:lstStyle/>
+          <a:p>
+            <a:pPr algn="ctr"/>
+            <a:r>
+              <a:rPr lang="en-US" dirty="0"/>
+              <a:t>Washington DC</a:t>
+            </a:r>
+          </a:p>
+        </p:txBody>
+      </p:sp>
+      <p:sp>
+        <p:nvSpPr>
+          <p:cNvPr id="7" name="Rectangle 6">
+            <a:extLst>
+              <a:ext uri="{FF2B5EF4-FFF2-40B4-BE49-F238E27FC236}">
+                <a16:creationId xmlns:a16="http://schemas.microsoft.com/office/drawing/2014/main" id="{9DBB00FD-365A-5E45-9A2E-E0CDB956D87A}"/>
+              </a:ext>
+            </a:extLst>
+          </p:cNvPr>
+          <p:cNvSpPr/>
+          <p:nvPr/>
+        </p:nvSpPr>
+        <p:spPr>
+          <a:xfrm>
+            <a:off x="3509962" y="2188029"/>
+            <a:ext cx="1017815" cy="337457"/>
+          </a:xfrm>
+          <a:prstGeom prst="rect">
+            <a:avLst/>
+          </a:prstGeom>
+        </p:spPr>
+        <p:style>
+          <a:lnRef idx="2">
+            <a:schemeClr val="accent1">
+              <a:shade val="50000"/>
+            </a:schemeClr>
+          </a:lnRef>
+          <a:fillRef idx="1">
+            <a:schemeClr val="accent1"/>
+          </a:fillRef>
+          <a:effectRef idx="0">
+            <a:schemeClr val="accent1"/>
+          </a:effectRef>
+          <a:fontRef idx="minor">
+            <a:schemeClr val="lt1"/>
+          </a:fontRef>
+        </p:style>
+        <p:txBody>
+          <a:bodyPr rtlCol="0" anchor="ctr"/>
+          <a:lstStyle/>
+          <a:p>
+            <a:pPr algn="ctr"/>
+            <a:r>
+              <a:rPr lang="en-US" dirty="0"/>
+              <a:t>USA</a:t>
+            </a:r>
+          </a:p>
+        </p:txBody>
+      </p:sp>
+      <p:sp>
+        <p:nvSpPr>
+          <p:cNvPr id="8" name="Rectangle 7">
+            <a:extLst>
+              <a:ext uri="{FF2B5EF4-FFF2-40B4-BE49-F238E27FC236}">
+                <a16:creationId xmlns:a16="http://schemas.microsoft.com/office/drawing/2014/main" id="{198385B9-8A40-2B46-8ECA-D975A8019003}"/>
+              </a:ext>
+            </a:extLst>
+          </p:cNvPr>
+          <p:cNvSpPr/>
+          <p:nvPr/>
+        </p:nvSpPr>
+        <p:spPr>
+          <a:xfrm>
+            <a:off x="5465987" y="2188028"/>
+            <a:ext cx="991963" cy="337457"/>
+          </a:xfrm>
+          <a:prstGeom prst="rect">
+            <a:avLst/>
+          </a:prstGeom>
+        </p:spPr>
+        <p:style>
+          <a:lnRef idx="2">
+            <a:schemeClr val="accent1">
+              <a:shade val="50000"/>
+            </a:schemeClr>
+          </a:lnRef>
+          <a:fillRef idx="1">
+            <a:schemeClr val="accent1"/>
+          </a:fillRef>
+          <a:effectRef idx="0">
+            <a:schemeClr val="accent1"/>
+          </a:effectRef>
+          <a:fontRef idx="minor">
+            <a:schemeClr val="lt1"/>
+          </a:fontRef>
+        </p:style>
+        <p:txBody>
+          <a:bodyPr rtlCol="0" anchor="ctr"/>
+          <a:lstStyle/>
+          <a:p>
+            <a:pPr algn="ctr"/>
+            <a:r>
+              <a:rPr lang="en-US" dirty="0"/>
+              <a:t>UK</a:t>
+            </a:r>
+          </a:p>
+        </p:txBody>
+      </p:sp>
+      <p:sp>
+        <p:nvSpPr>
+          <p:cNvPr id="9" name="Minus 8">
+            <a:extLst>
+              <a:ext uri="{FF2B5EF4-FFF2-40B4-BE49-F238E27FC236}">
+                <a16:creationId xmlns:a16="http://schemas.microsoft.com/office/drawing/2014/main" id="{5196D5C3-BE31-CE48-8BF5-75584E9ACD4C}"/>
+              </a:ext>
+            </a:extLst>
+          </p:cNvPr>
+          <p:cNvSpPr/>
+          <p:nvPr/>
+        </p:nvSpPr>
+        <p:spPr>
+          <a:xfrm>
+            <a:off x="2583656" y="1899556"/>
+            <a:ext cx="914400" cy="914400"/>
+          </a:xfrm>
+          <a:prstGeom prst="mathMinus">
+            <a:avLst/>
+          </a:prstGeom>
+          <a:solidFill>
+            <a:srgbClr val="FFC000"/>
+          </a:solidFill>
+          <a:ln>
+            <a:noFill/>
+          </a:ln>
+        </p:spPr>
+        <p:style>
+          <a:lnRef idx="2">
+            <a:schemeClr val="accent1">
+              <a:shade val="50000"/>
+            </a:schemeClr>
+          </a:lnRef>
+          <a:fillRef idx="1">
+            <a:schemeClr val="accent1"/>
+          </a:fillRef>
+          <a:effectRef idx="0">
+            <a:schemeClr val="accent1"/>
+          </a:effectRef>
+          <a:fontRef idx="minor">
+            <a:schemeClr val="lt1"/>
+          </a:fontRef>
+        </p:style>
+        <p:txBody>
+          <a:bodyPr rtlCol="0" anchor="ctr"/>
+          <a:lstStyle/>
+          <a:p>
+            <a:pPr algn="ctr"/>
+            <a:endParaRPr lang="en-US" dirty="0"/>
+          </a:p>
+        </p:txBody>
+      </p:sp>
+      <p:sp>
+        <p:nvSpPr>
+          <p:cNvPr id="10" name="Plus 9">
+            <a:extLst>
+              <a:ext uri="{FF2B5EF4-FFF2-40B4-BE49-F238E27FC236}">
+                <a16:creationId xmlns:a16="http://schemas.microsoft.com/office/drawing/2014/main" id="{AE4BBD77-DC7A-FE4B-BB1E-7938B571E5F6}"/>
+              </a:ext>
+            </a:extLst>
+          </p:cNvPr>
+          <p:cNvSpPr/>
+          <p:nvPr/>
+        </p:nvSpPr>
+        <p:spPr>
+          <a:xfrm>
+            <a:off x="4539683" y="1899556"/>
+            <a:ext cx="914400" cy="914400"/>
+          </a:xfrm>
+          <a:prstGeom prst="mathPlus">
+            <a:avLst/>
+          </a:prstGeom>
+          <a:solidFill>
+            <a:srgbClr val="FFC000"/>
+          </a:solidFill>
+          <a:ln>
+            <a:noFill/>
+          </a:ln>
+        </p:spPr>
+        <p:style>
+          <a:lnRef idx="2">
+            <a:schemeClr val="accent1">
+              <a:shade val="50000"/>
+            </a:schemeClr>
+          </a:lnRef>
+          <a:fillRef idx="1">
+            <a:schemeClr val="accent1"/>
+          </a:fillRef>
+          <a:effectRef idx="0">
+            <a:schemeClr val="accent1"/>
+          </a:effectRef>
+          <a:fontRef idx="minor">
+            <a:schemeClr val="lt1"/>
+          </a:fontRef>
+        </p:style>
+        <p:txBody>
+          <a:bodyPr rtlCol="0" anchor="ctr"/>
+          <a:lstStyle/>
+          <a:p>
+            <a:pPr algn="ctr"/>
+            <a:endParaRPr lang="en-US"/>
+          </a:p>
+        </p:txBody>
+      </p:sp>
+      <p:sp>
+        <p:nvSpPr>
+          <p:cNvPr id="11" name="Equal 10">
+            <a:extLst>
+              <a:ext uri="{FF2B5EF4-FFF2-40B4-BE49-F238E27FC236}">
+                <a16:creationId xmlns:a16="http://schemas.microsoft.com/office/drawing/2014/main" id="{6677F562-C2D5-0048-86CD-5B69687E0ECB}"/>
+              </a:ext>
+            </a:extLst>
+          </p:cNvPr>
+          <p:cNvSpPr/>
+          <p:nvPr/>
+        </p:nvSpPr>
+        <p:spPr>
+          <a:xfrm>
+            <a:off x="6457950" y="1899556"/>
+            <a:ext cx="914400" cy="914400"/>
+          </a:xfrm>
+          <a:prstGeom prst="mathEqual">
+            <a:avLst/>
+          </a:prstGeom>
+          <a:solidFill>
+            <a:srgbClr val="FFC000"/>
+          </a:solidFill>
+          <a:ln>
+            <a:noFill/>
+          </a:ln>
+        </p:spPr>
+        <p:style>
+          <a:lnRef idx="2">
+            <a:schemeClr val="accent1">
+              <a:shade val="50000"/>
+            </a:schemeClr>
+          </a:lnRef>
+          <a:fillRef idx="1">
+            <a:schemeClr val="accent1"/>
+          </a:fillRef>
+          <a:effectRef idx="0">
+            <a:schemeClr val="accent1"/>
+          </a:effectRef>
+          <a:fontRef idx="minor">
+            <a:schemeClr val="lt1"/>
+          </a:fontRef>
+        </p:style>
+        <p:txBody>
+          <a:bodyPr rtlCol="0" anchor="ctr"/>
+          <a:lstStyle/>
+          <a:p>
+            <a:pPr algn="ctr"/>
+            <a:endParaRPr lang="en-US">
+              <a:solidFill>
+                <a:schemeClr val="tx1"/>
+              </a:solidFill>
+            </a:endParaRPr>
+          </a:p>
+        </p:txBody>
+      </p:sp>
+      <p:sp>
+        <p:nvSpPr>
+          <p:cNvPr id="12" name="Rectangle 11">
+            <a:extLst>
+              <a:ext uri="{FF2B5EF4-FFF2-40B4-BE49-F238E27FC236}">
+                <a16:creationId xmlns:a16="http://schemas.microsoft.com/office/drawing/2014/main" id="{CCBD1046-83CF-B945-8BF0-79CD4CA75EEC}"/>
+              </a:ext>
+            </a:extLst>
+          </p:cNvPr>
+          <p:cNvSpPr/>
+          <p:nvPr/>
+        </p:nvSpPr>
+        <p:spPr>
+          <a:xfrm>
+            <a:off x="7372350" y="2188028"/>
+            <a:ext cx="1583871" cy="337457"/>
+          </a:xfrm>
+          <a:prstGeom prst="rect">
+            <a:avLst/>
+          </a:prstGeom>
+          <a:solidFill>
+            <a:schemeClr val="tx2"/>
+          </a:solidFill>
+          <a:ln>
+            <a:noFill/>
+          </a:ln>
+        </p:spPr>
+        <p:style>
+          <a:lnRef idx="2">
+            <a:schemeClr val="accent1">
+              <a:shade val="50000"/>
+            </a:schemeClr>
+          </a:lnRef>
+          <a:fillRef idx="1">
+            <a:schemeClr val="accent1"/>
+          </a:fillRef>
+          <a:effectRef idx="0">
+            <a:schemeClr val="accent1"/>
+          </a:effectRef>
+          <a:fontRef idx="minor">
+            <a:schemeClr val="lt1"/>
+          </a:fontRef>
+        </p:style>
+        <p:txBody>
+          <a:bodyPr rtlCol="0" anchor="ctr"/>
+          <a:lstStyle/>
+          <a:p>
+            <a:pPr algn="ctr"/>
+            <a:r>
+              <a:rPr lang="en-US" sz="1200" dirty="0"/>
+              <a:t>What city is near 16 in the city dimension?</a:t>
+            </a:r>
+          </a:p>
+        </p:txBody>
+      </p:sp>
+      <p:sp>
+        <p:nvSpPr>
+          <p:cNvPr id="17" name="TextBox 16">
+            <a:extLst>
+              <a:ext uri="{FF2B5EF4-FFF2-40B4-BE49-F238E27FC236}">
+                <a16:creationId xmlns:a16="http://schemas.microsoft.com/office/drawing/2014/main" id="{8B6AB2E4-3262-B34B-9D04-51FD6EF6E47C}"/>
+              </a:ext>
+            </a:extLst>
+          </p:cNvPr>
+          <p:cNvSpPr txBox="1"/>
+          <p:nvPr/>
+        </p:nvSpPr>
+        <p:spPr>
+          <a:xfrm>
+            <a:off x="1121721" y="1761056"/>
+            <a:ext cx="420308" cy="276999"/>
+          </a:xfrm>
+          <a:prstGeom prst="rect">
+            <a:avLst/>
+          </a:prstGeom>
+          <a:noFill/>
+        </p:spPr>
+        <p:txBody>
+          <a:bodyPr wrap="none" rtlCol="0">
+            <a:spAutoFit/>
+          </a:bodyPr>
+          <a:lstStyle/>
+          <a:p>
+            <a:r>
+              <a:rPr lang="en-US" sz="1200" dirty="0"/>
+              <a:t>123</a:t>
+            </a:r>
+          </a:p>
+        </p:txBody>
+      </p:sp>
+      <p:sp>
+        <p:nvSpPr>
+          <p:cNvPr id="18" name="TextBox 17">
+            <a:extLst>
+              <a:ext uri="{FF2B5EF4-FFF2-40B4-BE49-F238E27FC236}">
+                <a16:creationId xmlns:a16="http://schemas.microsoft.com/office/drawing/2014/main" id="{FB4DFB1F-70B5-CE4C-B523-60A83DD85421}"/>
+              </a:ext>
+            </a:extLst>
+          </p:cNvPr>
+          <p:cNvSpPr txBox="1"/>
+          <p:nvPr/>
+        </p:nvSpPr>
+        <p:spPr>
+          <a:xfrm>
+            <a:off x="7839273" y="1732562"/>
+            <a:ext cx="535724" cy="369332"/>
+          </a:xfrm>
+          <a:prstGeom prst="rect">
+            <a:avLst/>
+          </a:prstGeom>
+          <a:noFill/>
+        </p:spPr>
+        <p:txBody>
+          <a:bodyPr wrap="none" rtlCol="0">
+            <a:spAutoFit/>
+          </a:bodyPr>
+          <a:lstStyle/>
+          <a:p>
+            <a:r>
+              <a:rPr lang="en-US" dirty="0"/>
+              <a:t>116</a:t>
+            </a:r>
+          </a:p>
+        </p:txBody>
+      </p:sp>
+      <p:sp>
+        <p:nvSpPr>
+          <p:cNvPr id="19" name="TextBox 18">
+            <a:extLst>
+              <a:ext uri="{FF2B5EF4-FFF2-40B4-BE49-F238E27FC236}">
+                <a16:creationId xmlns:a16="http://schemas.microsoft.com/office/drawing/2014/main" id="{DA335B51-709F-0B4C-B844-14B89D170121}"/>
+              </a:ext>
+            </a:extLst>
+          </p:cNvPr>
+          <p:cNvSpPr txBox="1"/>
+          <p:nvPr/>
+        </p:nvSpPr>
+        <p:spPr>
+          <a:xfrm>
+            <a:off x="3718966" y="1714890"/>
+            <a:ext cx="535724" cy="369332"/>
+          </a:xfrm>
+          <a:prstGeom prst="rect">
+            <a:avLst/>
+          </a:prstGeom>
+          <a:noFill/>
+        </p:spPr>
+        <p:txBody>
+          <a:bodyPr wrap="none" rtlCol="0">
+            <a:spAutoFit/>
+          </a:bodyPr>
+          <a:lstStyle/>
+          <a:p>
+            <a:r>
+              <a:rPr lang="en-US" dirty="0"/>
+              <a:t>789</a:t>
+            </a:r>
+          </a:p>
+        </p:txBody>
+      </p:sp>
+      <p:sp>
+        <p:nvSpPr>
+          <p:cNvPr id="20" name="TextBox 19">
+            <a:extLst>
+              <a:ext uri="{FF2B5EF4-FFF2-40B4-BE49-F238E27FC236}">
+                <a16:creationId xmlns:a16="http://schemas.microsoft.com/office/drawing/2014/main" id="{30284AC5-65E1-A548-950E-105C9D52E325}"/>
+              </a:ext>
+            </a:extLst>
+          </p:cNvPr>
+          <p:cNvSpPr txBox="1"/>
+          <p:nvPr/>
+        </p:nvSpPr>
+        <p:spPr>
+          <a:xfrm>
+            <a:off x="5694105" y="1732562"/>
+            <a:ext cx="535724" cy="369332"/>
+          </a:xfrm>
+          <a:prstGeom prst="rect">
+            <a:avLst/>
+          </a:prstGeom>
+          <a:noFill/>
+        </p:spPr>
+        <p:txBody>
+          <a:bodyPr wrap="none" rtlCol="0">
+            <a:spAutoFit/>
+          </a:bodyPr>
+          <a:lstStyle/>
+          <a:p>
+            <a:r>
+              <a:rPr lang="en-US" dirty="0"/>
+              <a:t>782</a:t>
+            </a:r>
+          </a:p>
+        </p:txBody>
+      </p:sp>
+      <p:sp>
+        <p:nvSpPr>
+          <p:cNvPr id="22" name="TextBox 21">
+            <a:extLst>
+              <a:ext uri="{FF2B5EF4-FFF2-40B4-BE49-F238E27FC236}">
+                <a16:creationId xmlns:a16="http://schemas.microsoft.com/office/drawing/2014/main" id="{99069AA3-8F9E-B34A-9489-C6D94B65D994}"/>
+              </a:ext>
+            </a:extLst>
+          </p:cNvPr>
+          <p:cNvSpPr txBox="1"/>
+          <p:nvPr/>
+        </p:nvSpPr>
+        <p:spPr>
+          <a:xfrm>
+            <a:off x="738707" y="5981909"/>
+            <a:ext cx="7957884" cy="369332"/>
+          </a:xfrm>
+          <a:prstGeom prst="rect">
+            <a:avLst/>
+          </a:prstGeom>
+          <a:noFill/>
+        </p:spPr>
+        <p:txBody>
+          <a:bodyPr wrap="none" rtlCol="0">
+            <a:spAutoFit/>
+          </a:bodyPr>
+          <a:lstStyle/>
+          <a:p>
+            <a:r>
+              <a:rPr lang="en-US" dirty="0"/>
+              <a:t>123 Washington DC – 789 “USA-ness”  + 782 “UK-ness” = 116 represents a new city</a:t>
+            </a:r>
+          </a:p>
+        </p:txBody>
+      </p:sp>
+      <p:cxnSp>
+        <p:nvCxnSpPr>
+          <p:cNvPr id="24" name="Straight Connector 23">
+            <a:extLst>
+              <a:ext uri="{FF2B5EF4-FFF2-40B4-BE49-F238E27FC236}">
+                <a16:creationId xmlns:a16="http://schemas.microsoft.com/office/drawing/2014/main" id="{0DB3DBAA-7C5B-A24B-8D62-E1C88C93F792}"/>
+              </a:ext>
+            </a:extLst>
+          </p:cNvPr>
+          <p:cNvCxnSpPr/>
+          <p:nvPr/>
+        </p:nvCxnSpPr>
+        <p:spPr>
+          <a:xfrm>
+            <a:off x="3028950" y="3344091"/>
+            <a:ext cx="0" cy="1741715"/>
+          </a:xfrm>
+          <a:prstGeom prst="line">
+            <a:avLst/>
+          </a:prstGeom>
+        </p:spPr>
+        <p:style>
+          <a:lnRef idx="1">
+            <a:schemeClr val="accent1"/>
+          </a:lnRef>
+          <a:fillRef idx="0">
+            <a:schemeClr val="accent1"/>
+          </a:fillRef>
+          <a:effectRef idx="0">
+            <a:schemeClr val="accent1"/>
+          </a:effectRef>
+          <a:fontRef idx="minor">
+            <a:schemeClr val="tx1"/>
+          </a:fontRef>
+        </p:style>
+      </p:cxnSp>
+      <p:cxnSp>
+        <p:nvCxnSpPr>
+          <p:cNvPr id="25" name="Straight Connector 24">
+            <a:extLst>
+              <a:ext uri="{FF2B5EF4-FFF2-40B4-BE49-F238E27FC236}">
+                <a16:creationId xmlns:a16="http://schemas.microsoft.com/office/drawing/2014/main" id="{229DF20C-A974-8742-BF70-27EB57011587}"/>
+              </a:ext>
+            </a:extLst>
+          </p:cNvPr>
+          <p:cNvCxnSpPr/>
+          <p:nvPr/>
+        </p:nvCxnSpPr>
+        <p:spPr>
+          <a:xfrm>
+            <a:off x="2412274" y="5077097"/>
+            <a:ext cx="4293326" cy="0"/>
+          </a:xfrm>
+          <a:prstGeom prst="line">
+            <a:avLst/>
+          </a:prstGeom>
+        </p:spPr>
+        <p:style>
+          <a:lnRef idx="1">
+            <a:schemeClr val="accent1"/>
+          </a:lnRef>
+          <a:fillRef idx="0">
+            <a:schemeClr val="accent1"/>
+          </a:fillRef>
+          <a:effectRef idx="0">
+            <a:schemeClr val="accent1"/>
+          </a:effectRef>
+          <a:fontRef idx="minor">
+            <a:schemeClr val="tx1"/>
+          </a:fontRef>
+        </p:style>
+      </p:cxnSp>
+      <p:sp>
+        <p:nvSpPr>
+          <p:cNvPr id="26" name="Oval 25">
+            <a:extLst>
+              <a:ext uri="{FF2B5EF4-FFF2-40B4-BE49-F238E27FC236}">
+                <a16:creationId xmlns:a16="http://schemas.microsoft.com/office/drawing/2014/main" id="{9424285C-39A5-B74E-959F-DE3A60E756C5}"/>
+              </a:ext>
+            </a:extLst>
+          </p:cNvPr>
+          <p:cNvSpPr/>
+          <p:nvPr/>
+        </p:nvSpPr>
+        <p:spPr>
+          <a:xfrm>
+            <a:off x="5113289" y="3506874"/>
+            <a:ext cx="257449" cy="257449"/>
+          </a:xfrm>
+          <a:prstGeom prst="ellipse">
+            <a:avLst/>
+          </a:prstGeom>
+        </p:spPr>
+        <p:style>
+          <a:lnRef idx="2">
+            <a:schemeClr val="accent1">
+              <a:shade val="50000"/>
+            </a:schemeClr>
+          </a:lnRef>
+          <a:fillRef idx="1">
+            <a:schemeClr val="accent1"/>
+          </a:fillRef>
+          <a:effectRef idx="0">
+            <a:schemeClr val="accent1"/>
+          </a:effectRef>
+          <a:fontRef idx="minor">
+            <a:schemeClr val="lt1"/>
+          </a:fontRef>
+        </p:style>
+        <p:txBody>
+          <a:bodyPr rtlCol="0" anchor="ctr"/>
+          <a:lstStyle/>
+          <a:p>
+            <a:pPr algn="ctr"/>
+            <a:endParaRPr lang="en-US"/>
+          </a:p>
+        </p:txBody>
+      </p:sp>
+      <p:sp>
+        <p:nvSpPr>
+          <p:cNvPr id="28" name="TextBox 27">
+            <a:extLst>
+              <a:ext uri="{FF2B5EF4-FFF2-40B4-BE49-F238E27FC236}">
+                <a16:creationId xmlns:a16="http://schemas.microsoft.com/office/drawing/2014/main" id="{F45BE40A-1B19-E04D-8D65-35128DCEB7BE}"/>
+              </a:ext>
+            </a:extLst>
+          </p:cNvPr>
+          <p:cNvSpPr txBox="1"/>
+          <p:nvPr/>
+        </p:nvSpPr>
+        <p:spPr>
+          <a:xfrm rot="16200000">
+            <a:off x="2562156" y="3795389"/>
+            <a:ext cx="671979" cy="261610"/>
+          </a:xfrm>
+          <a:prstGeom prst="rect">
+            <a:avLst/>
+          </a:prstGeom>
+          <a:noFill/>
+        </p:spPr>
+        <p:txBody>
+          <a:bodyPr wrap="none" rtlCol="0">
+            <a:spAutoFit/>
+          </a:bodyPr>
+          <a:lstStyle/>
+          <a:p>
+            <a:r>
+              <a:rPr lang="en-US" sz="1100" dirty="0"/>
+              <a:t>782 - UK</a:t>
+            </a:r>
+          </a:p>
+        </p:txBody>
+      </p:sp>
+      <p:sp>
+        <p:nvSpPr>
+          <p:cNvPr id="30" name="Oval 29">
+            <a:extLst>
+              <a:ext uri="{FF2B5EF4-FFF2-40B4-BE49-F238E27FC236}">
+                <a16:creationId xmlns:a16="http://schemas.microsoft.com/office/drawing/2014/main" id="{2485B3BC-B027-6C4E-A1D6-4F20AAB40EA8}"/>
+              </a:ext>
+            </a:extLst>
+          </p:cNvPr>
+          <p:cNvSpPr/>
+          <p:nvPr/>
+        </p:nvSpPr>
+        <p:spPr>
+          <a:xfrm>
+            <a:off x="4437558" y="3786733"/>
+            <a:ext cx="257449" cy="257449"/>
+          </a:xfrm>
+          <a:prstGeom prst="ellipse">
+            <a:avLst/>
+          </a:prstGeom>
+          <a:solidFill>
+            <a:srgbClr val="00B050"/>
+          </a:solidFill>
+          <a:ln>
+            <a:solidFill>
+              <a:srgbClr val="92D050"/>
+            </a:solidFill>
+          </a:ln>
+        </p:spPr>
+        <p:style>
+          <a:lnRef idx="2">
+            <a:schemeClr val="accent1">
+              <a:shade val="50000"/>
+            </a:schemeClr>
+          </a:lnRef>
+          <a:fillRef idx="1">
+            <a:schemeClr val="accent1"/>
+          </a:fillRef>
+          <a:effectRef idx="0">
+            <a:schemeClr val="accent1"/>
+          </a:effectRef>
+          <a:fontRef idx="minor">
+            <a:schemeClr val="lt1"/>
+          </a:fontRef>
+        </p:style>
+        <p:txBody>
+          <a:bodyPr rtlCol="0" anchor="ctr"/>
+          <a:lstStyle/>
+          <a:p>
+            <a:pPr algn="ctr"/>
+            <a:endParaRPr lang="en-US"/>
+          </a:p>
+        </p:txBody>
+      </p:sp>
+      <p:sp>
+        <p:nvSpPr>
+          <p:cNvPr id="31" name="TextBox 30">
+            <a:extLst>
+              <a:ext uri="{FF2B5EF4-FFF2-40B4-BE49-F238E27FC236}">
+                <a16:creationId xmlns:a16="http://schemas.microsoft.com/office/drawing/2014/main" id="{747B8417-900E-A04B-AE19-14A620B8C576}"/>
+              </a:ext>
+            </a:extLst>
+          </p:cNvPr>
+          <p:cNvSpPr txBox="1"/>
+          <p:nvPr/>
+        </p:nvSpPr>
+        <p:spPr>
+          <a:xfrm>
+            <a:off x="4083758" y="5085806"/>
+            <a:ext cx="936475" cy="261610"/>
+          </a:xfrm>
+          <a:prstGeom prst="rect">
+            <a:avLst/>
+          </a:prstGeom>
+          <a:noFill/>
+        </p:spPr>
+        <p:txBody>
+          <a:bodyPr wrap="none" rtlCol="0">
+            <a:spAutoFit/>
+          </a:bodyPr>
+          <a:lstStyle/>
+          <a:p>
+            <a:r>
+              <a:rPr lang="en-US" sz="1100" dirty="0"/>
+              <a:t>116 - London</a:t>
+            </a:r>
+          </a:p>
+        </p:txBody>
+      </p:sp>
+    </p:spTree>
+    <p:extLst>
+      <p:ext uri="{BB962C8B-B14F-4D97-AF65-F5344CB8AC3E}">
+        <p14:creationId xmlns:p14="http://schemas.microsoft.com/office/powerpoint/2010/main" val="3985014455"/>
+      </p:ext>
+    </p:extLst>
+  </p:cSld>
+  <p:clrMapOvr>
+    <a:masterClrMapping/>
+  </p:clrMapOvr>
+  <p:timing>
+    <p:tnLst>
+      <p:par>
+        <p:cTn id="1" dur="indefinite" restart="never" nodeType="tmRoot">
+          <p:childTnLst>
+            <p:seq concurrent="1" nextAc="seek">
+              <p:cTn id="2" dur="indefinite" nodeType="mainSeq">
+                <p:childTnLst>
+                  <p:par>
+                    <p:cTn id="3" fill="hold">
+                      <p:stCondLst>
+                        <p:cond delay="indefinite"/>
+                      </p:stCondLst>
+                      <p:childTnLst>
+                        <p:par>
+                          <p:cTn id="4" fill="hold">
+                            <p:stCondLst>
+                              <p:cond delay="0"/>
+                            </p:stCondLst>
+                            <p:childTnLst>
+                              <p:par>
+                                <p:cTn id="5" presetID="1" presetClass="entr" presetSubtype="0" fill="hold" grpId="0" nodeType="clickEffect">
+                                  <p:stCondLst>
+                                    <p:cond delay="0"/>
+                                  </p:stCondLst>
+                                  <p:childTnLst>
+                                    <p:set>
+                                      <p:cBhvr>
+                                        <p:cTn id="6" dur="1" fill="hold">
+                                          <p:stCondLst>
+                                            <p:cond delay="0"/>
+                                          </p:stCondLst>
+                                        </p:cTn>
+                                        <p:tgtEl>
+                                          <p:spTgt spid="17"/>
+                                        </p:tgtEl>
+                                        <p:attrNameLst>
+                                          <p:attrName>style.visibility</p:attrName>
+                                        </p:attrNameLst>
+                                      </p:cBhvr>
+                                      <p:to>
+                                        <p:strVal val="visible"/>
+                                      </p:to>
+                                    </p:set>
+                                  </p:childTnLst>
+                                </p:cTn>
+                              </p:par>
+                              <p:par>
+                                <p:cTn id="7" presetID="1" presetClass="entr" presetSubtype="0" fill="hold" grpId="0" nodeType="withEffect">
+                                  <p:stCondLst>
+                                    <p:cond delay="0"/>
+                                  </p:stCondLst>
+                                  <p:childTnLst>
+                                    <p:set>
+                                      <p:cBhvr>
+                                        <p:cTn id="8" dur="1" fill="hold">
+                                          <p:stCondLst>
+                                            <p:cond delay="0"/>
+                                          </p:stCondLst>
+                                        </p:cTn>
+                                        <p:tgtEl>
+                                          <p:spTgt spid="6"/>
+                                        </p:tgtEl>
+                                        <p:attrNameLst>
+                                          <p:attrName>style.visibility</p:attrName>
+                                        </p:attrNameLst>
+                                      </p:cBhvr>
+                                      <p:to>
+                                        <p:strVal val="visible"/>
+                                      </p:to>
+                                    </p:set>
+                                  </p:childTnLst>
+                                </p:cTn>
+                              </p:par>
+                            </p:childTnLst>
+                          </p:cTn>
+                        </p:par>
+                      </p:childTnLst>
+                    </p:cTn>
+                  </p:par>
+                  <p:par>
+                    <p:cTn id="9" fill="hold">
+                      <p:stCondLst>
+                        <p:cond delay="indefinite"/>
+                      </p:stCondLst>
+                      <p:childTnLst>
+                        <p:par>
+                          <p:cTn id="10" fill="hold">
+                            <p:stCondLst>
+                              <p:cond delay="0"/>
+                            </p:stCondLst>
+                            <p:childTnLst>
+                              <p:par>
+                                <p:cTn id="11" presetID="1" presetClass="entr" presetSubtype="0" fill="hold" grpId="0" nodeType="clickEffect">
+                                  <p:stCondLst>
+                                    <p:cond delay="0"/>
+                                  </p:stCondLst>
+                                  <p:childTnLst>
+                                    <p:set>
+                                      <p:cBhvr>
+                                        <p:cTn id="12" dur="1" fill="hold">
+                                          <p:stCondLst>
+                                            <p:cond delay="0"/>
+                                          </p:stCondLst>
+                                        </p:cTn>
+                                        <p:tgtEl>
+                                          <p:spTgt spid="9"/>
+                                        </p:tgtEl>
+                                        <p:attrNameLst>
+                                          <p:attrName>style.visibility</p:attrName>
+                                        </p:attrNameLst>
+                                      </p:cBhvr>
+                                      <p:to>
+                                        <p:strVal val="visible"/>
+                                      </p:to>
+                                    </p:set>
+                                  </p:childTnLst>
+                                </p:cTn>
+                              </p:par>
+                              <p:par>
+                                <p:cTn id="13" presetID="1" presetClass="entr" presetSubtype="0" fill="hold" grpId="0" nodeType="withEffect">
+                                  <p:stCondLst>
+                                    <p:cond delay="0"/>
+                                  </p:stCondLst>
+                                  <p:childTnLst>
+                                    <p:set>
+                                      <p:cBhvr>
+                                        <p:cTn id="14" dur="1" fill="hold">
+                                          <p:stCondLst>
+                                            <p:cond delay="0"/>
+                                          </p:stCondLst>
+                                        </p:cTn>
+                                        <p:tgtEl>
+                                          <p:spTgt spid="19"/>
+                                        </p:tgtEl>
+                                        <p:attrNameLst>
+                                          <p:attrName>style.visibility</p:attrName>
+                                        </p:attrNameLst>
+                                      </p:cBhvr>
+                                      <p:to>
+                                        <p:strVal val="visible"/>
+                                      </p:to>
+                                    </p:set>
+                                  </p:childTnLst>
+                                </p:cTn>
+                              </p:par>
+                              <p:par>
+                                <p:cTn id="15" presetID="1" presetClass="entr" presetSubtype="0" fill="hold" grpId="0" nodeType="withEffect">
+                                  <p:stCondLst>
+                                    <p:cond delay="0"/>
+                                  </p:stCondLst>
+                                  <p:childTnLst>
+                                    <p:set>
+                                      <p:cBhvr>
+                                        <p:cTn id="16" dur="1" fill="hold">
+                                          <p:stCondLst>
+                                            <p:cond delay="0"/>
+                                          </p:stCondLst>
+                                        </p:cTn>
+                                        <p:tgtEl>
+                                          <p:spTgt spid="7"/>
+                                        </p:tgtEl>
+                                        <p:attrNameLst>
+                                          <p:attrName>style.visibility</p:attrName>
+                                        </p:attrNameLst>
+                                      </p:cBhvr>
+                                      <p:to>
+                                        <p:strVal val="visible"/>
+                                      </p:to>
+                                    </p:set>
+                                  </p:childTnLst>
+                                </p:cTn>
+                              </p:par>
+                            </p:childTnLst>
+                          </p:cTn>
+                        </p:par>
+                      </p:childTnLst>
+                    </p:cTn>
+                  </p:par>
+                  <p:par>
+                    <p:cTn id="17" fill="hold">
+                      <p:stCondLst>
+                        <p:cond delay="indefinite"/>
+                      </p:stCondLst>
+                      <p:childTnLst>
+                        <p:par>
+                          <p:cTn id="18" fill="hold">
+                            <p:stCondLst>
+                              <p:cond delay="0"/>
+                            </p:stCondLst>
+                            <p:childTnLst>
+                              <p:par>
+                                <p:cTn id="19" presetID="1" presetClass="entr" presetSubtype="0" fill="hold" grpId="0" nodeType="clickEffect">
+                                  <p:stCondLst>
+                                    <p:cond delay="0"/>
+                                  </p:stCondLst>
+                                  <p:childTnLst>
+                                    <p:set>
+                                      <p:cBhvr>
+                                        <p:cTn id="20" dur="1" fill="hold">
+                                          <p:stCondLst>
+                                            <p:cond delay="0"/>
+                                          </p:stCondLst>
+                                        </p:cTn>
+                                        <p:tgtEl>
+                                          <p:spTgt spid="10"/>
+                                        </p:tgtEl>
+                                        <p:attrNameLst>
+                                          <p:attrName>style.visibility</p:attrName>
+                                        </p:attrNameLst>
+                                      </p:cBhvr>
+                                      <p:to>
+                                        <p:strVal val="visible"/>
+                                      </p:to>
+                                    </p:set>
+                                  </p:childTnLst>
+                                </p:cTn>
+                              </p:par>
+                              <p:par>
+                                <p:cTn id="21" presetID="1" presetClass="entr" presetSubtype="0" fill="hold" grpId="0" nodeType="withEffect">
+                                  <p:stCondLst>
+                                    <p:cond delay="0"/>
+                                  </p:stCondLst>
+                                  <p:childTnLst>
+                                    <p:set>
+                                      <p:cBhvr>
+                                        <p:cTn id="22" dur="1" fill="hold">
+                                          <p:stCondLst>
+                                            <p:cond delay="0"/>
+                                          </p:stCondLst>
+                                        </p:cTn>
+                                        <p:tgtEl>
+                                          <p:spTgt spid="20"/>
+                                        </p:tgtEl>
+                                        <p:attrNameLst>
+                                          <p:attrName>style.visibility</p:attrName>
+                                        </p:attrNameLst>
+                                      </p:cBhvr>
+                                      <p:to>
+                                        <p:strVal val="visible"/>
+                                      </p:to>
+                                    </p:set>
+                                  </p:childTnLst>
+                                </p:cTn>
+                              </p:par>
+                              <p:par>
+                                <p:cTn id="23" presetID="1" presetClass="entr" presetSubtype="0" fill="hold" grpId="0" nodeType="withEffect">
+                                  <p:stCondLst>
+                                    <p:cond delay="0"/>
+                                  </p:stCondLst>
+                                  <p:childTnLst>
+                                    <p:set>
+                                      <p:cBhvr>
+                                        <p:cTn id="24" dur="1" fill="hold">
+                                          <p:stCondLst>
+                                            <p:cond delay="0"/>
+                                          </p:stCondLst>
+                                        </p:cTn>
+                                        <p:tgtEl>
+                                          <p:spTgt spid="8"/>
+                                        </p:tgtEl>
+                                        <p:attrNameLst>
+                                          <p:attrName>style.visibility</p:attrName>
+                                        </p:attrNameLst>
+                                      </p:cBhvr>
+                                      <p:to>
+                                        <p:strVal val="visible"/>
+                                      </p:to>
+                                    </p:set>
+                                  </p:childTnLst>
+                                </p:cTn>
+                              </p:par>
+                            </p:childTnLst>
+                          </p:cTn>
+                        </p:par>
+                      </p:childTnLst>
+                    </p:cTn>
+                  </p:par>
+                  <p:par>
+                    <p:cTn id="25" fill="hold">
+                      <p:stCondLst>
+                        <p:cond delay="indefinite"/>
+                      </p:stCondLst>
+                      <p:childTnLst>
+                        <p:par>
+                          <p:cTn id="26" fill="hold">
+                            <p:stCondLst>
+                              <p:cond delay="0"/>
+                            </p:stCondLst>
+                            <p:childTnLst>
+                              <p:par>
+                                <p:cTn id="27" presetID="1" presetClass="entr" presetSubtype="0" fill="hold" grpId="0" nodeType="clickEffect">
+                                  <p:stCondLst>
+                                    <p:cond delay="0"/>
+                                  </p:stCondLst>
+                                  <p:childTnLst>
+                                    <p:set>
+                                      <p:cBhvr>
+                                        <p:cTn id="28" dur="1" fill="hold">
+                                          <p:stCondLst>
+                                            <p:cond delay="0"/>
+                                          </p:stCondLst>
+                                        </p:cTn>
+                                        <p:tgtEl>
+                                          <p:spTgt spid="11"/>
+                                        </p:tgtEl>
+                                        <p:attrNameLst>
+                                          <p:attrName>style.visibility</p:attrName>
+                                        </p:attrNameLst>
+                                      </p:cBhvr>
+                                      <p:to>
+                                        <p:strVal val="visible"/>
+                                      </p:to>
+                                    </p:set>
+                                  </p:childTnLst>
+                                </p:cTn>
+                              </p:par>
+                              <p:par>
+                                <p:cTn id="29" presetID="1" presetClass="entr" presetSubtype="0" fill="hold" grpId="0" nodeType="withEffect">
+                                  <p:stCondLst>
+                                    <p:cond delay="0"/>
+                                  </p:stCondLst>
+                                  <p:childTnLst>
+                                    <p:set>
+                                      <p:cBhvr>
+                                        <p:cTn id="30" dur="1" fill="hold">
+                                          <p:stCondLst>
+                                            <p:cond delay="0"/>
+                                          </p:stCondLst>
+                                        </p:cTn>
+                                        <p:tgtEl>
+                                          <p:spTgt spid="12"/>
+                                        </p:tgtEl>
+                                        <p:attrNameLst>
+                                          <p:attrName>style.visibility</p:attrName>
+                                        </p:attrNameLst>
+                                      </p:cBhvr>
+                                      <p:to>
+                                        <p:strVal val="visible"/>
+                                      </p:to>
+                                    </p:set>
+                                  </p:childTnLst>
+                                </p:cTn>
+                              </p:par>
+                              <p:par>
+                                <p:cTn id="31" presetID="1" presetClass="entr" presetSubtype="0" fill="hold" grpId="0" nodeType="withEffect">
+                                  <p:stCondLst>
+                                    <p:cond delay="0"/>
+                                  </p:stCondLst>
+                                  <p:childTnLst>
+                                    <p:set>
+                                      <p:cBhvr>
+                                        <p:cTn id="32" dur="1" fill="hold">
+                                          <p:stCondLst>
+                                            <p:cond delay="0"/>
+                                          </p:stCondLst>
+                                        </p:cTn>
+                                        <p:tgtEl>
+                                          <p:spTgt spid="18"/>
+                                        </p:tgtEl>
+                                        <p:attrNameLst>
+                                          <p:attrName>style.visibility</p:attrName>
+                                        </p:attrNameLst>
+                                      </p:cBhvr>
+                                      <p:to>
+                                        <p:strVal val="visible"/>
+                                      </p:to>
+                                    </p:set>
+                                  </p:childTnLst>
+                                </p:cTn>
+                              </p:par>
+                            </p:childTnLst>
+                          </p:cTn>
+                        </p:par>
+                      </p:childTnLst>
+                    </p:cTn>
+                  </p:par>
+                  <p:par>
+                    <p:cTn id="33" fill="hold">
+                      <p:stCondLst>
+                        <p:cond delay="indefinite"/>
+                      </p:stCondLst>
+                      <p:childTnLst>
+                        <p:par>
+                          <p:cTn id="34" fill="hold">
+                            <p:stCondLst>
+                              <p:cond delay="0"/>
+                            </p:stCondLst>
+                            <p:childTnLst>
+                              <p:par>
+                                <p:cTn id="35" presetID="1" presetClass="entr" presetSubtype="0" fill="hold" grpId="0" nodeType="clickEffect">
+                                  <p:stCondLst>
+                                    <p:cond delay="0"/>
+                                  </p:stCondLst>
+                                  <p:childTnLst>
+                                    <p:set>
+                                      <p:cBhvr>
+                                        <p:cTn id="36" dur="1" fill="hold">
+                                          <p:stCondLst>
+                                            <p:cond delay="0"/>
+                                          </p:stCondLst>
+                                        </p:cTn>
+                                        <p:tgtEl>
+                                          <p:spTgt spid="28"/>
+                                        </p:tgtEl>
+                                        <p:attrNameLst>
+                                          <p:attrName>style.visibility</p:attrName>
+                                        </p:attrNameLst>
+                                      </p:cBhvr>
+                                      <p:to>
+                                        <p:strVal val="visible"/>
+                                      </p:to>
+                                    </p:set>
+                                  </p:childTnLst>
+                                </p:cTn>
+                              </p:par>
+                              <p:par>
+                                <p:cTn id="37" presetID="1" presetClass="entr" presetSubtype="0" fill="hold" grpId="0" nodeType="withEffect">
+                                  <p:stCondLst>
+                                    <p:cond delay="0"/>
+                                  </p:stCondLst>
+                                  <p:childTnLst>
+                                    <p:set>
+                                      <p:cBhvr>
+                                        <p:cTn id="38" dur="1" fill="hold">
+                                          <p:stCondLst>
+                                            <p:cond delay="0"/>
+                                          </p:stCondLst>
+                                        </p:cTn>
+                                        <p:tgtEl>
+                                          <p:spTgt spid="31"/>
+                                        </p:tgtEl>
+                                        <p:attrNameLst>
+                                          <p:attrName>style.visibility</p:attrName>
+                                        </p:attrNameLst>
+                                      </p:cBhvr>
+                                      <p:to>
+                                        <p:strVal val="visible"/>
+                                      </p:to>
+                                    </p:set>
+                                  </p:childTnLst>
+                                </p:cTn>
+                              </p:par>
+                              <p:par>
+                                <p:cTn id="39" presetID="1" presetClass="entr" presetSubtype="0" fill="hold" nodeType="withEffect">
+                                  <p:stCondLst>
+                                    <p:cond delay="0"/>
+                                  </p:stCondLst>
+                                  <p:childTnLst>
+                                    <p:set>
+                                      <p:cBhvr>
+                                        <p:cTn id="40" dur="1" fill="hold">
+                                          <p:stCondLst>
+                                            <p:cond delay="0"/>
+                                          </p:stCondLst>
+                                        </p:cTn>
+                                        <p:tgtEl>
+                                          <p:spTgt spid="25"/>
+                                        </p:tgtEl>
+                                        <p:attrNameLst>
+                                          <p:attrName>style.visibility</p:attrName>
+                                        </p:attrNameLst>
+                                      </p:cBhvr>
+                                      <p:to>
+                                        <p:strVal val="visible"/>
+                                      </p:to>
+                                    </p:set>
+                                  </p:childTnLst>
+                                </p:cTn>
+                              </p:par>
+                              <p:par>
+                                <p:cTn id="41" presetID="1" presetClass="entr" presetSubtype="0" fill="hold" nodeType="withEffect">
+                                  <p:stCondLst>
+                                    <p:cond delay="0"/>
+                                  </p:stCondLst>
+                                  <p:childTnLst>
+                                    <p:set>
+                                      <p:cBhvr>
+                                        <p:cTn id="42" dur="1" fill="hold">
+                                          <p:stCondLst>
+                                            <p:cond delay="0"/>
+                                          </p:stCondLst>
+                                        </p:cTn>
+                                        <p:tgtEl>
+                                          <p:spTgt spid="24"/>
+                                        </p:tgtEl>
+                                        <p:attrNameLst>
+                                          <p:attrName>style.visibility</p:attrName>
+                                        </p:attrNameLst>
+                                      </p:cBhvr>
+                                      <p:to>
+                                        <p:strVal val="visible"/>
+                                      </p:to>
+                                    </p:set>
+                                  </p:childTnLst>
+                                </p:cTn>
+                              </p:par>
+                              <p:par>
+                                <p:cTn id="43" presetID="1" presetClass="entr" presetSubtype="0" fill="hold" grpId="0" nodeType="withEffect">
+                                  <p:stCondLst>
+                                    <p:cond delay="0"/>
+                                  </p:stCondLst>
+                                  <p:childTnLst>
+                                    <p:set>
+                                      <p:cBhvr>
+                                        <p:cTn id="44" dur="1" fill="hold">
+                                          <p:stCondLst>
+                                            <p:cond delay="0"/>
+                                          </p:stCondLst>
+                                        </p:cTn>
+                                        <p:tgtEl>
+                                          <p:spTgt spid="26"/>
+                                        </p:tgtEl>
+                                        <p:attrNameLst>
+                                          <p:attrName>style.visibility</p:attrName>
+                                        </p:attrNameLst>
+                                      </p:cBhvr>
+                                      <p:to>
+                                        <p:strVal val="visible"/>
+                                      </p:to>
+                                    </p:set>
+                                  </p:childTnLst>
+                                </p:cTn>
+                              </p:par>
+                              <p:par>
+                                <p:cTn id="45" presetID="1" presetClass="entr" presetSubtype="0" fill="hold" grpId="0" nodeType="withEffect">
+                                  <p:stCondLst>
+                                    <p:cond delay="0"/>
+                                  </p:stCondLst>
+                                  <p:childTnLst>
+                                    <p:set>
+                                      <p:cBhvr>
+                                        <p:cTn id="46" dur="1" fill="hold">
+                                          <p:stCondLst>
+                                            <p:cond delay="0"/>
+                                          </p:stCondLst>
+                                        </p:cTn>
+                                        <p:tgtEl>
+                                          <p:spTgt spid="30"/>
                                         </p:tgtEl>
                                         <p:attrNameLst>
                                           <p:attrName>style.visibility</p:attrName>
@@ -16083,97 +19387,7 @@
                                           </p:stCondLst>
                                         </p:cTn>
                                         <p:tgtEl>
-                                          <p:spTgt spid="21"/>
-                                        </p:tgtEl>
-                                        <p:attrNameLst>
-                                          <p:attrName>style.visibility</p:attrName>
-                                        </p:attrNameLst>
-                                      </p:cBhvr>
-                                      <p:to>
-                                        <p:strVal val="visible"/>
-                                      </p:to>
-                                    </p:set>
-                                  </p:childTnLst>
-                                </p:cTn>
-                              </p:par>
-                            </p:childTnLst>
-                          </p:cTn>
-                        </p:par>
-                      </p:childTnLst>
-                    </p:cTn>
-                  </p:par>
-                  <p:par>
-                    <p:cTn id="51" fill="hold">
-                      <p:stCondLst>
-                        <p:cond delay="indefinite"/>
-                      </p:stCondLst>
-                      <p:childTnLst>
-                        <p:par>
-                          <p:cTn id="52" fill="hold">
-                            <p:stCondLst>
-                              <p:cond delay="0"/>
-                            </p:stCondLst>
-                            <p:childTnLst>
-                              <p:par>
-                                <p:cTn id="53" presetID="1" presetClass="entr" presetSubtype="0" fill="hold" grpId="0" nodeType="clickEffect">
-                                  <p:stCondLst>
-                                    <p:cond delay="0"/>
-                                  </p:stCondLst>
-                                  <p:childTnLst>
-                                    <p:set>
-                                      <p:cBhvr>
-                                        <p:cTn id="54" dur="1" fill="hold">
-                                          <p:stCondLst>
-                                            <p:cond delay="0"/>
-                                          </p:stCondLst>
-                                        </p:cTn>
-                                        <p:tgtEl>
                                           <p:spTgt spid="22"/>
-                                        </p:tgtEl>
-                                        <p:attrNameLst>
-                                          <p:attrName>style.visibility</p:attrName>
-                                        </p:attrNameLst>
-                                      </p:cBhvr>
-                                      <p:to>
-                                        <p:strVal val="visible"/>
-                                      </p:to>
-                                    </p:set>
-                                  </p:childTnLst>
-                                </p:cTn>
-                              </p:par>
-                            </p:childTnLst>
-                          </p:cTn>
-                        </p:par>
-                      </p:childTnLst>
-                    </p:cTn>
-                  </p:par>
-                  <p:par>
-                    <p:cTn id="55" fill="hold">
-                      <p:stCondLst>
-                        <p:cond delay="indefinite"/>
-                      </p:stCondLst>
-                      <p:childTnLst>
-                        <p:par>
-                          <p:cTn id="56" fill="hold">
-                            <p:stCondLst>
-                              <p:cond delay="0"/>
-                            </p:stCondLst>
-                            <p:childTnLst>
-                              <p:par>
-                                <p:cTn id="57" presetID="1" presetClass="entr" presetSubtype="0" fill="hold" grpId="0" nodeType="clickEffect">
-                                  <p:stCondLst>
-                                    <p:cond delay="0"/>
-                                  </p:stCondLst>
-                                  <p:childTnLst>
-                                    <p:set>
-                                      <p:cBhvr>
-                                        <p:cTn id="58" dur="1" fill="hold">
-                                          <p:stCondLst>
-                                            <p:cond delay="0"/>
-                                          </p:stCondLst>
-                                        </p:cTn>
-                                        <p:tgtEl>
-                                          <p:spTgt spid="23"/>
                                         </p:tgtEl>
                                         <p:attrNameLst>
                                           <p:attrName>style.visibility</p:attrName>
@@ -16221,19 +19435,21 @@
       <p:bldP spid="10" grpId="0" animBg="1"/>
       <p:bldP spid="11" grpId="0" animBg="1"/>
       <p:bldP spid="12" grpId="0" animBg="1"/>
-      <p:bldP spid="13" grpId="0" animBg="1"/>
-      <p:bldP spid="14" grpId="0" animBg="1"/>
-      <p:bldP spid="15" grpId="0" animBg="1"/>
-      <p:bldP spid="16" grpId="0" animBg="1"/>
-      <p:bldP spid="21" grpId="0"/>
+      <p:bldP spid="17" grpId="0"/>
+      <p:bldP spid="18" grpId="0"/>
+      <p:bldP spid="19" grpId="0"/>
+      <p:bldP spid="20" grpId="0"/>
       <p:bldP spid="22" grpId="0"/>
-      <p:bldP spid="23" grpId="0"/>
+      <p:bldP spid="26" grpId="0" animBg="1"/>
+      <p:bldP spid="28" grpId="0"/>
+      <p:bldP spid="30" grpId="0" animBg="1"/>
+      <p:bldP spid="31" grpId="0"/>
     </p:bldLst>
   </p:timing>
 </p:sld>
 </file>
 
-<file path=ppt/slides/slide4.xml><?xml version="1.0" encoding="utf-8"?>
+<file path=ppt/slides/slide5.xml><?xml version="1.0" encoding="utf-8"?>
 <p:sld xmlns:a="http://schemas.openxmlformats.org/drawingml/2006/main" xmlns:r="http://schemas.openxmlformats.org/officeDocument/2006/relationships" xmlns:p="http://schemas.openxmlformats.org/presentationml/2006/main">
   <p:cSld>
     <p:spTree>
@@ -16273,7 +19489,7 @@
           <a:p>
             <a:fld id="{6700A58B-DD98-43D0-B791-721480A02982}" type="datetime1">
               <a:rPr lang="en-US" smtClean="0"/>
-              <a:t>3/25/21</a:t>
+              <a:t>3/31/21</a:t>
             </a:fld>
             <a:endParaRPr lang="en-US"/>
           </a:p>
@@ -16330,7 +19546,7 @@
           <a:p>
             <a:fld id="{37290FF7-652B-4475-AEAB-8B1A5D23AE09}" type="slidenum">
               <a:rPr lang="en-US" smtClean="0"/>
-              <a:t>4</a:t>
+              <a:t>5</a:t>
             </a:fld>
             <a:endParaRPr lang="en-US"/>
           </a:p>
@@ -16438,7 +19654,7 @@
 </p:sld>
 </file>
 
-<file path=ppt/slides/slide5.xml><?xml version="1.0" encoding="utf-8"?>
+<file path=ppt/slides/slide6.xml><?xml version="1.0" encoding="utf-8"?>
 <p:sld xmlns:a="http://schemas.openxmlformats.org/drawingml/2006/main" xmlns:r="http://schemas.openxmlformats.org/officeDocument/2006/relationships" xmlns:p="http://schemas.openxmlformats.org/presentationml/2006/main">
   <p:cSld>
     <p:spTree>
@@ -16478,7 +19694,7 @@
           <a:p>
             <a:fld id="{6700A58B-DD98-43D0-B791-721480A02982}" type="datetime1">
               <a:rPr lang="en-US" smtClean="0"/>
-              <a:t>3/25/21</a:t>
+              <a:t>3/31/21</a:t>
             </a:fld>
             <a:endParaRPr lang="en-US"/>
           </a:p>
@@ -16535,7 +19751,7 @@
           <a:p>
             <a:fld id="{37290FF7-652B-4475-AEAB-8B1A5D23AE09}" type="slidenum">
               <a:rPr lang="en-US" smtClean="0"/>
-              <a:t>5</a:t>
+              <a:t>6</a:t>
             </a:fld>
             <a:endParaRPr lang="en-US"/>
           </a:p>
@@ -16862,7 +20078,7 @@
 </p:sld>
 </file>
 
-<file path=ppt/slides/slide6.xml><?xml version="1.0" encoding="utf-8"?>
+<file path=ppt/slides/slide7.xml><?xml version="1.0" encoding="utf-8"?>
 <p:sld xmlns:a="http://schemas.openxmlformats.org/drawingml/2006/main" xmlns:r="http://schemas.openxmlformats.org/officeDocument/2006/relationships" xmlns:p="http://schemas.openxmlformats.org/presentationml/2006/main">
   <p:cSld>
     <p:spTree>
@@ -16902,7 +20118,7 @@
           <a:p>
             <a:fld id="{6700A58B-DD98-43D0-B791-721480A02982}" type="datetime1">
               <a:rPr lang="en-US" smtClean="0"/>
-              <a:t>3/25/21</a:t>
+              <a:t>3/31/21</a:t>
             </a:fld>
             <a:endParaRPr lang="en-US"/>
           </a:p>
@@ -16959,7 +20175,7 @@
           <a:p>
             <a:fld id="{37290FF7-652B-4475-AEAB-8B1A5D23AE09}" type="slidenum">
               <a:rPr lang="en-US" smtClean="0"/>
-              <a:t>6</a:t>
+              <a:t>7</a:t>
             </a:fld>
             <a:endParaRPr lang="en-US"/>
           </a:p>
@@ -17909,7 +21125,7 @@
         </p:nvSpPr>
         <p:spPr>
           <a:xfrm>
-            <a:off x="3902530" y="1465147"/>
+            <a:off x="3345175" y="1465147"/>
             <a:ext cx="892629" cy="1021676"/>
           </a:xfrm>
           <a:prstGeom prst="rect">
@@ -17963,7 +21179,7 @@
         </p:nvSpPr>
         <p:spPr>
           <a:xfrm>
-            <a:off x="4974771" y="1465147"/>
+            <a:off x="4417416" y="1465147"/>
             <a:ext cx="1611086" cy="1021676"/>
           </a:xfrm>
           <a:prstGeom prst="rect">
@@ -18017,7 +21233,7 @@
         </p:nvSpPr>
         <p:spPr>
           <a:xfrm>
-            <a:off x="6765469" y="1465147"/>
+            <a:off x="7348948" y="1465147"/>
             <a:ext cx="1611086" cy="1021676"/>
           </a:xfrm>
           <a:prstGeom prst="rect">
@@ -18198,6 +21414,60 @@
             <a:r>
               <a:rPr lang="en-US" dirty="0"/>
               <a:t>Probabilities are then calculated for how often a term appears in the context cluster.  The model will predict a term’s probability for being in a context with another term.</a:t>
+            </a:r>
+          </a:p>
+        </p:txBody>
+      </p:sp>
+      <p:sp>
+        <p:nvSpPr>
+          <p:cNvPr id="15" name="Rectangle 14">
+            <a:extLst>
+              <a:ext uri="{FF2B5EF4-FFF2-40B4-BE49-F238E27FC236}">
+                <a16:creationId xmlns:a16="http://schemas.microsoft.com/office/drawing/2014/main" id="{BC012C6E-CE7B-CD44-8F2A-F8E34BC7FEC0}"/>
+              </a:ext>
+            </a:extLst>
+          </p:cNvPr>
+          <p:cNvSpPr/>
+          <p:nvPr/>
+        </p:nvSpPr>
+        <p:spPr>
+          <a:xfrm>
+            <a:off x="6115050" y="1466304"/>
+            <a:ext cx="1139190" cy="1021676"/>
+          </a:xfrm>
+          <a:prstGeom prst="rect">
+            <a:avLst/>
+          </a:prstGeom>
+        </p:spPr>
+        <p:style>
+          <a:lnRef idx="2">
+            <a:schemeClr val="accent1">
+              <a:shade val="50000"/>
+            </a:schemeClr>
+          </a:lnRef>
+          <a:fillRef idx="1">
+            <a:schemeClr val="accent1"/>
+          </a:fillRef>
+          <a:effectRef idx="0">
+            <a:schemeClr val="accent1"/>
+          </a:effectRef>
+          <a:fontRef idx="minor">
+            <a:schemeClr val="lt1"/>
+          </a:fontRef>
+        </p:style>
+        <p:txBody>
+          <a:bodyPr rtlCol="0" anchor="ctr"/>
+          <a:lstStyle/>
+          <a:p>
+            <a:r>
+              <a:rPr lang="en-US" dirty="0"/>
+              <a:t>“…”</a:t>
+            </a:r>
+          </a:p>
+          <a:p>
+            <a:r>
+              <a:rPr lang="en-US" dirty="0"/>
+              <a:t>”to play”</a:t>
             </a:r>
           </a:p>
         </p:txBody>
@@ -18336,7 +21606,7 @@
                                           </p:stCondLst>
                                         </p:cTn>
                                         <p:tgtEl>
-                                          <p:spTgt spid="11"/>
+                                          <p:spTgt spid="15"/>
                                         </p:tgtEl>
                                         <p:attrNameLst>
                                           <p:attrName>style.visibility</p:attrName>
@@ -18381,34 +21651,7 @@
                                           </p:stCondLst>
                                         </p:cTn>
                                         <p:tgtEl>
-                                          <p:spTgt spid="7"/>
-                                        </p:tgtEl>
-                                        <p:attrNameLst>
-                                          <p:attrName>style.visibility</p:attrName>
-                                        </p:attrNameLst>
-                                      </p:cBhvr>
-                                      <p:to>
-                                        <p:strVal val="visible"/>
-                                      </p:to>
-                                    </p:set>
-                                  </p:childTnLst>
-                                </p:cTn>
-                              </p:par>
-                              <p:par>
-                                <p:cTn id="19" presetID="1" presetClass="entr" presetSubtype="0" fill="hold" nodeType="withEffect">
-                                  <p:stCondLst>
-                                    <p:cond delay="0"/>
-                                  </p:stCondLst>
-                                  <p:childTnLst>
-                                    <p:set>
-                                      <p:cBhvr>
-                                        <p:cTn id="20" dur="1" fill="hold">
-                                          <p:stCondLst>
-                                            <p:cond delay="0"/>
-                                          </p:stCondLst>
-                                        </p:cTn>
-                                        <p:tgtEl>
-                                          <p:spTgt spid="6"/>
+                                          <p:spTgt spid="11"/>
                                         </p:tgtEl>
                                         <p:attrNameLst>
                                           <p:attrName>style.visibility</p:attrName>
@@ -18428,19 +21671,46 @@
                     </p:cTn>
                   </p:par>
                   <p:par>
-                    <p:cTn id="21" fill="hold">
+                    <p:cTn id="19" fill="hold">
                       <p:stCondLst>
                         <p:cond delay="indefinite"/>
                       </p:stCondLst>
                       <p:childTnLst>
                         <p:par>
-                          <p:cTn id="22" fill="hold">
+                          <p:cTn id="20" fill="hold">
                             <p:stCondLst>
                               <p:cond delay="0"/>
                             </p:stCondLst>
                             <p:childTnLst>
                               <p:par>
-                                <p:cTn id="23" presetID="1" presetClass="entr" presetSubtype="0" fill="hold" grpId="0" nodeType="clickEffect">
+                                <p:cTn id="21" presetID="1" presetClass="entr" presetSubtype="0" fill="hold" grpId="0" nodeType="clickEffect">
+                                  <p:stCondLst>
+                                    <p:cond delay="0"/>
+                                  </p:stCondLst>
+                                  <p:childTnLst>
+                                    <p:set>
+                                      <p:cBhvr>
+                                        <p:cTn id="22" dur="1" fill="hold">
+                                          <p:stCondLst>
+                                            <p:cond delay="0"/>
+                                          </p:stCondLst>
+                                        </p:cTn>
+                                        <p:tgtEl>
+                                          <p:spTgt spid="7"/>
+                                        </p:tgtEl>
+                                        <p:attrNameLst>
+                                          <p:attrName>style.visibility</p:attrName>
+                                        </p:attrNameLst>
+                                      </p:cBhvr>
+                                      <p:to>
+                                        <p:strVal val="visible"/>
+                                      </p:to>
+                                    </p:set>
+                                  </p:childTnLst>
+                                </p:cTn>
+                              </p:par>
+                              <p:par>
+                                <p:cTn id="23" presetID="1" presetClass="entr" presetSubtype="0" fill="hold" nodeType="withEffect">
                                   <p:stCondLst>
                                     <p:cond delay="0"/>
                                   </p:stCondLst>
@@ -18453,52 +21723,7 @@
                                           </p:stCondLst>
                                         </p:cTn>
                                         <p:tgtEl>
-                                          <p:spTgt spid="13"/>
-                                        </p:tgtEl>
-                                        <p:attrNameLst>
-                                          <p:attrName>style.visibility</p:attrName>
-                                        </p:attrNameLst>
-                                      </p:cBhvr>
-                                      <p:to>
-                                        <p:strVal val="visible"/>
-                                      </p:to>
-                                    </p:set>
-                                  </p:childTnLst>
-                                </p:cTn>
-                              </p:par>
-                            </p:childTnLst>
-                          </p:cTn>
-                        </p:par>
-                      </p:childTnLst>
-                    </p:cTn>
-                  </p:par>
-                  <p:par>
-                    <p:cTn id="25" fill="hold">
-                      <p:stCondLst>
-                        <p:cond delay="indefinite"/>
-                      </p:stCondLst>
-                      <p:childTnLst>
-                        <p:par>
-                          <p:cTn id="26" fill="hold">
-                            <p:stCondLst>
-                              <p:cond delay="0"/>
-                            </p:stCondLst>
-                            <p:childTnLst>
-                              <p:par>
-                                <p:cTn id="27" presetID="1" presetClass="entr" presetSubtype="0" fill="hold" grpId="0" nodeType="clickEffect">
-                                  <p:stCondLst>
-                                    <p:cond delay="0"/>
-                                  </p:stCondLst>
-                                  <p:childTnLst>
-                                    <p:set>
-                                      <p:cBhvr>
-                                        <p:cTn id="28" dur="1" fill="hold">
-                                          <p:stCondLst>
-                                            <p:cond delay="0"/>
-                                          </p:stCondLst>
-                                        </p:cTn>
-                                        <p:tgtEl>
-                                          <p:spTgt spid="14"/>
+                                          <p:spTgt spid="6"/>
                                         </p:tgtEl>
                                         <p:attrNameLst>
                                           <p:attrName>style.visibility</p:attrName>
@@ -18543,14 +21768,13 @@
       <p:bldP spid="9" grpId="0" animBg="1"/>
       <p:bldP spid="10" grpId="0" animBg="1"/>
       <p:bldP spid="11" grpId="0" animBg="1"/>
-      <p:bldP spid="13" grpId="0" animBg="1"/>
-      <p:bldP spid="14" grpId="0" animBg="1"/>
+      <p:bldP spid="15" grpId="0" animBg="1"/>
     </p:bldLst>
   </p:timing>
 </p:sld>
 </file>
 
-<file path=ppt/slides/slide7.xml><?xml version="1.0" encoding="utf-8"?>
+<file path=ppt/slides/slide8.xml><?xml version="1.0" encoding="utf-8"?>
 <p:sld xmlns:a="http://schemas.openxmlformats.org/drawingml/2006/main" xmlns:r="http://schemas.openxmlformats.org/officeDocument/2006/relationships" xmlns:p="http://schemas.openxmlformats.org/presentationml/2006/main">
   <p:cSld>
     <p:spTree>
@@ -18590,7 +21814,7 @@
           <a:p>
             <a:fld id="{6700A58B-DD98-43D0-B791-721480A02982}" type="datetime1">
               <a:rPr lang="en-US" smtClean="0"/>
-              <a:t>3/25/21</a:t>
+              <a:t>3/31/21</a:t>
             </a:fld>
             <a:endParaRPr lang="en-US"/>
           </a:p>
@@ -18647,7 +21871,7 @@
           <a:p>
             <a:fld id="{37290FF7-652B-4475-AEAB-8B1A5D23AE09}" type="slidenum">
               <a:rPr lang="en-US" smtClean="0"/>
-              <a:t>7</a:t>
+              <a:t>8</a:t>
             </a:fld>
             <a:endParaRPr lang="en-US"/>
           </a:p>
@@ -19719,7 +22943,7 @@
 </p:sld>
 </file>
 
-<file path=ppt/slides/slide8.xml><?xml version="1.0" encoding="utf-8"?>
+<file path=ppt/slides/slide9.xml><?xml version="1.0" encoding="utf-8"?>
 <p:sld xmlns:a="http://schemas.openxmlformats.org/drawingml/2006/main" xmlns:r="http://schemas.openxmlformats.org/officeDocument/2006/relationships" xmlns:p="http://schemas.openxmlformats.org/presentationml/2006/main">
   <p:cSld>
     <p:spTree>
@@ -19759,7 +22983,7 @@
           <a:p>
             <a:fld id="{6700A58B-DD98-43D0-B791-721480A02982}" type="datetime1">
               <a:rPr lang="en-US" smtClean="0"/>
-              <a:t>3/25/21</a:t>
+              <a:t>3/31/21</a:t>
             </a:fld>
             <a:endParaRPr lang="en-US"/>
           </a:p>
@@ -19816,7 +23040,7 @@
           <a:p>
             <a:fld id="{37290FF7-652B-4475-AEAB-8B1A5D23AE09}" type="slidenum">
               <a:rPr lang="en-US" smtClean="0"/>
-              <a:t>8</a:t>
+              <a:t>9</a:t>
             </a:fld>
             <a:endParaRPr lang="en-US"/>
           </a:p>
@@ -20002,14 +23226,14 @@
           <a:p>
             <a:pPr algn="ctr"/>
             <a:r>
-              <a:rPr lang="en-US" sz="1600" dirty="0"/>
-              <a:t>The model has a built in function to measure its accuracy.  It is penalized when it predicts the existence of words to be in a context cluster incorrectly.  The function is called gradient dissent because it descends to a minimum.  </a:t>
+              <a:rPr lang="en-US" sz="1400" dirty="0"/>
+              <a:t>The model has a built in function to measure its accuracy to calculate the probability of words being in the same context cluster.  It is penalized when it predicts the existence of words to be in a context cluster incorrectly.  The function is called gradient dissent because it descends to a minimum.  </a:t>
             </a:r>
           </a:p>
           <a:p>
             <a:pPr algn="ctr"/>
             <a:r>
-              <a:rPr lang="en-US" sz="1600" dirty="0"/>
+              <a:rPr lang="en-US" sz="1400" dirty="0"/>
               <a:t>The “weights” of the OLS regression are optimized to minimize error.</a:t>
             </a:r>
           </a:p>
@@ -20149,255 +23373,6 @@
       <p:bldP spid="8" grpId="0" animBg="1"/>
     </p:bldLst>
   </p:timing>
-</p:sld>
-</file>
-
-<file path=ppt/slides/slide9.xml><?xml version="1.0" encoding="utf-8"?>
-<p:sld xmlns:a="http://schemas.openxmlformats.org/drawingml/2006/main" xmlns:r="http://schemas.openxmlformats.org/officeDocument/2006/relationships" xmlns:p="http://schemas.openxmlformats.org/presentationml/2006/main">
-  <p:cSld>
-    <p:spTree>
-      <p:nvGrpSpPr>
-        <p:cNvPr id="1" name=""/>
-        <p:cNvGrpSpPr/>
-        <p:nvPr/>
-      </p:nvGrpSpPr>
-      <p:grpSpPr>
-        <a:xfrm>
-          <a:off x="0" y="0"/>
-          <a:ext cx="0" cy="0"/>
-          <a:chOff x="0" y="0"/>
-          <a:chExt cx="0" cy="0"/>
-        </a:xfrm>
-      </p:grpSpPr>
-      <p:sp>
-        <p:nvSpPr>
-          <p:cNvPr id="2" name="Date Placeholder 1">
-            <a:extLst>
-              <a:ext uri="{FF2B5EF4-FFF2-40B4-BE49-F238E27FC236}">
-                <a16:creationId xmlns:a16="http://schemas.microsoft.com/office/drawing/2014/main" id="{C2682C8C-C6C4-014A-91A0-79D3AA4CD284}"/>
-              </a:ext>
-            </a:extLst>
-          </p:cNvPr>
-          <p:cNvSpPr>
-            <a:spLocks noGrp="1"/>
-          </p:cNvSpPr>
-          <p:nvPr>
-            <p:ph type="dt" sz="half" idx="10"/>
-          </p:nvPr>
-        </p:nvSpPr>
-        <p:spPr/>
-        <p:txBody>
-          <a:bodyPr/>
-          <a:lstStyle/>
-          <a:p>
-            <a:fld id="{6700A58B-DD98-43D0-B791-721480A02982}" type="datetime1">
-              <a:rPr lang="en-US" smtClean="0"/>
-              <a:t>3/25/21</a:t>
-            </a:fld>
-            <a:endParaRPr lang="en-US"/>
-          </a:p>
-        </p:txBody>
-      </p:sp>
-      <p:sp>
-        <p:nvSpPr>
-          <p:cNvPr id="3" name="Title 2">
-            <a:extLst>
-              <a:ext uri="{FF2B5EF4-FFF2-40B4-BE49-F238E27FC236}">
-                <a16:creationId xmlns:a16="http://schemas.microsoft.com/office/drawing/2014/main" id="{C29F1203-8663-9341-AB14-D0BA806DD8B0}"/>
-              </a:ext>
-            </a:extLst>
-          </p:cNvPr>
-          <p:cNvSpPr>
-            <a:spLocks noGrp="1"/>
-          </p:cNvSpPr>
-          <p:nvPr>
-            <p:ph type="title"/>
-          </p:nvPr>
-        </p:nvSpPr>
-        <p:spPr/>
-        <p:txBody>
-          <a:bodyPr/>
-          <a:lstStyle/>
-          <a:p>
-            <a:r>
-              <a:rPr lang="en-US" dirty="0"/>
-              <a:t>Word2Vec uses Deep Neural Networks</a:t>
-            </a:r>
-          </a:p>
-        </p:txBody>
-      </p:sp>
-      <p:sp>
-        <p:nvSpPr>
-          <p:cNvPr id="4" name="Slide Number Placeholder 3">
-            <a:extLst>
-              <a:ext uri="{FF2B5EF4-FFF2-40B4-BE49-F238E27FC236}">
-                <a16:creationId xmlns:a16="http://schemas.microsoft.com/office/drawing/2014/main" id="{E73B942A-2B4E-F342-BA2C-958DA17581AE}"/>
-              </a:ext>
-            </a:extLst>
-          </p:cNvPr>
-          <p:cNvSpPr>
-            <a:spLocks noGrp="1"/>
-          </p:cNvSpPr>
-          <p:nvPr>
-            <p:ph type="sldNum" sz="quarter" idx="12"/>
-          </p:nvPr>
-        </p:nvSpPr>
-        <p:spPr/>
-        <p:txBody>
-          <a:bodyPr/>
-          <a:lstStyle/>
-          <a:p>
-            <a:fld id="{37290FF7-652B-4475-AEAB-8B1A5D23AE09}" type="slidenum">
-              <a:rPr lang="en-US" smtClean="0"/>
-              <a:t>9</a:t>
-            </a:fld>
-            <a:endParaRPr lang="en-US"/>
-          </a:p>
-        </p:txBody>
-      </p:sp>
-      <p:sp>
-        <p:nvSpPr>
-          <p:cNvPr id="5" name="Footer Placeholder 4">
-            <a:extLst>
-              <a:ext uri="{FF2B5EF4-FFF2-40B4-BE49-F238E27FC236}">
-                <a16:creationId xmlns:a16="http://schemas.microsoft.com/office/drawing/2014/main" id="{BD7E4050-AAEB-D140-8FE9-F32499D5A53E}"/>
-              </a:ext>
-            </a:extLst>
-          </p:cNvPr>
-          <p:cNvSpPr>
-            <a:spLocks noGrp="1"/>
-          </p:cNvSpPr>
-          <p:nvPr>
-            <p:ph type="ftr" sz="quarter" idx="3"/>
-          </p:nvPr>
-        </p:nvSpPr>
-        <p:spPr/>
-        <p:txBody>
-          <a:bodyPr/>
-          <a:lstStyle/>
-          <a:p>
-            <a:r>
-              <a:rPr lang="en-US"/>
-              <a:t>Kwartler</a:t>
-            </a:r>
-            <a:endParaRPr lang="en-US" dirty="0"/>
-          </a:p>
-        </p:txBody>
-      </p:sp>
-      <p:sp>
-        <p:nvSpPr>
-          <p:cNvPr id="6" name="Rectangle 5">
-            <a:extLst>
-              <a:ext uri="{FF2B5EF4-FFF2-40B4-BE49-F238E27FC236}">
-                <a16:creationId xmlns:a16="http://schemas.microsoft.com/office/drawing/2014/main" id="{F72D95A7-8408-034A-9051-0CE66D18CA18}"/>
-              </a:ext>
-            </a:extLst>
-          </p:cNvPr>
-          <p:cNvSpPr/>
-          <p:nvPr/>
-        </p:nvSpPr>
-        <p:spPr>
-          <a:xfrm>
-            <a:off x="1821153" y="2973895"/>
-            <a:ext cx="5501693" cy="682581"/>
-          </a:xfrm>
-          <a:prstGeom prst="rect">
-            <a:avLst/>
-          </a:prstGeom>
-        </p:spPr>
-        <p:style>
-          <a:lnRef idx="2">
-            <a:schemeClr val="accent1">
-              <a:shade val="50000"/>
-            </a:schemeClr>
-          </a:lnRef>
-          <a:fillRef idx="1">
-            <a:schemeClr val="accent1"/>
-          </a:fillRef>
-          <a:effectRef idx="0">
-            <a:schemeClr val="accent1"/>
-          </a:effectRef>
-          <a:fontRef idx="minor">
-            <a:schemeClr val="lt1"/>
-          </a:fontRef>
-        </p:style>
-        <p:txBody>
-          <a:bodyPr rtlCol="0" anchor="ctr"/>
-          <a:lstStyle/>
-          <a:p>
-            <a:pPr algn="ctr"/>
-            <a:r>
-              <a:rPr lang="en-US" dirty="0"/>
-              <a:t>Not covered in class </a:t>
-            </a:r>
-            <a:r>
-              <a:rPr lang="en-US" dirty="0" err="1"/>
-              <a:t>bc</a:t>
-            </a:r>
-            <a:r>
-              <a:rPr lang="en-US" dirty="0"/>
-              <a:t> its conceptually the same but weights are gathered in a different method</a:t>
-            </a:r>
-          </a:p>
-        </p:txBody>
-      </p:sp>
-      <p:sp>
-        <p:nvSpPr>
-          <p:cNvPr id="7" name="TextBox 6">
-            <a:extLst>
-              <a:ext uri="{FF2B5EF4-FFF2-40B4-BE49-F238E27FC236}">
-                <a16:creationId xmlns:a16="http://schemas.microsoft.com/office/drawing/2014/main" id="{6DA8B2E0-688E-CB49-8F54-2CDBE4CB547B}"/>
-              </a:ext>
-            </a:extLst>
-          </p:cNvPr>
-          <p:cNvSpPr txBox="1"/>
-          <p:nvPr/>
-        </p:nvSpPr>
-        <p:spPr>
-          <a:xfrm>
-            <a:off x="628650" y="4683248"/>
-            <a:ext cx="7496860" cy="646331"/>
-          </a:xfrm>
-          <a:prstGeom prst="rect">
-            <a:avLst/>
-          </a:prstGeom>
-          <a:noFill/>
-        </p:spPr>
-        <p:txBody>
-          <a:bodyPr wrap="none" rtlCol="0">
-            <a:spAutoFit/>
-          </a:bodyPr>
-          <a:lstStyle/>
-          <a:p>
-            <a:r>
-              <a:rPr lang="en-US" dirty="0">
-                <a:hlinkClick r:id="rId2"/>
-              </a:rPr>
-              <a:t>https://cran.r-project.org/web/packages/word2vec/word2vec.pdf</a:t>
-            </a:r>
-            <a:endParaRPr lang="en-US" dirty="0"/>
-          </a:p>
-          <a:p>
-            <a:r>
-              <a:rPr lang="en-US" dirty="0">
-                <a:hlinkClick r:id="rId3"/>
-              </a:rPr>
-              <a:t>https://blogs.rstudio.com/ai/posts/2017-12-22-word-embeddings-with-keras/</a:t>
-            </a:r>
-            <a:endParaRPr lang="en-US" dirty="0"/>
-          </a:p>
-        </p:txBody>
-      </p:sp>
-    </p:spTree>
-    <p:extLst>
-      <p:ext uri="{BB962C8B-B14F-4D97-AF65-F5344CB8AC3E}">
-        <p14:creationId xmlns:p14="http://schemas.microsoft.com/office/powerpoint/2010/main" val="2132542440"/>
-      </p:ext>
-    </p:extLst>
-  </p:cSld>
-  <p:clrMapOvr>
-    <a:masterClrMapping/>
-  </p:clrMapOvr>
 </p:sld>
 </file>
 
